--- a/Proiektua/Aurkezpena.pptx
+++ b/Proiektua/Aurkezpena.pptx
@@ -27,16 +27,18 @@
     <p:sldId id="267" r:id="rId21"/>
     <p:sldId id="281" r:id="rId22"/>
     <p:sldId id="282" r:id="rId23"/>
-    <p:sldId id="286" r:id="rId24"/>
-    <p:sldId id="268" r:id="rId25"/>
-    <p:sldId id="269" r:id="rId26"/>
-    <p:sldId id="270" r:id="rId27"/>
-    <p:sldId id="290" r:id="rId28"/>
-    <p:sldId id="283" r:id="rId29"/>
-    <p:sldId id="284" r:id="rId30"/>
-    <p:sldId id="271" r:id="rId31"/>
-    <p:sldId id="285" r:id="rId32"/>
-    <p:sldId id="288" r:id="rId33"/>
+    <p:sldId id="292" r:id="rId24"/>
+    <p:sldId id="286" r:id="rId25"/>
+    <p:sldId id="268" r:id="rId26"/>
+    <p:sldId id="269" r:id="rId27"/>
+    <p:sldId id="270" r:id="rId28"/>
+    <p:sldId id="290" r:id="rId29"/>
+    <p:sldId id="283" r:id="rId30"/>
+    <p:sldId id="291" r:id="rId31"/>
+    <p:sldId id="284" r:id="rId32"/>
+    <p:sldId id="271" r:id="rId33"/>
+    <p:sldId id="285" r:id="rId34"/>
+    <p:sldId id="288" r:id="rId35"/>
   </p:sldIdLst>
   <p:sldSz cx="12192000" cy="6858000"/>
   <p:notesSz cx="6858000" cy="9144000"/>
@@ -162,12 +164,14 @@
             <p14:sldId id="267"/>
             <p14:sldId id="281"/>
             <p14:sldId id="282"/>
+            <p14:sldId id="292"/>
             <p14:sldId id="286"/>
             <p14:sldId id="268"/>
             <p14:sldId id="269"/>
             <p14:sldId id="270"/>
             <p14:sldId id="290"/>
             <p14:sldId id="283"/>
+            <p14:sldId id="291"/>
             <p14:sldId id="284"/>
             <p14:sldId id="271"/>
             <p14:sldId id="285"/>
@@ -326,7 +330,7 @@
                   <a:bodyPr/>
                   <a:lstStyle/>
                   <a:p>
-                    <a:fld id="{6721527D-79E5-4090-B659-2A8331BDD9C0}" type="CELLRANGE">
+                    <a:fld id="{C7B121FF-FE37-4165-9EA8-8AA73811FD1D}" type="CELLRANGE">
                       <a:rPr lang="en-US"/>
                       <a:pPr/>
                       <a:t>[CELLRANGE]</a:t>
@@ -359,7 +363,7 @@
                   <a:bodyPr/>
                   <a:lstStyle/>
                   <a:p>
-                    <a:fld id="{62B71322-0BEF-47F6-8A77-2FA7530CFB4D}" type="CELLRANGE">
+                    <a:fld id="{4A6E0853-849D-40B0-9DDB-EA2CF9B38FFF}" type="CELLRANGE">
                       <a:rPr lang="es-ES"/>
                       <a:pPr/>
                       <a:t>[CELLRANGE]</a:t>
@@ -393,7 +397,7 @@
                   <a:bodyPr/>
                   <a:lstStyle/>
                   <a:p>
-                    <a:fld id="{7459940F-2B22-4799-A422-FCDF61F4A493}" type="CELLRANGE">
+                    <a:fld id="{EC63E3C9-AC6D-4BC0-AD5E-FCE905DFB5A7}" type="CELLRANGE">
                       <a:rPr lang="es-ES"/>
                       <a:pPr/>
                       <a:t>[CELLRANGE]</a:t>
@@ -427,7 +431,7 @@
                   <a:bodyPr/>
                   <a:lstStyle/>
                   <a:p>
-                    <a:fld id="{551AC91B-401C-4AAD-8AC5-4B66178E3A9B}" type="CELLRANGE">
+                    <a:fld id="{54CA8E95-222C-4489-9281-221429E8BF43}" type="CELLRANGE">
                       <a:rPr lang="es-ES"/>
                       <a:pPr/>
                       <a:t>[CELLRANGE]</a:t>
@@ -461,7 +465,7 @@
                   <a:bodyPr/>
                   <a:lstStyle/>
                   <a:p>
-                    <a:fld id="{7092F349-CC92-406D-BBBC-8748B8DEA730}" type="CELLRANGE">
+                    <a:fld id="{5515B825-DE1D-4C62-9F80-F67482DA7E84}" type="CELLRANGE">
                       <a:rPr lang="es-ES"/>
                       <a:pPr/>
                       <a:t>[CELLRANGE]</a:t>
@@ -501,7 +505,7 @@
                   <a:bodyPr/>
                   <a:lstStyle/>
                   <a:p>
-                    <a:fld id="{60BFA1B8-D0A3-4DD0-BD6F-7C782DF68C93}" type="CELLRANGE">
+                    <a:fld id="{6A162C1E-EC3E-4FB1-9DEF-1FA6DA6B1B59}" type="CELLRANGE">
                       <a:rPr lang="en-US"/>
                       <a:pPr/>
                       <a:t>[CELLRANGE]</a:t>
@@ -534,7 +538,7 @@
                   <a:bodyPr/>
                   <a:lstStyle/>
                   <a:p>
-                    <a:fld id="{7636A4ED-349D-4A4E-823D-17C7F680459C}" type="CELLRANGE">
+                    <a:fld id="{23D6B98E-7B8C-415E-B07A-8D37A39F83CB}" type="CELLRANGE">
                       <a:rPr lang="es-ES"/>
                       <a:pPr/>
                       <a:t>[CELLRANGE]</a:t>
@@ -568,7 +572,7 @@
                   <a:bodyPr/>
                   <a:lstStyle/>
                   <a:p>
-                    <a:fld id="{4457D36B-8B32-4C5B-B671-690309669B74}" type="CELLRANGE">
+                    <a:fld id="{72BC8991-EF89-44EC-BE57-F65FE8673BEF}" type="CELLRANGE">
                       <a:rPr lang="es-ES"/>
                       <a:pPr/>
                       <a:t>[CELLRANGE]</a:t>
@@ -608,7 +612,7 @@
                   <a:bodyPr/>
                   <a:lstStyle/>
                   <a:p>
-                    <a:fld id="{2CB35ADE-760F-40C3-B5E4-796C99049696}" type="CELLRANGE">
+                    <a:fld id="{E577CB8F-DD9E-4363-9241-4A9D98E54244}" type="CELLRANGE">
                       <a:rPr lang="en-US"/>
                       <a:pPr/>
                       <a:t>[CELLRANGE]</a:t>
@@ -2400,7 +2404,976 @@
 </dgm:colorsDef>
 </file>
 
+<file path=ppt/diagrams/colors2.xml><?xml version="1.0" encoding="utf-8"?>
+<dgm:colorsDef xmlns:dgm="http://schemas.openxmlformats.org/drawingml/2006/diagram" xmlns:a="http://schemas.openxmlformats.org/drawingml/2006/main" uniqueId="urn:microsoft.com/office/officeart/2005/8/colors/accent1_2">
+  <dgm:title val=""/>
+  <dgm:desc val=""/>
+  <dgm:catLst>
+    <dgm:cat type="accent1" pri="11200"/>
+  </dgm:catLst>
+  <dgm:styleLbl name="node0">
+    <dgm:fillClrLst meth="repeat">
+      <a:schemeClr val="accent1"/>
+    </dgm:fillClrLst>
+    <dgm:linClrLst meth="repeat">
+      <a:schemeClr val="lt1"/>
+    </dgm:linClrLst>
+    <dgm:effectClrLst/>
+    <dgm:txLinClrLst/>
+    <dgm:txFillClrLst/>
+    <dgm:txEffectClrLst/>
+  </dgm:styleLbl>
+  <dgm:styleLbl name="alignNode1">
+    <dgm:fillClrLst meth="repeat">
+      <a:schemeClr val="accent1"/>
+    </dgm:fillClrLst>
+    <dgm:linClrLst meth="repeat">
+      <a:schemeClr val="accent1"/>
+    </dgm:linClrLst>
+    <dgm:effectClrLst/>
+    <dgm:txLinClrLst/>
+    <dgm:txFillClrLst/>
+    <dgm:txEffectClrLst/>
+  </dgm:styleLbl>
+  <dgm:styleLbl name="node1">
+    <dgm:fillClrLst meth="repeat">
+      <a:schemeClr val="accent1"/>
+    </dgm:fillClrLst>
+    <dgm:linClrLst meth="repeat">
+      <a:schemeClr val="lt1"/>
+    </dgm:linClrLst>
+    <dgm:effectClrLst/>
+    <dgm:txLinClrLst/>
+    <dgm:txFillClrLst/>
+    <dgm:txEffectClrLst/>
+  </dgm:styleLbl>
+  <dgm:styleLbl name="lnNode1">
+    <dgm:fillClrLst meth="repeat">
+      <a:schemeClr val="accent1"/>
+    </dgm:fillClrLst>
+    <dgm:linClrLst meth="repeat">
+      <a:schemeClr val="lt1"/>
+    </dgm:linClrLst>
+    <dgm:effectClrLst/>
+    <dgm:txLinClrLst/>
+    <dgm:txFillClrLst/>
+    <dgm:txEffectClrLst/>
+  </dgm:styleLbl>
+  <dgm:styleLbl name="vennNode1">
+    <dgm:fillClrLst meth="repeat">
+      <a:schemeClr val="accent1">
+        <a:alpha val="50000"/>
+      </a:schemeClr>
+    </dgm:fillClrLst>
+    <dgm:linClrLst meth="repeat">
+      <a:schemeClr val="lt1"/>
+    </dgm:linClrLst>
+    <dgm:effectClrLst/>
+    <dgm:txLinClrLst/>
+    <dgm:txFillClrLst/>
+    <dgm:txEffectClrLst/>
+  </dgm:styleLbl>
+  <dgm:styleLbl name="node2">
+    <dgm:fillClrLst meth="repeat">
+      <a:schemeClr val="accent1"/>
+    </dgm:fillClrLst>
+    <dgm:linClrLst meth="repeat">
+      <a:schemeClr val="lt1"/>
+    </dgm:linClrLst>
+    <dgm:effectClrLst/>
+    <dgm:txLinClrLst/>
+    <dgm:txFillClrLst/>
+    <dgm:txEffectClrLst/>
+  </dgm:styleLbl>
+  <dgm:styleLbl name="node3">
+    <dgm:fillClrLst meth="repeat">
+      <a:schemeClr val="accent1"/>
+    </dgm:fillClrLst>
+    <dgm:linClrLst meth="repeat">
+      <a:schemeClr val="lt1"/>
+    </dgm:linClrLst>
+    <dgm:effectClrLst/>
+    <dgm:txLinClrLst/>
+    <dgm:txFillClrLst/>
+    <dgm:txEffectClrLst/>
+  </dgm:styleLbl>
+  <dgm:styleLbl name="node4">
+    <dgm:fillClrLst meth="repeat">
+      <a:schemeClr val="accent1"/>
+    </dgm:fillClrLst>
+    <dgm:linClrLst meth="repeat">
+      <a:schemeClr val="lt1"/>
+    </dgm:linClrLst>
+    <dgm:effectClrLst/>
+    <dgm:txLinClrLst/>
+    <dgm:txFillClrLst/>
+    <dgm:txEffectClrLst/>
+  </dgm:styleLbl>
+  <dgm:styleLbl name="fgImgPlace1">
+    <dgm:fillClrLst meth="repeat">
+      <a:schemeClr val="accent1">
+        <a:tint val="50000"/>
+      </a:schemeClr>
+    </dgm:fillClrLst>
+    <dgm:linClrLst meth="repeat">
+      <a:schemeClr val="lt1"/>
+    </dgm:linClrLst>
+    <dgm:effectClrLst/>
+    <dgm:txLinClrLst/>
+    <dgm:txFillClrLst meth="repeat">
+      <a:schemeClr val="lt1"/>
+    </dgm:txFillClrLst>
+    <dgm:txEffectClrLst/>
+  </dgm:styleLbl>
+  <dgm:styleLbl name="alignImgPlace1">
+    <dgm:fillClrLst meth="repeat">
+      <a:schemeClr val="accent1">
+        <a:tint val="50000"/>
+      </a:schemeClr>
+    </dgm:fillClrLst>
+    <dgm:linClrLst meth="repeat">
+      <a:schemeClr val="lt1"/>
+    </dgm:linClrLst>
+    <dgm:effectClrLst/>
+    <dgm:txLinClrLst/>
+    <dgm:txFillClrLst meth="repeat">
+      <a:schemeClr val="lt1"/>
+    </dgm:txFillClrLst>
+    <dgm:txEffectClrLst/>
+  </dgm:styleLbl>
+  <dgm:styleLbl name="bgImgPlace1">
+    <dgm:fillClrLst meth="repeat">
+      <a:schemeClr val="accent1">
+        <a:tint val="50000"/>
+      </a:schemeClr>
+    </dgm:fillClrLst>
+    <dgm:linClrLst meth="repeat">
+      <a:schemeClr val="lt1"/>
+    </dgm:linClrLst>
+    <dgm:effectClrLst/>
+    <dgm:txLinClrLst/>
+    <dgm:txFillClrLst meth="repeat">
+      <a:schemeClr val="lt1"/>
+    </dgm:txFillClrLst>
+    <dgm:txEffectClrLst/>
+  </dgm:styleLbl>
+  <dgm:styleLbl name="sibTrans2D1">
+    <dgm:fillClrLst meth="repeat">
+      <a:schemeClr val="accent1">
+        <a:tint val="60000"/>
+      </a:schemeClr>
+    </dgm:fillClrLst>
+    <dgm:linClrLst meth="repeat">
+      <a:schemeClr val="accent1">
+        <a:tint val="60000"/>
+      </a:schemeClr>
+    </dgm:linClrLst>
+    <dgm:effectClrLst/>
+    <dgm:txLinClrLst/>
+    <dgm:txFillClrLst/>
+    <dgm:txEffectClrLst/>
+  </dgm:styleLbl>
+  <dgm:styleLbl name="fgSibTrans2D1">
+    <dgm:fillClrLst meth="repeat">
+      <a:schemeClr val="accent1">
+        <a:tint val="60000"/>
+      </a:schemeClr>
+    </dgm:fillClrLst>
+    <dgm:linClrLst meth="repeat">
+      <a:schemeClr val="accent1">
+        <a:tint val="60000"/>
+      </a:schemeClr>
+    </dgm:linClrLst>
+    <dgm:effectClrLst/>
+    <dgm:txLinClrLst/>
+    <dgm:txFillClrLst/>
+    <dgm:txEffectClrLst/>
+  </dgm:styleLbl>
+  <dgm:styleLbl name="bgSibTrans2D1">
+    <dgm:fillClrLst meth="repeat">
+      <a:schemeClr val="accent1">
+        <a:tint val="60000"/>
+      </a:schemeClr>
+    </dgm:fillClrLst>
+    <dgm:linClrLst meth="repeat">
+      <a:schemeClr val="accent1">
+        <a:tint val="60000"/>
+      </a:schemeClr>
+    </dgm:linClrLst>
+    <dgm:effectClrLst/>
+    <dgm:txLinClrLst/>
+    <dgm:txFillClrLst/>
+    <dgm:txEffectClrLst/>
+  </dgm:styleLbl>
+  <dgm:styleLbl name="sibTrans1D1">
+    <dgm:fillClrLst meth="repeat">
+      <a:schemeClr val="accent1"/>
+    </dgm:fillClrLst>
+    <dgm:linClrLst meth="repeat">
+      <a:schemeClr val="accent1"/>
+    </dgm:linClrLst>
+    <dgm:effectClrLst/>
+    <dgm:txLinClrLst/>
+    <dgm:txFillClrLst meth="repeat">
+      <a:schemeClr val="tx1"/>
+    </dgm:txFillClrLst>
+    <dgm:txEffectClrLst/>
+  </dgm:styleLbl>
+  <dgm:styleLbl name="callout">
+    <dgm:fillClrLst meth="repeat">
+      <a:schemeClr val="accent1"/>
+    </dgm:fillClrLst>
+    <dgm:linClrLst meth="repeat">
+      <a:schemeClr val="accent1">
+        <a:tint val="50000"/>
+      </a:schemeClr>
+    </dgm:linClrLst>
+    <dgm:effectClrLst/>
+    <dgm:txLinClrLst/>
+    <dgm:txFillClrLst meth="repeat">
+      <a:schemeClr val="tx1"/>
+    </dgm:txFillClrLst>
+    <dgm:txEffectClrLst/>
+  </dgm:styleLbl>
+  <dgm:styleLbl name="asst0">
+    <dgm:fillClrLst meth="repeat">
+      <a:schemeClr val="accent1"/>
+    </dgm:fillClrLst>
+    <dgm:linClrLst meth="repeat">
+      <a:schemeClr val="lt1"/>
+    </dgm:linClrLst>
+    <dgm:effectClrLst/>
+    <dgm:txLinClrLst/>
+    <dgm:txFillClrLst/>
+    <dgm:txEffectClrLst/>
+  </dgm:styleLbl>
+  <dgm:styleLbl name="asst1">
+    <dgm:fillClrLst meth="repeat">
+      <a:schemeClr val="accent1"/>
+    </dgm:fillClrLst>
+    <dgm:linClrLst meth="repeat">
+      <a:schemeClr val="lt1"/>
+    </dgm:linClrLst>
+    <dgm:effectClrLst/>
+    <dgm:txLinClrLst/>
+    <dgm:txFillClrLst/>
+    <dgm:txEffectClrLst/>
+  </dgm:styleLbl>
+  <dgm:styleLbl name="asst2">
+    <dgm:fillClrLst meth="repeat">
+      <a:schemeClr val="accent1"/>
+    </dgm:fillClrLst>
+    <dgm:linClrLst meth="repeat">
+      <a:schemeClr val="lt1"/>
+    </dgm:linClrLst>
+    <dgm:effectClrLst/>
+    <dgm:txLinClrLst/>
+    <dgm:txFillClrLst/>
+    <dgm:txEffectClrLst/>
+  </dgm:styleLbl>
+  <dgm:styleLbl name="asst3">
+    <dgm:fillClrLst meth="repeat">
+      <a:schemeClr val="accent1"/>
+    </dgm:fillClrLst>
+    <dgm:linClrLst meth="repeat">
+      <a:schemeClr val="lt1"/>
+    </dgm:linClrLst>
+    <dgm:effectClrLst/>
+    <dgm:txLinClrLst/>
+    <dgm:txFillClrLst/>
+    <dgm:txEffectClrLst/>
+  </dgm:styleLbl>
+  <dgm:styleLbl name="asst4">
+    <dgm:fillClrLst meth="repeat">
+      <a:schemeClr val="accent1"/>
+    </dgm:fillClrLst>
+    <dgm:linClrLst meth="repeat">
+      <a:schemeClr val="lt1"/>
+    </dgm:linClrLst>
+    <dgm:effectClrLst/>
+    <dgm:txLinClrLst/>
+    <dgm:txFillClrLst/>
+    <dgm:txEffectClrLst/>
+  </dgm:styleLbl>
+  <dgm:styleLbl name="parChTrans2D1">
+    <dgm:fillClrLst meth="repeat">
+      <a:schemeClr val="accent1">
+        <a:tint val="60000"/>
+      </a:schemeClr>
+    </dgm:fillClrLst>
+    <dgm:linClrLst meth="repeat">
+      <a:schemeClr val="accent1">
+        <a:tint val="60000"/>
+      </a:schemeClr>
+    </dgm:linClrLst>
+    <dgm:effectClrLst/>
+    <dgm:txLinClrLst/>
+    <dgm:txFillClrLst meth="repeat">
+      <a:schemeClr val="lt1"/>
+    </dgm:txFillClrLst>
+    <dgm:txEffectClrLst/>
+  </dgm:styleLbl>
+  <dgm:styleLbl name="parChTrans2D2">
+    <dgm:fillClrLst meth="repeat">
+      <a:schemeClr val="accent1"/>
+    </dgm:fillClrLst>
+    <dgm:linClrLst meth="repeat">
+      <a:schemeClr val="accent1"/>
+    </dgm:linClrLst>
+    <dgm:effectClrLst/>
+    <dgm:txLinClrLst/>
+    <dgm:txFillClrLst meth="repeat">
+      <a:schemeClr val="lt1"/>
+    </dgm:txFillClrLst>
+    <dgm:txEffectClrLst/>
+  </dgm:styleLbl>
+  <dgm:styleLbl name="parChTrans2D3">
+    <dgm:fillClrLst meth="repeat">
+      <a:schemeClr val="accent1"/>
+    </dgm:fillClrLst>
+    <dgm:linClrLst meth="repeat">
+      <a:schemeClr val="accent1"/>
+    </dgm:linClrLst>
+    <dgm:effectClrLst/>
+    <dgm:txLinClrLst/>
+    <dgm:txFillClrLst meth="repeat">
+      <a:schemeClr val="lt1"/>
+    </dgm:txFillClrLst>
+    <dgm:txEffectClrLst/>
+  </dgm:styleLbl>
+  <dgm:styleLbl name="parChTrans2D4">
+    <dgm:fillClrLst meth="repeat">
+      <a:schemeClr val="accent1"/>
+    </dgm:fillClrLst>
+    <dgm:linClrLst meth="repeat">
+      <a:schemeClr val="accent1"/>
+    </dgm:linClrLst>
+    <dgm:effectClrLst/>
+    <dgm:txLinClrLst/>
+    <dgm:txFillClrLst meth="repeat">
+      <a:schemeClr val="lt1"/>
+    </dgm:txFillClrLst>
+    <dgm:txEffectClrLst/>
+  </dgm:styleLbl>
+  <dgm:styleLbl name="parChTrans1D1">
+    <dgm:fillClrLst meth="repeat">
+      <a:schemeClr val="accent1"/>
+    </dgm:fillClrLst>
+    <dgm:linClrLst meth="repeat">
+      <a:schemeClr val="accent1">
+        <a:shade val="60000"/>
+      </a:schemeClr>
+    </dgm:linClrLst>
+    <dgm:effectClrLst/>
+    <dgm:txLinClrLst/>
+    <dgm:txFillClrLst meth="repeat">
+      <a:schemeClr val="tx1"/>
+    </dgm:txFillClrLst>
+    <dgm:txEffectClrLst/>
+  </dgm:styleLbl>
+  <dgm:styleLbl name="parChTrans1D2">
+    <dgm:fillClrLst meth="repeat">
+      <a:schemeClr val="accent1"/>
+    </dgm:fillClrLst>
+    <dgm:linClrLst meth="repeat">
+      <a:schemeClr val="accent1">
+        <a:shade val="60000"/>
+      </a:schemeClr>
+    </dgm:linClrLst>
+    <dgm:effectClrLst/>
+    <dgm:txLinClrLst/>
+    <dgm:txFillClrLst meth="repeat">
+      <a:schemeClr val="tx1"/>
+    </dgm:txFillClrLst>
+    <dgm:txEffectClrLst/>
+  </dgm:styleLbl>
+  <dgm:styleLbl name="parChTrans1D3">
+    <dgm:fillClrLst meth="repeat">
+      <a:schemeClr val="accent1"/>
+    </dgm:fillClrLst>
+    <dgm:linClrLst meth="repeat">
+      <a:schemeClr val="accent1">
+        <a:shade val="80000"/>
+      </a:schemeClr>
+    </dgm:linClrLst>
+    <dgm:effectClrLst/>
+    <dgm:txLinClrLst/>
+    <dgm:txFillClrLst meth="repeat">
+      <a:schemeClr val="tx1"/>
+    </dgm:txFillClrLst>
+    <dgm:txEffectClrLst/>
+  </dgm:styleLbl>
+  <dgm:styleLbl name="parChTrans1D4">
+    <dgm:fillClrLst meth="repeat">
+      <a:schemeClr val="accent1"/>
+    </dgm:fillClrLst>
+    <dgm:linClrLst meth="repeat">
+      <a:schemeClr val="accent1">
+        <a:shade val="80000"/>
+      </a:schemeClr>
+    </dgm:linClrLst>
+    <dgm:effectClrLst/>
+    <dgm:txLinClrLst/>
+    <dgm:txFillClrLst meth="repeat">
+      <a:schemeClr val="tx1"/>
+    </dgm:txFillClrLst>
+    <dgm:txEffectClrLst/>
+  </dgm:styleLbl>
+  <dgm:styleLbl name="fgAcc1">
+    <dgm:fillClrLst meth="repeat">
+      <a:schemeClr val="lt1">
+        <a:alpha val="90000"/>
+      </a:schemeClr>
+    </dgm:fillClrLst>
+    <dgm:linClrLst meth="repeat">
+      <a:schemeClr val="accent1"/>
+    </dgm:linClrLst>
+    <dgm:effectClrLst/>
+    <dgm:txLinClrLst/>
+    <dgm:txFillClrLst meth="repeat">
+      <a:schemeClr val="dk1"/>
+    </dgm:txFillClrLst>
+    <dgm:txEffectClrLst/>
+  </dgm:styleLbl>
+  <dgm:styleLbl name="conFgAcc1">
+    <dgm:fillClrLst meth="repeat">
+      <a:schemeClr val="lt1">
+        <a:alpha val="90000"/>
+      </a:schemeClr>
+    </dgm:fillClrLst>
+    <dgm:linClrLst meth="repeat">
+      <a:schemeClr val="accent1"/>
+    </dgm:linClrLst>
+    <dgm:effectClrLst/>
+    <dgm:txLinClrLst/>
+    <dgm:txFillClrLst meth="repeat">
+      <a:schemeClr val="dk1"/>
+    </dgm:txFillClrLst>
+    <dgm:txEffectClrLst/>
+  </dgm:styleLbl>
+  <dgm:styleLbl name="alignAcc1">
+    <dgm:fillClrLst meth="repeat">
+      <a:schemeClr val="lt1">
+        <a:alpha val="90000"/>
+      </a:schemeClr>
+    </dgm:fillClrLst>
+    <dgm:linClrLst meth="repeat">
+      <a:schemeClr val="accent1"/>
+    </dgm:linClrLst>
+    <dgm:effectClrLst/>
+    <dgm:txLinClrLst/>
+    <dgm:txFillClrLst meth="repeat">
+      <a:schemeClr val="dk1"/>
+    </dgm:txFillClrLst>
+    <dgm:txEffectClrLst/>
+  </dgm:styleLbl>
+  <dgm:styleLbl name="trAlignAcc1">
+    <dgm:fillClrLst meth="repeat">
+      <a:schemeClr val="lt1">
+        <a:alpha val="40000"/>
+      </a:schemeClr>
+    </dgm:fillClrLst>
+    <dgm:linClrLst meth="repeat">
+      <a:schemeClr val="accent1"/>
+    </dgm:linClrLst>
+    <dgm:effectClrLst/>
+    <dgm:txLinClrLst/>
+    <dgm:txFillClrLst meth="repeat">
+      <a:schemeClr val="dk1"/>
+    </dgm:txFillClrLst>
+    <dgm:txEffectClrLst/>
+  </dgm:styleLbl>
+  <dgm:styleLbl name="bgAcc1">
+    <dgm:fillClrLst meth="repeat">
+      <a:schemeClr val="lt1">
+        <a:alpha val="90000"/>
+      </a:schemeClr>
+    </dgm:fillClrLst>
+    <dgm:linClrLst meth="repeat">
+      <a:schemeClr val="accent1"/>
+    </dgm:linClrLst>
+    <dgm:effectClrLst/>
+    <dgm:txLinClrLst/>
+    <dgm:txFillClrLst meth="repeat">
+      <a:schemeClr val="dk1"/>
+    </dgm:txFillClrLst>
+    <dgm:txEffectClrLst/>
+  </dgm:styleLbl>
+  <dgm:styleLbl name="solidFgAcc1">
+    <dgm:fillClrLst meth="repeat">
+      <a:schemeClr val="lt1"/>
+    </dgm:fillClrLst>
+    <dgm:linClrLst meth="repeat">
+      <a:schemeClr val="accent1"/>
+    </dgm:linClrLst>
+    <dgm:effectClrLst/>
+    <dgm:txLinClrLst/>
+    <dgm:txFillClrLst meth="repeat">
+      <a:schemeClr val="dk1"/>
+    </dgm:txFillClrLst>
+    <dgm:txEffectClrLst/>
+  </dgm:styleLbl>
+  <dgm:styleLbl name="solidAlignAcc1">
+    <dgm:fillClrLst meth="repeat">
+      <a:schemeClr val="lt1"/>
+    </dgm:fillClrLst>
+    <dgm:linClrLst meth="repeat">
+      <a:schemeClr val="accent1"/>
+    </dgm:linClrLst>
+    <dgm:effectClrLst/>
+    <dgm:txLinClrLst/>
+    <dgm:txFillClrLst meth="repeat">
+      <a:schemeClr val="dk1"/>
+    </dgm:txFillClrLst>
+    <dgm:txEffectClrLst/>
+  </dgm:styleLbl>
+  <dgm:styleLbl name="solidBgAcc1">
+    <dgm:fillClrLst meth="repeat">
+      <a:schemeClr val="lt1"/>
+    </dgm:fillClrLst>
+    <dgm:linClrLst meth="repeat">
+      <a:schemeClr val="accent1"/>
+    </dgm:linClrLst>
+    <dgm:effectClrLst/>
+    <dgm:txLinClrLst/>
+    <dgm:txFillClrLst meth="repeat">
+      <a:schemeClr val="dk1"/>
+    </dgm:txFillClrLst>
+    <dgm:txEffectClrLst/>
+  </dgm:styleLbl>
+  <dgm:styleLbl name="fgAccFollowNode1">
+    <dgm:fillClrLst meth="repeat">
+      <a:schemeClr val="accent1">
+        <a:alpha val="90000"/>
+        <a:tint val="40000"/>
+      </a:schemeClr>
+    </dgm:fillClrLst>
+    <dgm:linClrLst meth="repeat">
+      <a:schemeClr val="accent1">
+        <a:alpha val="90000"/>
+        <a:tint val="40000"/>
+      </a:schemeClr>
+    </dgm:linClrLst>
+    <dgm:effectClrLst/>
+    <dgm:txLinClrLst/>
+    <dgm:txFillClrLst meth="repeat">
+      <a:schemeClr val="dk1"/>
+    </dgm:txFillClrLst>
+    <dgm:txEffectClrLst/>
+  </dgm:styleLbl>
+  <dgm:styleLbl name="alignAccFollowNode1">
+    <dgm:fillClrLst meth="repeat">
+      <a:schemeClr val="accent1">
+        <a:alpha val="90000"/>
+        <a:tint val="40000"/>
+      </a:schemeClr>
+    </dgm:fillClrLst>
+    <dgm:linClrLst meth="repeat">
+      <a:schemeClr val="accent1">
+        <a:alpha val="90000"/>
+        <a:tint val="40000"/>
+      </a:schemeClr>
+    </dgm:linClrLst>
+    <dgm:effectClrLst/>
+    <dgm:txLinClrLst/>
+    <dgm:txFillClrLst meth="repeat">
+      <a:schemeClr val="dk1"/>
+    </dgm:txFillClrLst>
+    <dgm:txEffectClrLst/>
+  </dgm:styleLbl>
+  <dgm:styleLbl name="bgAccFollowNode1">
+    <dgm:fillClrLst meth="repeat">
+      <a:schemeClr val="accent1">
+        <a:alpha val="90000"/>
+        <a:tint val="40000"/>
+      </a:schemeClr>
+    </dgm:fillClrLst>
+    <dgm:linClrLst meth="repeat">
+      <a:schemeClr val="accent1">
+        <a:alpha val="90000"/>
+        <a:tint val="40000"/>
+      </a:schemeClr>
+    </dgm:linClrLst>
+    <dgm:effectClrLst/>
+    <dgm:txLinClrLst/>
+    <dgm:txFillClrLst meth="repeat">
+      <a:schemeClr val="dk1"/>
+    </dgm:txFillClrLst>
+    <dgm:txEffectClrLst/>
+  </dgm:styleLbl>
+  <dgm:styleLbl name="fgAcc0">
+    <dgm:fillClrLst meth="repeat">
+      <a:schemeClr val="lt1">
+        <a:alpha val="90000"/>
+      </a:schemeClr>
+    </dgm:fillClrLst>
+    <dgm:linClrLst meth="repeat">
+      <a:schemeClr val="accent1"/>
+    </dgm:linClrLst>
+    <dgm:effectClrLst/>
+    <dgm:txLinClrLst/>
+    <dgm:txFillClrLst meth="repeat">
+      <a:schemeClr val="dk1"/>
+    </dgm:txFillClrLst>
+    <dgm:txEffectClrLst/>
+  </dgm:styleLbl>
+  <dgm:styleLbl name="fgAcc2">
+    <dgm:fillClrLst meth="repeat">
+      <a:schemeClr val="lt1">
+        <a:alpha val="90000"/>
+      </a:schemeClr>
+    </dgm:fillClrLst>
+    <dgm:linClrLst meth="repeat">
+      <a:schemeClr val="accent1"/>
+    </dgm:linClrLst>
+    <dgm:effectClrLst/>
+    <dgm:txLinClrLst/>
+    <dgm:txFillClrLst meth="repeat">
+      <a:schemeClr val="dk1"/>
+    </dgm:txFillClrLst>
+    <dgm:txEffectClrLst/>
+  </dgm:styleLbl>
+  <dgm:styleLbl name="fgAcc3">
+    <dgm:fillClrLst meth="repeat">
+      <a:schemeClr val="lt1">
+        <a:alpha val="90000"/>
+      </a:schemeClr>
+    </dgm:fillClrLst>
+    <dgm:linClrLst meth="repeat">
+      <a:schemeClr val="accent1"/>
+    </dgm:linClrLst>
+    <dgm:effectClrLst/>
+    <dgm:txLinClrLst/>
+    <dgm:txFillClrLst meth="repeat">
+      <a:schemeClr val="dk1"/>
+    </dgm:txFillClrLst>
+    <dgm:txEffectClrLst/>
+  </dgm:styleLbl>
+  <dgm:styleLbl name="fgAcc4">
+    <dgm:fillClrLst meth="repeat">
+      <a:schemeClr val="lt1">
+        <a:alpha val="90000"/>
+      </a:schemeClr>
+    </dgm:fillClrLst>
+    <dgm:linClrLst meth="repeat">
+      <a:schemeClr val="accent1"/>
+    </dgm:linClrLst>
+    <dgm:effectClrLst/>
+    <dgm:txLinClrLst/>
+    <dgm:txFillClrLst meth="repeat">
+      <a:schemeClr val="dk1"/>
+    </dgm:txFillClrLst>
+    <dgm:txEffectClrLst/>
+  </dgm:styleLbl>
+  <dgm:styleLbl name="bgShp">
+    <dgm:fillClrLst meth="repeat">
+      <a:schemeClr val="accent1">
+        <a:tint val="40000"/>
+      </a:schemeClr>
+    </dgm:fillClrLst>
+    <dgm:linClrLst meth="repeat">
+      <a:schemeClr val="accent1"/>
+    </dgm:linClrLst>
+    <dgm:effectClrLst/>
+    <dgm:txLinClrLst/>
+    <dgm:txFillClrLst meth="repeat">
+      <a:schemeClr val="dk1"/>
+    </dgm:txFillClrLst>
+    <dgm:txEffectClrLst/>
+  </dgm:styleLbl>
+  <dgm:styleLbl name="dkBgShp">
+    <dgm:fillClrLst meth="repeat">
+      <a:schemeClr val="accent1">
+        <a:shade val="80000"/>
+      </a:schemeClr>
+    </dgm:fillClrLst>
+    <dgm:linClrLst meth="repeat">
+      <a:schemeClr val="accent1"/>
+    </dgm:linClrLst>
+    <dgm:effectClrLst/>
+    <dgm:txLinClrLst/>
+    <dgm:txFillClrLst meth="repeat">
+      <a:schemeClr val="lt1"/>
+    </dgm:txFillClrLst>
+    <dgm:txEffectClrLst/>
+  </dgm:styleLbl>
+  <dgm:styleLbl name="trBgShp">
+    <dgm:fillClrLst meth="repeat">
+      <a:schemeClr val="accent1">
+        <a:tint val="50000"/>
+        <a:alpha val="40000"/>
+      </a:schemeClr>
+    </dgm:fillClrLst>
+    <dgm:linClrLst meth="repeat">
+      <a:schemeClr val="accent1"/>
+    </dgm:linClrLst>
+    <dgm:effectClrLst/>
+    <dgm:txLinClrLst/>
+    <dgm:txFillClrLst meth="repeat">
+      <a:schemeClr val="lt1"/>
+    </dgm:txFillClrLst>
+    <dgm:txEffectClrLst/>
+  </dgm:styleLbl>
+  <dgm:styleLbl name="fgShp">
+    <dgm:fillClrLst meth="repeat">
+      <a:schemeClr val="accent1">
+        <a:tint val="60000"/>
+      </a:schemeClr>
+    </dgm:fillClrLst>
+    <dgm:linClrLst meth="repeat">
+      <a:schemeClr val="lt1"/>
+    </dgm:linClrLst>
+    <dgm:effectClrLst/>
+    <dgm:txLinClrLst/>
+    <dgm:txFillClrLst meth="repeat">
+      <a:schemeClr val="dk1"/>
+    </dgm:txFillClrLst>
+    <dgm:txEffectClrLst/>
+  </dgm:styleLbl>
+  <dgm:styleLbl name="revTx">
+    <dgm:fillClrLst meth="repeat">
+      <a:schemeClr val="lt1">
+        <a:alpha val="0"/>
+      </a:schemeClr>
+    </dgm:fillClrLst>
+    <dgm:linClrLst meth="repeat">
+      <a:schemeClr val="dk1">
+        <a:alpha val="0"/>
+      </a:schemeClr>
+    </dgm:linClrLst>
+    <dgm:effectClrLst/>
+    <dgm:txLinClrLst/>
+    <dgm:txFillClrLst meth="repeat">
+      <a:schemeClr val="tx1"/>
+    </dgm:txFillClrLst>
+    <dgm:txEffectClrLst/>
+  </dgm:styleLbl>
+</dgm:colorsDef>
+</file>
+
 <file path=ppt/diagrams/data1.xml><?xml version="1.0" encoding="utf-8"?>
+<dgm:dataModel xmlns:dgm="http://schemas.openxmlformats.org/drawingml/2006/diagram" xmlns:a="http://schemas.openxmlformats.org/drawingml/2006/main">
+  <dgm:ptLst>
+    <dgm:pt modelId="{5B8E4C70-11FB-4E77-B777-063B4A0B8044}" type="doc">
+      <dgm:prSet loTypeId="urn:microsoft.com/office/officeart/2005/8/layout/vList3" loCatId="list" qsTypeId="urn:microsoft.com/office/officeart/2005/8/quickstyle/simple1" qsCatId="simple" csTypeId="urn:microsoft.com/office/officeart/2005/8/colors/accent1_2" csCatId="accent1" phldr="1"/>
+      <dgm:spPr/>
+    </dgm:pt>
+    <dgm:pt modelId="{9B18E5BB-3F4B-437F-88B3-754AD8DAA46E}">
+      <dgm:prSet phldrT="[Texto]"/>
+      <dgm:spPr/>
+      <dgm:t>
+        <a:bodyPr/>
+        <a:lstStyle/>
+        <a:p>
+          <a:r>
+            <a:rPr lang="es-ES" dirty="0" err="1"/>
+            <a:t>Aurkibidea</a:t>
+          </a:r>
+          <a:endParaRPr lang="es-ES" dirty="0"/>
+        </a:p>
+      </dgm:t>
+    </dgm:pt>
+    <dgm:pt modelId="{80129B43-7E47-4106-BD8B-E875651B0C0C}" type="parTrans" cxnId="{073C9B67-7221-4869-9455-155448012440}">
+      <dgm:prSet/>
+      <dgm:spPr/>
+      <dgm:t>
+        <a:bodyPr/>
+        <a:lstStyle/>
+        <a:p>
+          <a:endParaRPr lang="es-ES"/>
+        </a:p>
+      </dgm:t>
+    </dgm:pt>
+    <dgm:pt modelId="{AAFE207A-9FC8-4D49-9DD9-60284AC792A6}" type="sibTrans" cxnId="{073C9B67-7221-4869-9455-155448012440}">
+      <dgm:prSet/>
+      <dgm:spPr/>
+      <dgm:t>
+        <a:bodyPr/>
+        <a:lstStyle/>
+        <a:p>
+          <a:endParaRPr lang="es-ES"/>
+        </a:p>
+      </dgm:t>
+    </dgm:pt>
+    <dgm:pt modelId="{1AA33186-767F-4032-B1E1-9861B071FE60}">
+      <dgm:prSet phldrT="[Texto]"/>
+      <dgm:spPr/>
+      <dgm:t>
+        <a:bodyPr/>
+        <a:lstStyle/>
+        <a:p>
+          <a:r>
+            <a:rPr lang="es-ES" b="1" dirty="0"/>
+            <a:t>1. </a:t>
+          </a:r>
+          <a:r>
+            <a:rPr lang="es-ES" b="1" dirty="0" err="1"/>
+            <a:t>Sarrera</a:t>
+          </a:r>
+          <a:endParaRPr lang="es-ES" b="1" dirty="0"/>
+        </a:p>
+      </dgm:t>
+    </dgm:pt>
+    <dgm:pt modelId="{9BDDCD01-0512-4D5B-A82D-9508F45DDD5E}" type="parTrans" cxnId="{841731DE-B20C-4EAE-89EE-AF54D9148033}">
+      <dgm:prSet/>
+      <dgm:spPr/>
+      <dgm:t>
+        <a:bodyPr/>
+        <a:lstStyle/>
+        <a:p>
+          <a:endParaRPr lang="es-ES"/>
+        </a:p>
+      </dgm:t>
+    </dgm:pt>
+    <dgm:pt modelId="{6A03FFF2-FD41-4531-AB94-C6EEB4B422AE}" type="sibTrans" cxnId="{841731DE-B20C-4EAE-89EE-AF54D9148033}">
+      <dgm:prSet/>
+      <dgm:spPr/>
+      <dgm:t>
+        <a:bodyPr/>
+        <a:lstStyle/>
+        <a:p>
+          <a:endParaRPr lang="es-ES"/>
+        </a:p>
+      </dgm:t>
+    </dgm:pt>
+    <dgm:pt modelId="{08291CD4-EA1D-470A-B011-77CB2118B137}">
+      <dgm:prSet phldrT="[Texto]"/>
+      <dgm:spPr/>
+      <dgm:t>
+        <a:bodyPr/>
+        <a:lstStyle/>
+        <a:p>
+          <a:r>
+            <a:rPr lang="es-ES" dirty="0"/>
+            <a:t>2. </a:t>
+          </a:r>
+          <a:r>
+            <a:rPr lang="es-ES" dirty="0" err="1"/>
+            <a:t>Helburuak</a:t>
+          </a:r>
+          <a:endParaRPr lang="es-ES" dirty="0"/>
+        </a:p>
+      </dgm:t>
+    </dgm:pt>
+    <dgm:pt modelId="{0E09619E-4C55-4618-9209-C07134A5C41C}" type="parTrans" cxnId="{4AF3975E-192B-4F95-9139-DC9B5F7A4CB5}">
+      <dgm:prSet/>
+      <dgm:spPr/>
+      <dgm:t>
+        <a:bodyPr/>
+        <a:lstStyle/>
+        <a:p>
+          <a:endParaRPr lang="es-ES"/>
+        </a:p>
+      </dgm:t>
+    </dgm:pt>
+    <dgm:pt modelId="{A4C4C8A0-4E7B-4E6F-8466-D7DC0C0FF115}" type="sibTrans" cxnId="{4AF3975E-192B-4F95-9139-DC9B5F7A4CB5}">
+      <dgm:prSet/>
+      <dgm:spPr/>
+      <dgm:t>
+        <a:bodyPr/>
+        <a:lstStyle/>
+        <a:p>
+          <a:endParaRPr lang="es-ES"/>
+        </a:p>
+      </dgm:t>
+    </dgm:pt>
+    <dgm:pt modelId="{060F9107-77D4-45D3-8F26-0941D7CB2BB7}" type="pres">
+      <dgm:prSet presAssocID="{5B8E4C70-11FB-4E77-B777-063B4A0B8044}" presName="linearFlow" presStyleCnt="0">
+        <dgm:presLayoutVars>
+          <dgm:dir/>
+          <dgm:resizeHandles val="exact"/>
+        </dgm:presLayoutVars>
+      </dgm:prSet>
+      <dgm:spPr/>
+    </dgm:pt>
+    <dgm:pt modelId="{A651A724-3199-4062-9C57-85834536E9F6}" type="pres">
+      <dgm:prSet presAssocID="{9B18E5BB-3F4B-437F-88B3-754AD8DAA46E}" presName="composite" presStyleCnt="0"/>
+      <dgm:spPr/>
+    </dgm:pt>
+    <dgm:pt modelId="{724B973B-DDB8-43E6-A6B7-944D66AD17A2}" type="pres">
+      <dgm:prSet presAssocID="{9B18E5BB-3F4B-437F-88B3-754AD8DAA46E}" presName="imgShp" presStyleLbl="fgImgPlace1" presStyleIdx="0" presStyleCnt="3"/>
+      <dgm:spPr/>
+    </dgm:pt>
+    <dgm:pt modelId="{C8AC7328-2885-423E-BB23-9DFC4089C102}" type="pres">
+      <dgm:prSet presAssocID="{9B18E5BB-3F4B-437F-88B3-754AD8DAA46E}" presName="txShp" presStyleLbl="node1" presStyleIdx="0" presStyleCnt="3">
+        <dgm:presLayoutVars>
+          <dgm:bulletEnabled val="1"/>
+        </dgm:presLayoutVars>
+      </dgm:prSet>
+      <dgm:spPr/>
+    </dgm:pt>
+    <dgm:pt modelId="{ECA19D73-B5D2-477B-8EBF-6BCCB95D694B}" type="pres">
+      <dgm:prSet presAssocID="{AAFE207A-9FC8-4D49-9DD9-60284AC792A6}" presName="spacing" presStyleCnt="0"/>
+      <dgm:spPr/>
+    </dgm:pt>
+    <dgm:pt modelId="{5FDA11EC-60C2-4572-BF3E-2A1F7490B676}" type="pres">
+      <dgm:prSet presAssocID="{1AA33186-767F-4032-B1E1-9861B071FE60}" presName="composite" presStyleCnt="0"/>
+      <dgm:spPr/>
+    </dgm:pt>
+    <dgm:pt modelId="{358F8BC9-E23D-41A7-8E0A-AAEA2C0BD493}" type="pres">
+      <dgm:prSet presAssocID="{1AA33186-767F-4032-B1E1-9861B071FE60}" presName="imgShp" presStyleLbl="fgImgPlace1" presStyleIdx="1" presStyleCnt="3"/>
+      <dgm:spPr/>
+    </dgm:pt>
+    <dgm:pt modelId="{EA0A7E44-907D-4626-A42A-355D272E6322}" type="pres">
+      <dgm:prSet presAssocID="{1AA33186-767F-4032-B1E1-9861B071FE60}" presName="txShp" presStyleLbl="node1" presStyleIdx="1" presStyleCnt="3">
+        <dgm:presLayoutVars>
+          <dgm:bulletEnabled val="1"/>
+        </dgm:presLayoutVars>
+      </dgm:prSet>
+      <dgm:spPr/>
+    </dgm:pt>
+    <dgm:pt modelId="{F3E21349-8547-4E59-BA7C-C3ADCFFF4654}" type="pres">
+      <dgm:prSet presAssocID="{6A03FFF2-FD41-4531-AB94-C6EEB4B422AE}" presName="spacing" presStyleCnt="0"/>
+      <dgm:spPr/>
+    </dgm:pt>
+    <dgm:pt modelId="{D7E32018-4037-4B3B-A77F-B87B7886C88C}" type="pres">
+      <dgm:prSet presAssocID="{08291CD4-EA1D-470A-B011-77CB2118B137}" presName="composite" presStyleCnt="0"/>
+      <dgm:spPr/>
+    </dgm:pt>
+    <dgm:pt modelId="{81D280D4-3439-4C00-8971-891DBC9B370F}" type="pres">
+      <dgm:prSet presAssocID="{08291CD4-EA1D-470A-B011-77CB2118B137}" presName="imgShp" presStyleLbl="fgImgPlace1" presStyleIdx="2" presStyleCnt="3"/>
+      <dgm:spPr/>
+    </dgm:pt>
+    <dgm:pt modelId="{38BA2A11-28FE-4B84-8CEE-27506AD2A255}" type="pres">
+      <dgm:prSet presAssocID="{08291CD4-EA1D-470A-B011-77CB2118B137}" presName="txShp" presStyleLbl="node1" presStyleIdx="2" presStyleCnt="3">
+        <dgm:presLayoutVars>
+          <dgm:bulletEnabled val="1"/>
+        </dgm:presLayoutVars>
+      </dgm:prSet>
+      <dgm:spPr/>
+    </dgm:pt>
+  </dgm:ptLst>
+  <dgm:cxnLst>
+    <dgm:cxn modelId="{EFB9D306-F751-4BE9-B409-EE74B6EACFE4}" type="presOf" srcId="{1AA33186-767F-4032-B1E1-9861B071FE60}" destId="{EA0A7E44-907D-4626-A42A-355D272E6322}" srcOrd="0" destOrd="0" presId="urn:microsoft.com/office/officeart/2005/8/layout/vList3"/>
+    <dgm:cxn modelId="{105DBD3C-EC37-41F6-A9C9-3A3DF898D3E9}" type="presOf" srcId="{9B18E5BB-3F4B-437F-88B3-754AD8DAA46E}" destId="{C8AC7328-2885-423E-BB23-9DFC4089C102}" srcOrd="0" destOrd="0" presId="urn:microsoft.com/office/officeart/2005/8/layout/vList3"/>
+    <dgm:cxn modelId="{4AF3975E-192B-4F95-9139-DC9B5F7A4CB5}" srcId="{5B8E4C70-11FB-4E77-B777-063B4A0B8044}" destId="{08291CD4-EA1D-470A-B011-77CB2118B137}" srcOrd="2" destOrd="0" parTransId="{0E09619E-4C55-4618-9209-C07134A5C41C}" sibTransId="{A4C4C8A0-4E7B-4E6F-8466-D7DC0C0FF115}"/>
+    <dgm:cxn modelId="{073C9B67-7221-4869-9455-155448012440}" srcId="{5B8E4C70-11FB-4E77-B777-063B4A0B8044}" destId="{9B18E5BB-3F4B-437F-88B3-754AD8DAA46E}" srcOrd="0" destOrd="0" parTransId="{80129B43-7E47-4106-BD8B-E875651B0C0C}" sibTransId="{AAFE207A-9FC8-4D49-9DD9-60284AC792A6}"/>
+    <dgm:cxn modelId="{2F47BF82-4EC1-4E11-AB6D-8D583506B1FB}" type="presOf" srcId="{5B8E4C70-11FB-4E77-B777-063B4A0B8044}" destId="{060F9107-77D4-45D3-8F26-0941D7CB2BB7}" srcOrd="0" destOrd="0" presId="urn:microsoft.com/office/officeart/2005/8/layout/vList3"/>
+    <dgm:cxn modelId="{C5E5F1AF-EAFC-45A7-AD7D-E46677BA7BD3}" type="presOf" srcId="{08291CD4-EA1D-470A-B011-77CB2118B137}" destId="{38BA2A11-28FE-4B84-8CEE-27506AD2A255}" srcOrd="0" destOrd="0" presId="urn:microsoft.com/office/officeart/2005/8/layout/vList3"/>
+    <dgm:cxn modelId="{841731DE-B20C-4EAE-89EE-AF54D9148033}" srcId="{5B8E4C70-11FB-4E77-B777-063B4A0B8044}" destId="{1AA33186-767F-4032-B1E1-9861B071FE60}" srcOrd="1" destOrd="0" parTransId="{9BDDCD01-0512-4D5B-A82D-9508F45DDD5E}" sibTransId="{6A03FFF2-FD41-4531-AB94-C6EEB4B422AE}"/>
+    <dgm:cxn modelId="{3ACF6A71-09C5-40CC-81FE-F4ED13461A76}" type="presParOf" srcId="{060F9107-77D4-45D3-8F26-0941D7CB2BB7}" destId="{A651A724-3199-4062-9C57-85834536E9F6}" srcOrd="0" destOrd="0" presId="urn:microsoft.com/office/officeart/2005/8/layout/vList3"/>
+    <dgm:cxn modelId="{B8C1BD9C-2B5F-4E6B-B3E2-009AD03CE02A}" type="presParOf" srcId="{A651A724-3199-4062-9C57-85834536E9F6}" destId="{724B973B-DDB8-43E6-A6B7-944D66AD17A2}" srcOrd="0" destOrd="0" presId="urn:microsoft.com/office/officeart/2005/8/layout/vList3"/>
+    <dgm:cxn modelId="{4628D502-389F-4BB1-B286-5F63AFB51079}" type="presParOf" srcId="{A651A724-3199-4062-9C57-85834536E9F6}" destId="{C8AC7328-2885-423E-BB23-9DFC4089C102}" srcOrd="1" destOrd="0" presId="urn:microsoft.com/office/officeart/2005/8/layout/vList3"/>
+    <dgm:cxn modelId="{49A0946C-233A-4563-9194-1FB25E52A48D}" type="presParOf" srcId="{060F9107-77D4-45D3-8F26-0941D7CB2BB7}" destId="{ECA19D73-B5D2-477B-8EBF-6BCCB95D694B}" srcOrd="1" destOrd="0" presId="urn:microsoft.com/office/officeart/2005/8/layout/vList3"/>
+    <dgm:cxn modelId="{3A71A2FF-485D-4398-857D-1E8933465A25}" type="presParOf" srcId="{060F9107-77D4-45D3-8F26-0941D7CB2BB7}" destId="{5FDA11EC-60C2-4572-BF3E-2A1F7490B676}" srcOrd="2" destOrd="0" presId="urn:microsoft.com/office/officeart/2005/8/layout/vList3"/>
+    <dgm:cxn modelId="{CE0394DA-3553-4F2F-83B3-F09FC6F47BEA}" type="presParOf" srcId="{5FDA11EC-60C2-4572-BF3E-2A1F7490B676}" destId="{358F8BC9-E23D-41A7-8E0A-AAEA2C0BD493}" srcOrd="0" destOrd="0" presId="urn:microsoft.com/office/officeart/2005/8/layout/vList3"/>
+    <dgm:cxn modelId="{6CA6C2CA-5D6C-489E-A90D-48A5DF845836}" type="presParOf" srcId="{5FDA11EC-60C2-4572-BF3E-2A1F7490B676}" destId="{EA0A7E44-907D-4626-A42A-355D272E6322}" srcOrd="1" destOrd="0" presId="urn:microsoft.com/office/officeart/2005/8/layout/vList3"/>
+    <dgm:cxn modelId="{31CF9E47-7E60-4085-9B8F-3118ED0DFE3E}" type="presParOf" srcId="{060F9107-77D4-45D3-8F26-0941D7CB2BB7}" destId="{F3E21349-8547-4E59-BA7C-C3ADCFFF4654}" srcOrd="3" destOrd="0" presId="urn:microsoft.com/office/officeart/2005/8/layout/vList3"/>
+    <dgm:cxn modelId="{F109DBCD-C29C-4A67-B600-A03110A6272E}" type="presParOf" srcId="{060F9107-77D4-45D3-8F26-0941D7CB2BB7}" destId="{D7E32018-4037-4B3B-A77F-B87B7886C88C}" srcOrd="4" destOrd="0" presId="urn:microsoft.com/office/officeart/2005/8/layout/vList3"/>
+    <dgm:cxn modelId="{F4AA13A8-103F-425C-8C5E-D1729479A76C}" type="presParOf" srcId="{D7E32018-4037-4B3B-A77F-B87B7886C88C}" destId="{81D280D4-3439-4C00-8971-891DBC9B370F}" srcOrd="0" destOrd="0" presId="urn:microsoft.com/office/officeart/2005/8/layout/vList3"/>
+    <dgm:cxn modelId="{1DD551D2-FC00-40C4-83FF-03CD4046E1F1}" type="presParOf" srcId="{D7E32018-4037-4B3B-A77F-B87B7886C88C}" destId="{38BA2A11-28FE-4B84-8CEE-27506AD2A255}" srcOrd="1" destOrd="0" presId="urn:microsoft.com/office/officeart/2005/8/layout/vList3"/>
+  </dgm:cxnLst>
+  <dgm:bg/>
+  <dgm:whole/>
+  <dgm:extLst>
+    <a:ext uri="http://schemas.microsoft.com/office/drawing/2008/diagram">
+      <dsp:dataModelExt xmlns:dsp="http://schemas.microsoft.com/office/drawing/2008/diagram" relId="rId10" minVer="http://schemas.openxmlformats.org/drawingml/2006/diagram"/>
+    </a:ext>
+  </dgm:extLst>
+</dgm:dataModel>
+</file>
+
+<file path=ppt/diagrams/data2.xml><?xml version="1.0" encoding="utf-8"?>
 <dgm:dataModel xmlns:dgm="http://schemas.openxmlformats.org/drawingml/2006/diagram" xmlns:a="http://schemas.openxmlformats.org/drawingml/2006/main">
   <dgm:ptLst>
     <dgm:pt modelId="{ADFFE7AA-31D1-440A-A5C9-A1DABBB08B36}" type="doc">
@@ -2661,6 +3634,410 @@
 </file>
 
 <file path=ppt/diagrams/drawing1.xml><?xml version="1.0" encoding="utf-8"?>
+<dsp:drawing xmlns:dgm="http://schemas.openxmlformats.org/drawingml/2006/diagram" xmlns:dsp="http://schemas.microsoft.com/office/drawing/2008/diagram" xmlns:a="http://schemas.openxmlformats.org/drawingml/2006/main">
+  <dsp:spTree>
+    <dsp:nvGrpSpPr>
+      <dsp:cNvPr id="0" name=""/>
+      <dsp:cNvGrpSpPr/>
+    </dsp:nvGrpSpPr>
+    <dsp:grpSpPr/>
+    <dsp:sp modelId="{C8AC7328-2885-423E-BB23-9DFC4089C102}">
+      <dsp:nvSpPr>
+        <dsp:cNvPr id="0" name=""/>
+        <dsp:cNvSpPr/>
+      </dsp:nvSpPr>
+      <dsp:spPr>
+        <a:xfrm rot="10800000">
+          <a:off x="558632" y="627"/>
+          <a:ext cx="1852433" cy="368169"/>
+        </a:xfrm>
+        <a:prstGeom prst="homePlate">
+          <a:avLst/>
+        </a:prstGeom>
+        <a:solidFill>
+          <a:schemeClr val="accent1">
+            <a:hueOff val="0"/>
+            <a:satOff val="0"/>
+            <a:lumOff val="0"/>
+            <a:alphaOff val="0"/>
+          </a:schemeClr>
+        </a:solidFill>
+        <a:ln w="12700" cap="flat" cmpd="sng" algn="ctr">
+          <a:solidFill>
+            <a:schemeClr val="lt1">
+              <a:hueOff val="0"/>
+              <a:satOff val="0"/>
+              <a:lumOff val="0"/>
+              <a:alphaOff val="0"/>
+            </a:schemeClr>
+          </a:solidFill>
+          <a:prstDash val="solid"/>
+          <a:miter lim="800000"/>
+        </a:ln>
+        <a:effectLst/>
+      </dsp:spPr>
+      <dsp:style>
+        <a:lnRef idx="2">
+          <a:scrgbClr r="0" g="0" b="0"/>
+        </a:lnRef>
+        <a:fillRef idx="1">
+          <a:scrgbClr r="0" g="0" b="0"/>
+        </a:fillRef>
+        <a:effectRef idx="0">
+          <a:scrgbClr r="0" g="0" b="0"/>
+        </a:effectRef>
+        <a:fontRef idx="minor">
+          <a:schemeClr val="lt1"/>
+        </a:fontRef>
+      </dsp:style>
+      <dsp:txBody>
+        <a:bodyPr spcFirstLastPara="0" vert="horz" wrap="square" lIns="162352" tIns="64770" rIns="120904" bIns="64770" numCol="1" spcCol="1270" anchor="ctr" anchorCtr="0">
+          <a:noAutofit/>
+        </a:bodyPr>
+        <a:lstStyle/>
+        <a:p>
+          <a:pPr marL="0" lvl="0" indent="0" algn="ctr" defTabSz="755650">
+            <a:lnSpc>
+              <a:spcPct val="90000"/>
+            </a:lnSpc>
+            <a:spcBef>
+              <a:spcPct val="0"/>
+            </a:spcBef>
+            <a:spcAft>
+              <a:spcPct val="35000"/>
+            </a:spcAft>
+            <a:buNone/>
+          </a:pPr>
+          <a:r>
+            <a:rPr lang="es-ES" sz="1700" kern="1200" dirty="0" err="1"/>
+            <a:t>Aurkibidea</a:t>
+          </a:r>
+          <a:endParaRPr lang="es-ES" sz="1700" kern="1200" dirty="0"/>
+        </a:p>
+      </dsp:txBody>
+      <dsp:txXfrm rot="10800000">
+        <a:off x="650674" y="627"/>
+        <a:ext cx="1760391" cy="368169"/>
+      </dsp:txXfrm>
+    </dsp:sp>
+    <dsp:sp modelId="{724B973B-DDB8-43E6-A6B7-944D66AD17A2}">
+      <dsp:nvSpPr>
+        <dsp:cNvPr id="0" name=""/>
+        <dsp:cNvSpPr/>
+      </dsp:nvSpPr>
+      <dsp:spPr>
+        <a:xfrm>
+          <a:off x="374548" y="627"/>
+          <a:ext cx="368169" cy="368169"/>
+        </a:xfrm>
+        <a:prstGeom prst="ellipse">
+          <a:avLst/>
+        </a:prstGeom>
+        <a:solidFill>
+          <a:schemeClr val="accent1">
+            <a:tint val="50000"/>
+            <a:hueOff val="0"/>
+            <a:satOff val="0"/>
+            <a:lumOff val="0"/>
+            <a:alphaOff val="0"/>
+          </a:schemeClr>
+        </a:solidFill>
+        <a:ln w="12700" cap="flat" cmpd="sng" algn="ctr">
+          <a:solidFill>
+            <a:schemeClr val="lt1">
+              <a:hueOff val="0"/>
+              <a:satOff val="0"/>
+              <a:lumOff val="0"/>
+              <a:alphaOff val="0"/>
+            </a:schemeClr>
+          </a:solidFill>
+          <a:prstDash val="solid"/>
+          <a:miter lim="800000"/>
+        </a:ln>
+        <a:effectLst/>
+      </dsp:spPr>
+      <dsp:style>
+        <a:lnRef idx="2">
+          <a:scrgbClr r="0" g="0" b="0"/>
+        </a:lnRef>
+        <a:fillRef idx="1">
+          <a:scrgbClr r="0" g="0" b="0"/>
+        </a:fillRef>
+        <a:effectRef idx="0">
+          <a:scrgbClr r="0" g="0" b="0"/>
+        </a:effectRef>
+        <a:fontRef idx="minor"/>
+      </dsp:style>
+    </dsp:sp>
+    <dsp:sp modelId="{EA0A7E44-907D-4626-A42A-355D272E6322}">
+      <dsp:nvSpPr>
+        <dsp:cNvPr id="0" name=""/>
+        <dsp:cNvSpPr/>
+      </dsp:nvSpPr>
+      <dsp:spPr>
+        <a:xfrm rot="10800000">
+          <a:off x="558632" y="478697"/>
+          <a:ext cx="1852433" cy="368169"/>
+        </a:xfrm>
+        <a:prstGeom prst="homePlate">
+          <a:avLst/>
+        </a:prstGeom>
+        <a:solidFill>
+          <a:schemeClr val="accent1">
+            <a:hueOff val="0"/>
+            <a:satOff val="0"/>
+            <a:lumOff val="0"/>
+            <a:alphaOff val="0"/>
+          </a:schemeClr>
+        </a:solidFill>
+        <a:ln w="12700" cap="flat" cmpd="sng" algn="ctr">
+          <a:solidFill>
+            <a:schemeClr val="lt1">
+              <a:hueOff val="0"/>
+              <a:satOff val="0"/>
+              <a:lumOff val="0"/>
+              <a:alphaOff val="0"/>
+            </a:schemeClr>
+          </a:solidFill>
+          <a:prstDash val="solid"/>
+          <a:miter lim="800000"/>
+        </a:ln>
+        <a:effectLst/>
+      </dsp:spPr>
+      <dsp:style>
+        <a:lnRef idx="2">
+          <a:scrgbClr r="0" g="0" b="0"/>
+        </a:lnRef>
+        <a:fillRef idx="1">
+          <a:scrgbClr r="0" g="0" b="0"/>
+        </a:fillRef>
+        <a:effectRef idx="0">
+          <a:scrgbClr r="0" g="0" b="0"/>
+        </a:effectRef>
+        <a:fontRef idx="minor">
+          <a:schemeClr val="lt1"/>
+        </a:fontRef>
+      </dsp:style>
+      <dsp:txBody>
+        <a:bodyPr spcFirstLastPara="0" vert="horz" wrap="square" lIns="162352" tIns="64770" rIns="120904" bIns="64770" numCol="1" spcCol="1270" anchor="ctr" anchorCtr="0">
+          <a:noAutofit/>
+        </a:bodyPr>
+        <a:lstStyle/>
+        <a:p>
+          <a:pPr marL="0" lvl="0" indent="0" algn="ctr" defTabSz="755650">
+            <a:lnSpc>
+              <a:spcPct val="90000"/>
+            </a:lnSpc>
+            <a:spcBef>
+              <a:spcPct val="0"/>
+            </a:spcBef>
+            <a:spcAft>
+              <a:spcPct val="35000"/>
+            </a:spcAft>
+            <a:buNone/>
+          </a:pPr>
+          <a:r>
+            <a:rPr lang="es-ES" sz="1700" b="1" kern="1200" dirty="0"/>
+            <a:t>1. </a:t>
+          </a:r>
+          <a:r>
+            <a:rPr lang="es-ES" sz="1700" b="1" kern="1200" dirty="0" err="1"/>
+            <a:t>Sarrera</a:t>
+          </a:r>
+          <a:endParaRPr lang="es-ES" sz="1700" b="1" kern="1200" dirty="0"/>
+        </a:p>
+      </dsp:txBody>
+      <dsp:txXfrm rot="10800000">
+        <a:off x="650674" y="478697"/>
+        <a:ext cx="1760391" cy="368169"/>
+      </dsp:txXfrm>
+    </dsp:sp>
+    <dsp:sp modelId="{358F8BC9-E23D-41A7-8E0A-AAEA2C0BD493}">
+      <dsp:nvSpPr>
+        <dsp:cNvPr id="0" name=""/>
+        <dsp:cNvSpPr/>
+      </dsp:nvSpPr>
+      <dsp:spPr>
+        <a:xfrm>
+          <a:off x="374548" y="478697"/>
+          <a:ext cx="368169" cy="368169"/>
+        </a:xfrm>
+        <a:prstGeom prst="ellipse">
+          <a:avLst/>
+        </a:prstGeom>
+        <a:solidFill>
+          <a:schemeClr val="accent1">
+            <a:tint val="50000"/>
+            <a:hueOff val="0"/>
+            <a:satOff val="0"/>
+            <a:lumOff val="0"/>
+            <a:alphaOff val="0"/>
+          </a:schemeClr>
+        </a:solidFill>
+        <a:ln w="12700" cap="flat" cmpd="sng" algn="ctr">
+          <a:solidFill>
+            <a:schemeClr val="lt1">
+              <a:hueOff val="0"/>
+              <a:satOff val="0"/>
+              <a:lumOff val="0"/>
+              <a:alphaOff val="0"/>
+            </a:schemeClr>
+          </a:solidFill>
+          <a:prstDash val="solid"/>
+          <a:miter lim="800000"/>
+        </a:ln>
+        <a:effectLst/>
+      </dsp:spPr>
+      <dsp:style>
+        <a:lnRef idx="2">
+          <a:scrgbClr r="0" g="0" b="0"/>
+        </a:lnRef>
+        <a:fillRef idx="1">
+          <a:scrgbClr r="0" g="0" b="0"/>
+        </a:fillRef>
+        <a:effectRef idx="0">
+          <a:scrgbClr r="0" g="0" b="0"/>
+        </a:effectRef>
+        <a:fontRef idx="minor"/>
+      </dsp:style>
+    </dsp:sp>
+    <dsp:sp modelId="{38BA2A11-28FE-4B84-8CEE-27506AD2A255}">
+      <dsp:nvSpPr>
+        <dsp:cNvPr id="0" name=""/>
+        <dsp:cNvSpPr/>
+      </dsp:nvSpPr>
+      <dsp:spPr>
+        <a:xfrm rot="10800000">
+          <a:off x="558632" y="956767"/>
+          <a:ext cx="1852433" cy="368169"/>
+        </a:xfrm>
+        <a:prstGeom prst="homePlate">
+          <a:avLst/>
+        </a:prstGeom>
+        <a:solidFill>
+          <a:schemeClr val="accent1">
+            <a:hueOff val="0"/>
+            <a:satOff val="0"/>
+            <a:lumOff val="0"/>
+            <a:alphaOff val="0"/>
+          </a:schemeClr>
+        </a:solidFill>
+        <a:ln w="12700" cap="flat" cmpd="sng" algn="ctr">
+          <a:solidFill>
+            <a:schemeClr val="lt1">
+              <a:hueOff val="0"/>
+              <a:satOff val="0"/>
+              <a:lumOff val="0"/>
+              <a:alphaOff val="0"/>
+            </a:schemeClr>
+          </a:solidFill>
+          <a:prstDash val="solid"/>
+          <a:miter lim="800000"/>
+        </a:ln>
+        <a:effectLst/>
+      </dsp:spPr>
+      <dsp:style>
+        <a:lnRef idx="2">
+          <a:scrgbClr r="0" g="0" b="0"/>
+        </a:lnRef>
+        <a:fillRef idx="1">
+          <a:scrgbClr r="0" g="0" b="0"/>
+        </a:fillRef>
+        <a:effectRef idx="0">
+          <a:scrgbClr r="0" g="0" b="0"/>
+        </a:effectRef>
+        <a:fontRef idx="minor">
+          <a:schemeClr val="lt1"/>
+        </a:fontRef>
+      </dsp:style>
+      <dsp:txBody>
+        <a:bodyPr spcFirstLastPara="0" vert="horz" wrap="square" lIns="162352" tIns="64770" rIns="120904" bIns="64770" numCol="1" spcCol="1270" anchor="ctr" anchorCtr="0">
+          <a:noAutofit/>
+        </a:bodyPr>
+        <a:lstStyle/>
+        <a:p>
+          <a:pPr marL="0" lvl="0" indent="0" algn="ctr" defTabSz="755650">
+            <a:lnSpc>
+              <a:spcPct val="90000"/>
+            </a:lnSpc>
+            <a:spcBef>
+              <a:spcPct val="0"/>
+            </a:spcBef>
+            <a:spcAft>
+              <a:spcPct val="35000"/>
+            </a:spcAft>
+            <a:buNone/>
+          </a:pPr>
+          <a:r>
+            <a:rPr lang="es-ES" sz="1700" kern="1200" dirty="0"/>
+            <a:t>2. </a:t>
+          </a:r>
+          <a:r>
+            <a:rPr lang="es-ES" sz="1700" kern="1200" dirty="0" err="1"/>
+            <a:t>Helburuak</a:t>
+          </a:r>
+          <a:endParaRPr lang="es-ES" sz="1700" kern="1200" dirty="0"/>
+        </a:p>
+      </dsp:txBody>
+      <dsp:txXfrm rot="10800000">
+        <a:off x="650674" y="956767"/>
+        <a:ext cx="1760391" cy="368169"/>
+      </dsp:txXfrm>
+    </dsp:sp>
+    <dsp:sp modelId="{81D280D4-3439-4C00-8971-891DBC9B370F}">
+      <dsp:nvSpPr>
+        <dsp:cNvPr id="0" name=""/>
+        <dsp:cNvSpPr/>
+      </dsp:nvSpPr>
+      <dsp:spPr>
+        <a:xfrm>
+          <a:off x="374548" y="956767"/>
+          <a:ext cx="368169" cy="368169"/>
+        </a:xfrm>
+        <a:prstGeom prst="ellipse">
+          <a:avLst/>
+        </a:prstGeom>
+        <a:solidFill>
+          <a:schemeClr val="accent1">
+            <a:tint val="50000"/>
+            <a:hueOff val="0"/>
+            <a:satOff val="0"/>
+            <a:lumOff val="0"/>
+            <a:alphaOff val="0"/>
+          </a:schemeClr>
+        </a:solidFill>
+        <a:ln w="12700" cap="flat" cmpd="sng" algn="ctr">
+          <a:solidFill>
+            <a:schemeClr val="lt1">
+              <a:hueOff val="0"/>
+              <a:satOff val="0"/>
+              <a:lumOff val="0"/>
+              <a:alphaOff val="0"/>
+            </a:schemeClr>
+          </a:solidFill>
+          <a:prstDash val="solid"/>
+          <a:miter lim="800000"/>
+        </a:ln>
+        <a:effectLst/>
+      </dsp:spPr>
+      <dsp:style>
+        <a:lnRef idx="2">
+          <a:scrgbClr r="0" g="0" b="0"/>
+        </a:lnRef>
+        <a:fillRef idx="1">
+          <a:scrgbClr r="0" g="0" b="0"/>
+        </a:fillRef>
+        <a:effectRef idx="0">
+          <a:scrgbClr r="0" g="0" b="0"/>
+        </a:effectRef>
+        <a:fontRef idx="minor"/>
+      </dsp:style>
+    </dsp:sp>
+  </dsp:spTree>
+</dsp:drawing>
+</file>
+
+<file path=ppt/diagrams/drawing2.xml><?xml version="1.0" encoding="utf-8"?>
 <dsp:drawing xmlns:dgm="http://schemas.openxmlformats.org/drawingml/2006/diagram" xmlns:dsp="http://schemas.microsoft.com/office/drawing/2008/diagram" xmlns:a="http://schemas.openxmlformats.org/drawingml/2006/main">
   <dsp:spTree>
     <dsp:nvGrpSpPr>
@@ -3003,6 +4380,169 @@
 </file>
 
 <file path=ppt/diagrams/layout1.xml><?xml version="1.0" encoding="utf-8"?>
+<dgm:layoutDef xmlns:dgm="http://schemas.openxmlformats.org/drawingml/2006/diagram" xmlns:a="http://schemas.openxmlformats.org/drawingml/2006/main" uniqueId="urn:microsoft.com/office/officeart/2005/8/layout/vList3">
+  <dgm:title val=""/>
+  <dgm:desc val=""/>
+  <dgm:catLst>
+    <dgm:cat type="list" pri="14000"/>
+    <dgm:cat type="convert" pri="3000"/>
+    <dgm:cat type="picture" pri="27000"/>
+    <dgm:cat type="pictureconvert" pri="27000"/>
+  </dgm:catLst>
+  <dgm:sampData useDef="1">
+    <dgm:dataModel>
+      <dgm:ptLst/>
+      <dgm:bg/>
+      <dgm:whole/>
+    </dgm:dataModel>
+  </dgm:sampData>
+  <dgm:styleData>
+    <dgm:dataModel>
+      <dgm:ptLst>
+        <dgm:pt modelId="0" type="doc"/>
+        <dgm:pt modelId="1"/>
+        <dgm:pt modelId="2"/>
+      </dgm:ptLst>
+      <dgm:cxnLst>
+        <dgm:cxn modelId="3" srcId="0" destId="1" srcOrd="0" destOrd="0"/>
+        <dgm:cxn modelId="4" srcId="0" destId="2" srcOrd="1" destOrd="0"/>
+      </dgm:cxnLst>
+      <dgm:bg/>
+      <dgm:whole/>
+    </dgm:dataModel>
+  </dgm:styleData>
+  <dgm:clrData>
+    <dgm:dataModel>
+      <dgm:ptLst>
+        <dgm:pt modelId="0" type="doc"/>
+        <dgm:pt modelId="1"/>
+        <dgm:pt modelId="2"/>
+        <dgm:pt modelId="3"/>
+        <dgm:pt modelId="4"/>
+      </dgm:ptLst>
+      <dgm:cxnLst>
+        <dgm:cxn modelId="5" srcId="0" destId="1" srcOrd="0" destOrd="0"/>
+        <dgm:cxn modelId="6" srcId="0" destId="2" srcOrd="1" destOrd="0"/>
+        <dgm:cxn modelId="7" srcId="0" destId="3" srcOrd="2" destOrd="0"/>
+        <dgm:cxn modelId="8" srcId="0" destId="4" srcOrd="3" destOrd="0"/>
+      </dgm:cxnLst>
+      <dgm:bg/>
+      <dgm:whole/>
+    </dgm:dataModel>
+  </dgm:clrData>
+  <dgm:layoutNode name="linearFlow">
+    <dgm:varLst>
+      <dgm:dir/>
+      <dgm:resizeHandles val="exact"/>
+    </dgm:varLst>
+    <dgm:alg type="lin">
+      <dgm:param type="linDir" val="fromT"/>
+      <dgm:param type="vertAlign" val="mid"/>
+      <dgm:param type="horzAlign" val="ctr"/>
+    </dgm:alg>
+    <dgm:shape xmlns:r="http://schemas.openxmlformats.org/officeDocument/2006/relationships" r:blip="">
+      <dgm:adjLst/>
+    </dgm:shape>
+    <dgm:presOf/>
+    <dgm:constrLst>
+      <dgm:constr type="w" for="ch" forName="composite" refType="w"/>
+      <dgm:constr type="h" for="ch" forName="composite" refType="h"/>
+      <dgm:constr type="h" for="ch" forName="spacing" refType="h" refFor="ch" refForName="composite" fact="0.25"/>
+      <dgm:constr type="h" for="ch" forName="spacing" refType="w" op="lte" fact="0.1"/>
+      <dgm:constr type="primFontSz" for="des" ptType="node" op="equ" val="65"/>
+    </dgm:constrLst>
+    <dgm:ruleLst/>
+    <dgm:forEach name="Name0" axis="ch" ptType="node">
+      <dgm:layoutNode name="composite">
+        <dgm:alg type="composite"/>
+        <dgm:shape xmlns:r="http://schemas.openxmlformats.org/officeDocument/2006/relationships" r:blip="">
+          <dgm:adjLst/>
+        </dgm:shape>
+        <dgm:presOf/>
+        <dgm:choose name="Name1">
+          <dgm:if name="Name2" func="var" arg="dir" op="equ" val="norm">
+            <dgm:constrLst>
+              <dgm:constr type="w" for="ch" forName="imgShp" refType="w" fact="0.335"/>
+              <dgm:constr type="h" for="ch" forName="imgShp" refType="w" refFor="ch" refForName="imgShp" op="equ"/>
+              <dgm:constr type="h" for="ch" forName="imgShp" refType="h" op="lte"/>
+              <dgm:constr type="ctrY" for="ch" forName="imgShp" refType="h" fact="0.5"/>
+              <dgm:constr type="l" for="ch" forName="imgShp"/>
+              <dgm:constr type="w" for="ch" forName="txShp" refType="w" op="equ" fact="0.665"/>
+              <dgm:constr type="h" for="ch" forName="txShp" refType="h" refFor="ch" refForName="imgShp" op="equ"/>
+              <dgm:constr type="ctrY" for="ch" forName="txShp" refType="h" fact="0.5"/>
+              <dgm:constr type="l" for="ch" forName="txShp" refType="w" refFor="ch" refForName="imgShp" fact="0.5"/>
+              <dgm:constr type="lMarg" for="ch" forName="txShp" refType="w" refFor="ch" refForName="imgShp" fact="1.25"/>
+            </dgm:constrLst>
+          </dgm:if>
+          <dgm:else name="Name3">
+            <dgm:constrLst>
+              <dgm:constr type="w" for="ch" forName="imgShp" refType="w" fact="0.335"/>
+              <dgm:constr type="h" for="ch" forName="imgShp" refType="w" refFor="ch" refForName="imgShp" op="equ"/>
+              <dgm:constr type="h" for="ch" forName="imgShp" refType="h" op="lte"/>
+              <dgm:constr type="ctrY" for="ch" forName="imgShp" refType="h" fact="0.5"/>
+              <dgm:constr type="r" for="ch" forName="imgShp" refType="w"/>
+              <dgm:constr type="w" for="ch" forName="txShp" refType="w" op="equ" fact="0.665"/>
+              <dgm:constr type="h" for="ch" forName="txShp" refType="h" refFor="ch" refForName="imgShp" op="equ"/>
+              <dgm:constr type="ctrY" for="ch" forName="txShp" refType="h" fact="0.5"/>
+              <dgm:constr type="r" for="ch" forName="txShp" refType="ctrX" refFor="ch" refForName="imgShp"/>
+              <dgm:constr type="rMarg" for="ch" forName="txShp" refType="w" refFor="ch" refForName="imgShp" fact="1.25"/>
+            </dgm:constrLst>
+          </dgm:else>
+        </dgm:choose>
+        <dgm:ruleLst/>
+        <dgm:layoutNode name="imgShp" styleLbl="fgImgPlace1">
+          <dgm:alg type="sp"/>
+          <dgm:shape xmlns:r="http://schemas.openxmlformats.org/officeDocument/2006/relationships" type="ellipse" r:blip="" blipPhldr="1">
+            <dgm:adjLst/>
+          </dgm:shape>
+          <dgm:presOf/>
+          <dgm:constrLst/>
+          <dgm:ruleLst/>
+        </dgm:layoutNode>
+        <dgm:layoutNode name="txShp">
+          <dgm:varLst>
+            <dgm:bulletEnabled val="1"/>
+          </dgm:varLst>
+          <dgm:alg type="tx"/>
+          <dgm:choose name="Name4">
+            <dgm:if name="Name5" func="var" arg="dir" op="equ" val="norm">
+              <dgm:shape xmlns:r="http://schemas.openxmlformats.org/officeDocument/2006/relationships" rot="180" type="homePlate" r:blip="" zOrderOff="-1">
+                <dgm:adjLst/>
+              </dgm:shape>
+            </dgm:if>
+            <dgm:else name="Name6">
+              <dgm:shape xmlns:r="http://schemas.openxmlformats.org/officeDocument/2006/relationships" type="homePlate" r:blip="" zOrderOff="-1">
+                <dgm:adjLst/>
+              </dgm:shape>
+            </dgm:else>
+          </dgm:choose>
+          <dgm:presOf axis="desOrSelf" ptType="node"/>
+          <dgm:constrLst>
+            <dgm:constr type="tMarg" refType="primFontSz" fact="0.3"/>
+            <dgm:constr type="bMarg" refType="primFontSz" fact="0.3"/>
+          </dgm:constrLst>
+          <dgm:ruleLst>
+            <dgm:rule type="primFontSz" val="5" fact="NaN" max="NaN"/>
+          </dgm:ruleLst>
+        </dgm:layoutNode>
+      </dgm:layoutNode>
+      <dgm:forEach name="Name7" axis="followSib" ptType="sibTrans" cnt="1">
+        <dgm:layoutNode name="spacing">
+          <dgm:alg type="sp"/>
+          <dgm:shape xmlns:r="http://schemas.openxmlformats.org/officeDocument/2006/relationships" r:blip="">
+            <dgm:adjLst/>
+          </dgm:shape>
+          <dgm:presOf axis="self"/>
+          <dgm:constrLst/>
+          <dgm:ruleLst/>
+        </dgm:layoutNode>
+      </dgm:forEach>
+    </dgm:forEach>
+  </dgm:layoutNode>
+</dgm:layoutDef>
+</file>
+
+<file path=ppt/diagrams/layout2.xml><?xml version="1.0" encoding="utf-8"?>
 <dgm:layoutDef xmlns:dgm="http://schemas.openxmlformats.org/drawingml/2006/diagram" xmlns:a="http://schemas.openxmlformats.org/drawingml/2006/main" uniqueId="urn:microsoft.com/office/officeart/2005/8/layout/chevron1">
   <dgm:title val=""/>
   <dgm:desc val=""/>
@@ -4319,6 +5859,1040 @@
 </dgm:styleDef>
 </file>
 
+<file path=ppt/diagrams/quickStyle2.xml><?xml version="1.0" encoding="utf-8"?>
+<dgm:styleDef xmlns:dgm="http://schemas.openxmlformats.org/drawingml/2006/diagram" xmlns:a="http://schemas.openxmlformats.org/drawingml/2006/main" uniqueId="urn:microsoft.com/office/officeart/2005/8/quickstyle/simple1">
+  <dgm:title val=""/>
+  <dgm:desc val=""/>
+  <dgm:catLst>
+    <dgm:cat type="simple" pri="10100"/>
+  </dgm:catLst>
+  <dgm:scene3d>
+    <a:camera prst="orthographicFront"/>
+    <a:lightRig rig="threePt" dir="t"/>
+  </dgm:scene3d>
+  <dgm:styleLbl name="node0">
+    <dgm:scene3d>
+      <a:camera prst="orthographicFront"/>
+      <a:lightRig rig="threePt" dir="t"/>
+    </dgm:scene3d>
+    <dgm:sp3d/>
+    <dgm:txPr/>
+    <dgm:style>
+      <a:lnRef idx="2">
+        <a:scrgbClr r="0" g="0" b="0"/>
+      </a:lnRef>
+      <a:fillRef idx="1">
+        <a:scrgbClr r="0" g="0" b="0"/>
+      </a:fillRef>
+      <a:effectRef idx="0">
+        <a:scrgbClr r="0" g="0" b="0"/>
+      </a:effectRef>
+      <a:fontRef idx="minor">
+        <a:schemeClr val="lt1"/>
+      </a:fontRef>
+    </dgm:style>
+  </dgm:styleLbl>
+  <dgm:styleLbl name="lnNode1">
+    <dgm:scene3d>
+      <a:camera prst="orthographicFront"/>
+      <a:lightRig rig="threePt" dir="t"/>
+    </dgm:scene3d>
+    <dgm:sp3d/>
+    <dgm:txPr/>
+    <dgm:style>
+      <a:lnRef idx="2">
+        <a:scrgbClr r="0" g="0" b="0"/>
+      </a:lnRef>
+      <a:fillRef idx="1">
+        <a:scrgbClr r="0" g="0" b="0"/>
+      </a:fillRef>
+      <a:effectRef idx="0">
+        <a:scrgbClr r="0" g="0" b="0"/>
+      </a:effectRef>
+      <a:fontRef idx="minor">
+        <a:schemeClr val="lt1"/>
+      </a:fontRef>
+    </dgm:style>
+  </dgm:styleLbl>
+  <dgm:styleLbl name="vennNode1">
+    <dgm:scene3d>
+      <a:camera prst="orthographicFront"/>
+      <a:lightRig rig="threePt" dir="t"/>
+    </dgm:scene3d>
+    <dgm:sp3d/>
+    <dgm:txPr/>
+    <dgm:style>
+      <a:lnRef idx="2">
+        <a:scrgbClr r="0" g="0" b="0"/>
+      </a:lnRef>
+      <a:fillRef idx="1">
+        <a:scrgbClr r="0" g="0" b="0"/>
+      </a:fillRef>
+      <a:effectRef idx="0">
+        <a:scrgbClr r="0" g="0" b="0"/>
+      </a:effectRef>
+      <a:fontRef idx="minor">
+        <a:schemeClr val="tx1"/>
+      </a:fontRef>
+    </dgm:style>
+  </dgm:styleLbl>
+  <dgm:styleLbl name="alignNode1">
+    <dgm:scene3d>
+      <a:camera prst="orthographicFront"/>
+      <a:lightRig rig="threePt" dir="t"/>
+    </dgm:scene3d>
+    <dgm:sp3d/>
+    <dgm:txPr/>
+    <dgm:style>
+      <a:lnRef idx="2">
+        <a:scrgbClr r="0" g="0" b="0"/>
+      </a:lnRef>
+      <a:fillRef idx="1">
+        <a:scrgbClr r="0" g="0" b="0"/>
+      </a:fillRef>
+      <a:effectRef idx="0">
+        <a:scrgbClr r="0" g="0" b="0"/>
+      </a:effectRef>
+      <a:fontRef idx="minor">
+        <a:schemeClr val="lt1"/>
+      </a:fontRef>
+    </dgm:style>
+  </dgm:styleLbl>
+  <dgm:styleLbl name="node1">
+    <dgm:scene3d>
+      <a:camera prst="orthographicFront"/>
+      <a:lightRig rig="threePt" dir="t"/>
+    </dgm:scene3d>
+    <dgm:sp3d/>
+    <dgm:txPr/>
+    <dgm:style>
+      <a:lnRef idx="2">
+        <a:scrgbClr r="0" g="0" b="0"/>
+      </a:lnRef>
+      <a:fillRef idx="1">
+        <a:scrgbClr r="0" g="0" b="0"/>
+      </a:fillRef>
+      <a:effectRef idx="0">
+        <a:scrgbClr r="0" g="0" b="0"/>
+      </a:effectRef>
+      <a:fontRef idx="minor">
+        <a:schemeClr val="lt1"/>
+      </a:fontRef>
+    </dgm:style>
+  </dgm:styleLbl>
+  <dgm:styleLbl name="node2">
+    <dgm:scene3d>
+      <a:camera prst="orthographicFront"/>
+      <a:lightRig rig="threePt" dir="t"/>
+    </dgm:scene3d>
+    <dgm:sp3d/>
+    <dgm:txPr/>
+    <dgm:style>
+      <a:lnRef idx="2">
+        <a:scrgbClr r="0" g="0" b="0"/>
+      </a:lnRef>
+      <a:fillRef idx="1">
+        <a:scrgbClr r="0" g="0" b="0"/>
+      </a:fillRef>
+      <a:effectRef idx="0">
+        <a:scrgbClr r="0" g="0" b="0"/>
+      </a:effectRef>
+      <a:fontRef idx="minor">
+        <a:schemeClr val="lt1"/>
+      </a:fontRef>
+    </dgm:style>
+  </dgm:styleLbl>
+  <dgm:styleLbl name="node3">
+    <dgm:scene3d>
+      <a:camera prst="orthographicFront"/>
+      <a:lightRig rig="threePt" dir="t"/>
+    </dgm:scene3d>
+    <dgm:sp3d/>
+    <dgm:txPr/>
+    <dgm:style>
+      <a:lnRef idx="2">
+        <a:scrgbClr r="0" g="0" b="0"/>
+      </a:lnRef>
+      <a:fillRef idx="1">
+        <a:scrgbClr r="0" g="0" b="0"/>
+      </a:fillRef>
+      <a:effectRef idx="0">
+        <a:scrgbClr r="0" g="0" b="0"/>
+      </a:effectRef>
+      <a:fontRef idx="minor">
+        <a:schemeClr val="lt1"/>
+      </a:fontRef>
+    </dgm:style>
+  </dgm:styleLbl>
+  <dgm:styleLbl name="node4">
+    <dgm:scene3d>
+      <a:camera prst="orthographicFront"/>
+      <a:lightRig rig="threePt" dir="t"/>
+    </dgm:scene3d>
+    <dgm:sp3d/>
+    <dgm:txPr/>
+    <dgm:style>
+      <a:lnRef idx="2">
+        <a:scrgbClr r="0" g="0" b="0"/>
+      </a:lnRef>
+      <a:fillRef idx="1">
+        <a:scrgbClr r="0" g="0" b="0"/>
+      </a:fillRef>
+      <a:effectRef idx="0">
+        <a:scrgbClr r="0" g="0" b="0"/>
+      </a:effectRef>
+      <a:fontRef idx="minor">
+        <a:schemeClr val="lt1"/>
+      </a:fontRef>
+    </dgm:style>
+  </dgm:styleLbl>
+  <dgm:styleLbl name="fgImgPlace1">
+    <dgm:scene3d>
+      <a:camera prst="orthographicFront"/>
+      <a:lightRig rig="threePt" dir="t"/>
+    </dgm:scene3d>
+    <dgm:sp3d/>
+    <dgm:txPr/>
+    <dgm:style>
+      <a:lnRef idx="2">
+        <a:scrgbClr r="0" g="0" b="0"/>
+      </a:lnRef>
+      <a:fillRef idx="1">
+        <a:scrgbClr r="0" g="0" b="0"/>
+      </a:fillRef>
+      <a:effectRef idx="0">
+        <a:scrgbClr r="0" g="0" b="0"/>
+      </a:effectRef>
+      <a:fontRef idx="minor"/>
+    </dgm:style>
+  </dgm:styleLbl>
+  <dgm:styleLbl name="alignImgPlace1">
+    <dgm:scene3d>
+      <a:camera prst="orthographicFront"/>
+      <a:lightRig rig="threePt" dir="t"/>
+    </dgm:scene3d>
+    <dgm:sp3d/>
+    <dgm:txPr/>
+    <dgm:style>
+      <a:lnRef idx="2">
+        <a:scrgbClr r="0" g="0" b="0"/>
+      </a:lnRef>
+      <a:fillRef idx="1">
+        <a:scrgbClr r="0" g="0" b="0"/>
+      </a:fillRef>
+      <a:effectRef idx="0">
+        <a:scrgbClr r="0" g="0" b="0"/>
+      </a:effectRef>
+      <a:fontRef idx="minor"/>
+    </dgm:style>
+  </dgm:styleLbl>
+  <dgm:styleLbl name="bgImgPlace1">
+    <dgm:scene3d>
+      <a:camera prst="orthographicFront"/>
+      <a:lightRig rig="threePt" dir="t"/>
+    </dgm:scene3d>
+    <dgm:sp3d/>
+    <dgm:txPr/>
+    <dgm:style>
+      <a:lnRef idx="2">
+        <a:scrgbClr r="0" g="0" b="0"/>
+      </a:lnRef>
+      <a:fillRef idx="1">
+        <a:scrgbClr r="0" g="0" b="0"/>
+      </a:fillRef>
+      <a:effectRef idx="0">
+        <a:scrgbClr r="0" g="0" b="0"/>
+      </a:effectRef>
+      <a:fontRef idx="minor"/>
+    </dgm:style>
+  </dgm:styleLbl>
+  <dgm:styleLbl name="sibTrans2D1">
+    <dgm:scene3d>
+      <a:camera prst="orthographicFront"/>
+      <a:lightRig rig="threePt" dir="t"/>
+    </dgm:scene3d>
+    <dgm:sp3d/>
+    <dgm:txPr/>
+    <dgm:style>
+      <a:lnRef idx="0">
+        <a:scrgbClr r="0" g="0" b="0"/>
+      </a:lnRef>
+      <a:fillRef idx="1">
+        <a:scrgbClr r="0" g="0" b="0"/>
+      </a:fillRef>
+      <a:effectRef idx="0">
+        <a:scrgbClr r="0" g="0" b="0"/>
+      </a:effectRef>
+      <a:fontRef idx="minor">
+        <a:schemeClr val="lt1"/>
+      </a:fontRef>
+    </dgm:style>
+  </dgm:styleLbl>
+  <dgm:styleLbl name="fgSibTrans2D1">
+    <dgm:scene3d>
+      <a:camera prst="orthographicFront"/>
+      <a:lightRig rig="threePt" dir="t"/>
+    </dgm:scene3d>
+    <dgm:sp3d/>
+    <dgm:txPr/>
+    <dgm:style>
+      <a:lnRef idx="0">
+        <a:scrgbClr r="0" g="0" b="0"/>
+      </a:lnRef>
+      <a:fillRef idx="1">
+        <a:scrgbClr r="0" g="0" b="0"/>
+      </a:fillRef>
+      <a:effectRef idx="0">
+        <a:scrgbClr r="0" g="0" b="0"/>
+      </a:effectRef>
+      <a:fontRef idx="minor">
+        <a:schemeClr val="lt1"/>
+      </a:fontRef>
+    </dgm:style>
+  </dgm:styleLbl>
+  <dgm:styleLbl name="bgSibTrans2D1">
+    <dgm:scene3d>
+      <a:camera prst="orthographicFront"/>
+      <a:lightRig rig="threePt" dir="t"/>
+    </dgm:scene3d>
+    <dgm:sp3d/>
+    <dgm:txPr/>
+    <dgm:style>
+      <a:lnRef idx="0">
+        <a:scrgbClr r="0" g="0" b="0"/>
+      </a:lnRef>
+      <a:fillRef idx="1">
+        <a:scrgbClr r="0" g="0" b="0"/>
+      </a:fillRef>
+      <a:effectRef idx="0">
+        <a:scrgbClr r="0" g="0" b="0"/>
+      </a:effectRef>
+      <a:fontRef idx="minor">
+        <a:schemeClr val="lt1"/>
+      </a:fontRef>
+    </dgm:style>
+  </dgm:styleLbl>
+  <dgm:styleLbl name="sibTrans1D1">
+    <dgm:scene3d>
+      <a:camera prst="orthographicFront"/>
+      <a:lightRig rig="threePt" dir="t"/>
+    </dgm:scene3d>
+    <dgm:sp3d/>
+    <dgm:txPr/>
+    <dgm:style>
+      <a:lnRef idx="1">
+        <a:scrgbClr r="0" g="0" b="0"/>
+      </a:lnRef>
+      <a:fillRef idx="0">
+        <a:scrgbClr r="0" g="0" b="0"/>
+      </a:fillRef>
+      <a:effectRef idx="0">
+        <a:scrgbClr r="0" g="0" b="0"/>
+      </a:effectRef>
+      <a:fontRef idx="minor"/>
+    </dgm:style>
+  </dgm:styleLbl>
+  <dgm:styleLbl name="callout">
+    <dgm:scene3d>
+      <a:camera prst="orthographicFront"/>
+      <a:lightRig rig="threePt" dir="t"/>
+    </dgm:scene3d>
+    <dgm:sp3d/>
+    <dgm:txPr/>
+    <dgm:style>
+      <a:lnRef idx="2">
+        <a:scrgbClr r="0" g="0" b="0"/>
+      </a:lnRef>
+      <a:fillRef idx="1">
+        <a:scrgbClr r="0" g="0" b="0"/>
+      </a:fillRef>
+      <a:effectRef idx="0">
+        <a:scrgbClr r="0" g="0" b="0"/>
+      </a:effectRef>
+      <a:fontRef idx="minor"/>
+    </dgm:style>
+  </dgm:styleLbl>
+  <dgm:styleLbl name="asst0">
+    <dgm:scene3d>
+      <a:camera prst="orthographicFront"/>
+      <a:lightRig rig="threePt" dir="t"/>
+    </dgm:scene3d>
+    <dgm:sp3d/>
+    <dgm:txPr/>
+    <dgm:style>
+      <a:lnRef idx="2">
+        <a:scrgbClr r="0" g="0" b="0"/>
+      </a:lnRef>
+      <a:fillRef idx="1">
+        <a:scrgbClr r="0" g="0" b="0"/>
+      </a:fillRef>
+      <a:effectRef idx="0">
+        <a:scrgbClr r="0" g="0" b="0"/>
+      </a:effectRef>
+      <a:fontRef idx="minor">
+        <a:schemeClr val="lt1"/>
+      </a:fontRef>
+    </dgm:style>
+  </dgm:styleLbl>
+  <dgm:styleLbl name="asst1">
+    <dgm:scene3d>
+      <a:camera prst="orthographicFront"/>
+      <a:lightRig rig="threePt" dir="t"/>
+    </dgm:scene3d>
+    <dgm:sp3d/>
+    <dgm:txPr/>
+    <dgm:style>
+      <a:lnRef idx="2">
+        <a:scrgbClr r="0" g="0" b="0"/>
+      </a:lnRef>
+      <a:fillRef idx="1">
+        <a:scrgbClr r="0" g="0" b="0"/>
+      </a:fillRef>
+      <a:effectRef idx="0">
+        <a:scrgbClr r="0" g="0" b="0"/>
+      </a:effectRef>
+      <a:fontRef idx="minor">
+        <a:schemeClr val="lt1"/>
+      </a:fontRef>
+    </dgm:style>
+  </dgm:styleLbl>
+  <dgm:styleLbl name="asst2">
+    <dgm:scene3d>
+      <a:camera prst="orthographicFront"/>
+      <a:lightRig rig="threePt" dir="t"/>
+    </dgm:scene3d>
+    <dgm:sp3d/>
+    <dgm:txPr/>
+    <dgm:style>
+      <a:lnRef idx="2">
+        <a:scrgbClr r="0" g="0" b="0"/>
+      </a:lnRef>
+      <a:fillRef idx="1">
+        <a:scrgbClr r="0" g="0" b="0"/>
+      </a:fillRef>
+      <a:effectRef idx="0">
+        <a:scrgbClr r="0" g="0" b="0"/>
+      </a:effectRef>
+      <a:fontRef idx="minor">
+        <a:schemeClr val="lt1"/>
+      </a:fontRef>
+    </dgm:style>
+  </dgm:styleLbl>
+  <dgm:styleLbl name="asst3">
+    <dgm:scene3d>
+      <a:camera prst="orthographicFront"/>
+      <a:lightRig rig="threePt" dir="t"/>
+    </dgm:scene3d>
+    <dgm:sp3d/>
+    <dgm:txPr/>
+    <dgm:style>
+      <a:lnRef idx="2">
+        <a:scrgbClr r="0" g="0" b="0"/>
+      </a:lnRef>
+      <a:fillRef idx="1">
+        <a:scrgbClr r="0" g="0" b="0"/>
+      </a:fillRef>
+      <a:effectRef idx="0">
+        <a:scrgbClr r="0" g="0" b="0"/>
+      </a:effectRef>
+      <a:fontRef idx="minor">
+        <a:schemeClr val="lt1"/>
+      </a:fontRef>
+    </dgm:style>
+  </dgm:styleLbl>
+  <dgm:styleLbl name="asst4">
+    <dgm:scene3d>
+      <a:camera prst="orthographicFront"/>
+      <a:lightRig rig="threePt" dir="t"/>
+    </dgm:scene3d>
+    <dgm:sp3d/>
+    <dgm:txPr/>
+    <dgm:style>
+      <a:lnRef idx="2">
+        <a:scrgbClr r="0" g="0" b="0"/>
+      </a:lnRef>
+      <a:fillRef idx="1">
+        <a:scrgbClr r="0" g="0" b="0"/>
+      </a:fillRef>
+      <a:effectRef idx="0">
+        <a:scrgbClr r="0" g="0" b="0"/>
+      </a:effectRef>
+      <a:fontRef idx="minor">
+        <a:schemeClr val="lt1"/>
+      </a:fontRef>
+    </dgm:style>
+  </dgm:styleLbl>
+  <dgm:styleLbl name="parChTrans2D1">
+    <dgm:scene3d>
+      <a:camera prst="orthographicFront"/>
+      <a:lightRig rig="threePt" dir="t"/>
+    </dgm:scene3d>
+    <dgm:sp3d/>
+    <dgm:txPr/>
+    <dgm:style>
+      <a:lnRef idx="2">
+        <a:scrgbClr r="0" g="0" b="0"/>
+      </a:lnRef>
+      <a:fillRef idx="1">
+        <a:scrgbClr r="0" g="0" b="0"/>
+      </a:fillRef>
+      <a:effectRef idx="0">
+        <a:scrgbClr r="0" g="0" b="0"/>
+      </a:effectRef>
+      <a:fontRef idx="minor">
+        <a:schemeClr val="lt1"/>
+      </a:fontRef>
+    </dgm:style>
+  </dgm:styleLbl>
+  <dgm:styleLbl name="parChTrans2D2">
+    <dgm:scene3d>
+      <a:camera prst="orthographicFront"/>
+      <a:lightRig rig="threePt" dir="t"/>
+    </dgm:scene3d>
+    <dgm:sp3d/>
+    <dgm:txPr/>
+    <dgm:style>
+      <a:lnRef idx="2">
+        <a:scrgbClr r="0" g="0" b="0"/>
+      </a:lnRef>
+      <a:fillRef idx="1">
+        <a:scrgbClr r="0" g="0" b="0"/>
+      </a:fillRef>
+      <a:effectRef idx="0">
+        <a:scrgbClr r="0" g="0" b="0"/>
+      </a:effectRef>
+      <a:fontRef idx="minor">
+        <a:schemeClr val="lt1"/>
+      </a:fontRef>
+    </dgm:style>
+  </dgm:styleLbl>
+  <dgm:styleLbl name="parChTrans2D3">
+    <dgm:scene3d>
+      <a:camera prst="orthographicFront"/>
+      <a:lightRig rig="threePt" dir="t"/>
+    </dgm:scene3d>
+    <dgm:sp3d/>
+    <dgm:txPr/>
+    <dgm:style>
+      <a:lnRef idx="2">
+        <a:scrgbClr r="0" g="0" b="0"/>
+      </a:lnRef>
+      <a:fillRef idx="1">
+        <a:scrgbClr r="0" g="0" b="0"/>
+      </a:fillRef>
+      <a:effectRef idx="0">
+        <a:scrgbClr r="0" g="0" b="0"/>
+      </a:effectRef>
+      <a:fontRef idx="minor">
+        <a:schemeClr val="lt1"/>
+      </a:fontRef>
+    </dgm:style>
+  </dgm:styleLbl>
+  <dgm:styleLbl name="parChTrans2D4">
+    <dgm:scene3d>
+      <a:camera prst="orthographicFront"/>
+      <a:lightRig rig="threePt" dir="t"/>
+    </dgm:scene3d>
+    <dgm:sp3d/>
+    <dgm:txPr/>
+    <dgm:style>
+      <a:lnRef idx="2">
+        <a:scrgbClr r="0" g="0" b="0"/>
+      </a:lnRef>
+      <a:fillRef idx="1">
+        <a:scrgbClr r="0" g="0" b="0"/>
+      </a:fillRef>
+      <a:effectRef idx="0">
+        <a:scrgbClr r="0" g="0" b="0"/>
+      </a:effectRef>
+      <a:fontRef idx="minor">
+        <a:schemeClr val="lt1"/>
+      </a:fontRef>
+    </dgm:style>
+  </dgm:styleLbl>
+  <dgm:styleLbl name="parChTrans1D1">
+    <dgm:scene3d>
+      <a:camera prst="orthographicFront"/>
+      <a:lightRig rig="threePt" dir="t"/>
+    </dgm:scene3d>
+    <dgm:sp3d/>
+    <dgm:txPr/>
+    <dgm:style>
+      <a:lnRef idx="2">
+        <a:scrgbClr r="0" g="0" b="0"/>
+      </a:lnRef>
+      <a:fillRef idx="0">
+        <a:scrgbClr r="0" g="0" b="0"/>
+      </a:fillRef>
+      <a:effectRef idx="0">
+        <a:scrgbClr r="0" g="0" b="0"/>
+      </a:effectRef>
+      <a:fontRef idx="minor"/>
+    </dgm:style>
+  </dgm:styleLbl>
+  <dgm:styleLbl name="parChTrans1D2">
+    <dgm:scene3d>
+      <a:camera prst="orthographicFront"/>
+      <a:lightRig rig="threePt" dir="t"/>
+    </dgm:scene3d>
+    <dgm:sp3d/>
+    <dgm:txPr/>
+    <dgm:style>
+      <a:lnRef idx="2">
+        <a:scrgbClr r="0" g="0" b="0"/>
+      </a:lnRef>
+      <a:fillRef idx="0">
+        <a:scrgbClr r="0" g="0" b="0"/>
+      </a:fillRef>
+      <a:effectRef idx="0">
+        <a:scrgbClr r="0" g="0" b="0"/>
+      </a:effectRef>
+      <a:fontRef idx="minor"/>
+    </dgm:style>
+  </dgm:styleLbl>
+  <dgm:styleLbl name="parChTrans1D3">
+    <dgm:scene3d>
+      <a:camera prst="orthographicFront"/>
+      <a:lightRig rig="threePt" dir="t"/>
+    </dgm:scene3d>
+    <dgm:sp3d/>
+    <dgm:txPr/>
+    <dgm:style>
+      <a:lnRef idx="2">
+        <a:scrgbClr r="0" g="0" b="0"/>
+      </a:lnRef>
+      <a:fillRef idx="0">
+        <a:scrgbClr r="0" g="0" b="0"/>
+      </a:fillRef>
+      <a:effectRef idx="0">
+        <a:scrgbClr r="0" g="0" b="0"/>
+      </a:effectRef>
+      <a:fontRef idx="minor"/>
+    </dgm:style>
+  </dgm:styleLbl>
+  <dgm:styleLbl name="parChTrans1D4">
+    <dgm:scene3d>
+      <a:camera prst="orthographicFront"/>
+      <a:lightRig rig="threePt" dir="t"/>
+    </dgm:scene3d>
+    <dgm:sp3d/>
+    <dgm:txPr/>
+    <dgm:style>
+      <a:lnRef idx="2">
+        <a:scrgbClr r="0" g="0" b="0"/>
+      </a:lnRef>
+      <a:fillRef idx="0">
+        <a:scrgbClr r="0" g="0" b="0"/>
+      </a:fillRef>
+      <a:effectRef idx="0">
+        <a:scrgbClr r="0" g="0" b="0"/>
+      </a:effectRef>
+      <a:fontRef idx="minor"/>
+    </dgm:style>
+  </dgm:styleLbl>
+  <dgm:styleLbl name="fgAcc1">
+    <dgm:scene3d>
+      <a:camera prst="orthographicFront"/>
+      <a:lightRig rig="threePt" dir="t"/>
+    </dgm:scene3d>
+    <dgm:sp3d/>
+    <dgm:txPr/>
+    <dgm:style>
+      <a:lnRef idx="2">
+        <a:scrgbClr r="0" g="0" b="0"/>
+      </a:lnRef>
+      <a:fillRef idx="1">
+        <a:scrgbClr r="0" g="0" b="0"/>
+      </a:fillRef>
+      <a:effectRef idx="0">
+        <a:scrgbClr r="0" g="0" b="0"/>
+      </a:effectRef>
+      <a:fontRef idx="minor"/>
+    </dgm:style>
+  </dgm:styleLbl>
+  <dgm:styleLbl name="conFgAcc1">
+    <dgm:scene3d>
+      <a:camera prst="orthographicFront"/>
+      <a:lightRig rig="threePt" dir="t"/>
+    </dgm:scene3d>
+    <dgm:sp3d/>
+    <dgm:txPr/>
+    <dgm:style>
+      <a:lnRef idx="2">
+        <a:scrgbClr r="0" g="0" b="0"/>
+      </a:lnRef>
+      <a:fillRef idx="1">
+        <a:scrgbClr r="0" g="0" b="0"/>
+      </a:fillRef>
+      <a:effectRef idx="0">
+        <a:scrgbClr r="0" g="0" b="0"/>
+      </a:effectRef>
+      <a:fontRef idx="minor"/>
+    </dgm:style>
+  </dgm:styleLbl>
+  <dgm:styleLbl name="alignAcc1">
+    <dgm:scene3d>
+      <a:camera prst="orthographicFront"/>
+      <a:lightRig rig="threePt" dir="t"/>
+    </dgm:scene3d>
+    <dgm:sp3d/>
+    <dgm:txPr/>
+    <dgm:style>
+      <a:lnRef idx="2">
+        <a:scrgbClr r="0" g="0" b="0"/>
+      </a:lnRef>
+      <a:fillRef idx="1">
+        <a:scrgbClr r="0" g="0" b="0"/>
+      </a:fillRef>
+      <a:effectRef idx="0">
+        <a:scrgbClr r="0" g="0" b="0"/>
+      </a:effectRef>
+      <a:fontRef idx="minor"/>
+    </dgm:style>
+  </dgm:styleLbl>
+  <dgm:styleLbl name="trAlignAcc1">
+    <dgm:scene3d>
+      <a:camera prst="orthographicFront"/>
+      <a:lightRig rig="threePt" dir="t"/>
+    </dgm:scene3d>
+    <dgm:sp3d/>
+    <dgm:txPr/>
+    <dgm:style>
+      <a:lnRef idx="1">
+        <a:scrgbClr r="0" g="0" b="0"/>
+      </a:lnRef>
+      <a:fillRef idx="1">
+        <a:scrgbClr r="0" g="0" b="0"/>
+      </a:fillRef>
+      <a:effectRef idx="0">
+        <a:scrgbClr r="0" g="0" b="0"/>
+      </a:effectRef>
+      <a:fontRef idx="minor"/>
+    </dgm:style>
+  </dgm:styleLbl>
+  <dgm:styleLbl name="bgAcc1">
+    <dgm:scene3d>
+      <a:camera prst="orthographicFront"/>
+      <a:lightRig rig="threePt" dir="t"/>
+    </dgm:scene3d>
+    <dgm:sp3d/>
+    <dgm:txPr/>
+    <dgm:style>
+      <a:lnRef idx="2">
+        <a:scrgbClr r="0" g="0" b="0"/>
+      </a:lnRef>
+      <a:fillRef idx="1">
+        <a:scrgbClr r="0" g="0" b="0"/>
+      </a:fillRef>
+      <a:effectRef idx="0">
+        <a:scrgbClr r="0" g="0" b="0"/>
+      </a:effectRef>
+      <a:fontRef idx="minor"/>
+    </dgm:style>
+  </dgm:styleLbl>
+  <dgm:styleLbl name="solidFgAcc1">
+    <dgm:scene3d>
+      <a:camera prst="orthographicFront"/>
+      <a:lightRig rig="threePt" dir="t"/>
+    </dgm:scene3d>
+    <dgm:sp3d/>
+    <dgm:txPr/>
+    <dgm:style>
+      <a:lnRef idx="2">
+        <a:scrgbClr r="0" g="0" b="0"/>
+      </a:lnRef>
+      <a:fillRef idx="1">
+        <a:scrgbClr r="0" g="0" b="0"/>
+      </a:fillRef>
+      <a:effectRef idx="0">
+        <a:scrgbClr r="0" g="0" b="0"/>
+      </a:effectRef>
+      <a:fontRef idx="minor"/>
+    </dgm:style>
+  </dgm:styleLbl>
+  <dgm:styleLbl name="solidAlignAcc1">
+    <dgm:scene3d>
+      <a:camera prst="orthographicFront"/>
+      <a:lightRig rig="threePt" dir="t"/>
+    </dgm:scene3d>
+    <dgm:sp3d/>
+    <dgm:txPr/>
+    <dgm:style>
+      <a:lnRef idx="2">
+        <a:scrgbClr r="0" g="0" b="0"/>
+      </a:lnRef>
+      <a:fillRef idx="1">
+        <a:scrgbClr r="0" g="0" b="0"/>
+      </a:fillRef>
+      <a:effectRef idx="0">
+        <a:scrgbClr r="0" g="0" b="0"/>
+      </a:effectRef>
+      <a:fontRef idx="minor"/>
+    </dgm:style>
+  </dgm:styleLbl>
+  <dgm:styleLbl name="solidBgAcc1">
+    <dgm:scene3d>
+      <a:camera prst="orthographicFront"/>
+      <a:lightRig rig="threePt" dir="t"/>
+    </dgm:scene3d>
+    <dgm:sp3d/>
+    <dgm:txPr/>
+    <dgm:style>
+      <a:lnRef idx="2">
+        <a:scrgbClr r="0" g="0" b="0"/>
+      </a:lnRef>
+      <a:fillRef idx="1">
+        <a:scrgbClr r="0" g="0" b="0"/>
+      </a:fillRef>
+      <a:effectRef idx="0">
+        <a:scrgbClr r="0" g="0" b="0"/>
+      </a:effectRef>
+      <a:fontRef idx="minor"/>
+    </dgm:style>
+  </dgm:styleLbl>
+  <dgm:styleLbl name="fgAccFollowNode1">
+    <dgm:scene3d>
+      <a:camera prst="orthographicFront"/>
+      <a:lightRig rig="threePt" dir="t"/>
+    </dgm:scene3d>
+    <dgm:sp3d/>
+    <dgm:txPr/>
+    <dgm:style>
+      <a:lnRef idx="2">
+        <a:scrgbClr r="0" g="0" b="0"/>
+      </a:lnRef>
+      <a:fillRef idx="1">
+        <a:scrgbClr r="0" g="0" b="0"/>
+      </a:fillRef>
+      <a:effectRef idx="0">
+        <a:scrgbClr r="0" g="0" b="0"/>
+      </a:effectRef>
+      <a:fontRef idx="minor"/>
+    </dgm:style>
+  </dgm:styleLbl>
+  <dgm:styleLbl name="alignAccFollowNode1">
+    <dgm:scene3d>
+      <a:camera prst="orthographicFront"/>
+      <a:lightRig rig="threePt" dir="t"/>
+    </dgm:scene3d>
+    <dgm:sp3d/>
+    <dgm:txPr/>
+    <dgm:style>
+      <a:lnRef idx="2">
+        <a:scrgbClr r="0" g="0" b="0"/>
+      </a:lnRef>
+      <a:fillRef idx="1">
+        <a:scrgbClr r="0" g="0" b="0"/>
+      </a:fillRef>
+      <a:effectRef idx="0">
+        <a:scrgbClr r="0" g="0" b="0"/>
+      </a:effectRef>
+      <a:fontRef idx="minor"/>
+    </dgm:style>
+  </dgm:styleLbl>
+  <dgm:styleLbl name="bgAccFollowNode1">
+    <dgm:scene3d>
+      <a:camera prst="orthographicFront"/>
+      <a:lightRig rig="threePt" dir="t"/>
+    </dgm:scene3d>
+    <dgm:sp3d/>
+    <dgm:txPr/>
+    <dgm:style>
+      <a:lnRef idx="2">
+        <a:scrgbClr r="0" g="0" b="0"/>
+      </a:lnRef>
+      <a:fillRef idx="1">
+        <a:scrgbClr r="0" g="0" b="0"/>
+      </a:fillRef>
+      <a:effectRef idx="0">
+        <a:scrgbClr r="0" g="0" b="0"/>
+      </a:effectRef>
+      <a:fontRef idx="minor"/>
+    </dgm:style>
+  </dgm:styleLbl>
+  <dgm:styleLbl name="fgAcc0">
+    <dgm:scene3d>
+      <a:camera prst="orthographicFront"/>
+      <a:lightRig rig="threePt" dir="t"/>
+    </dgm:scene3d>
+    <dgm:sp3d/>
+    <dgm:txPr/>
+    <dgm:style>
+      <a:lnRef idx="2">
+        <a:scrgbClr r="0" g="0" b="0"/>
+      </a:lnRef>
+      <a:fillRef idx="1">
+        <a:scrgbClr r="0" g="0" b="0"/>
+      </a:fillRef>
+      <a:effectRef idx="0">
+        <a:scrgbClr r="0" g="0" b="0"/>
+      </a:effectRef>
+      <a:fontRef idx="minor"/>
+    </dgm:style>
+  </dgm:styleLbl>
+  <dgm:styleLbl name="fgAcc2">
+    <dgm:scene3d>
+      <a:camera prst="orthographicFront"/>
+      <a:lightRig rig="threePt" dir="t"/>
+    </dgm:scene3d>
+    <dgm:sp3d/>
+    <dgm:txPr/>
+    <dgm:style>
+      <a:lnRef idx="2">
+        <a:scrgbClr r="0" g="0" b="0"/>
+      </a:lnRef>
+      <a:fillRef idx="1">
+        <a:scrgbClr r="0" g="0" b="0"/>
+      </a:fillRef>
+      <a:effectRef idx="0">
+        <a:scrgbClr r="0" g="0" b="0"/>
+      </a:effectRef>
+      <a:fontRef idx="minor"/>
+    </dgm:style>
+  </dgm:styleLbl>
+  <dgm:styleLbl name="fgAcc3">
+    <dgm:scene3d>
+      <a:camera prst="orthographicFront"/>
+      <a:lightRig rig="threePt" dir="t"/>
+    </dgm:scene3d>
+    <dgm:sp3d/>
+    <dgm:txPr/>
+    <dgm:style>
+      <a:lnRef idx="2">
+        <a:scrgbClr r="0" g="0" b="0"/>
+      </a:lnRef>
+      <a:fillRef idx="1">
+        <a:scrgbClr r="0" g="0" b="0"/>
+      </a:fillRef>
+      <a:effectRef idx="0">
+        <a:scrgbClr r="0" g="0" b="0"/>
+      </a:effectRef>
+      <a:fontRef idx="minor"/>
+    </dgm:style>
+  </dgm:styleLbl>
+  <dgm:styleLbl name="fgAcc4">
+    <dgm:scene3d>
+      <a:camera prst="orthographicFront"/>
+      <a:lightRig rig="threePt" dir="t"/>
+    </dgm:scene3d>
+    <dgm:sp3d/>
+    <dgm:txPr/>
+    <dgm:style>
+      <a:lnRef idx="2">
+        <a:scrgbClr r="0" g="0" b="0"/>
+      </a:lnRef>
+      <a:fillRef idx="1">
+        <a:scrgbClr r="0" g="0" b="0"/>
+      </a:fillRef>
+      <a:effectRef idx="0">
+        <a:scrgbClr r="0" g="0" b="0"/>
+      </a:effectRef>
+      <a:fontRef idx="minor"/>
+    </dgm:style>
+  </dgm:styleLbl>
+  <dgm:styleLbl name="bgShp">
+    <dgm:scene3d>
+      <a:camera prst="orthographicFront"/>
+      <a:lightRig rig="threePt" dir="t"/>
+    </dgm:scene3d>
+    <dgm:sp3d/>
+    <dgm:txPr/>
+    <dgm:style>
+      <a:lnRef idx="0">
+        <a:scrgbClr r="0" g="0" b="0"/>
+      </a:lnRef>
+      <a:fillRef idx="1">
+        <a:scrgbClr r="0" g="0" b="0"/>
+      </a:fillRef>
+      <a:effectRef idx="0">
+        <a:scrgbClr r="0" g="0" b="0"/>
+      </a:effectRef>
+      <a:fontRef idx="minor"/>
+    </dgm:style>
+  </dgm:styleLbl>
+  <dgm:styleLbl name="dkBgShp">
+    <dgm:scene3d>
+      <a:camera prst="orthographicFront"/>
+      <a:lightRig rig="threePt" dir="t"/>
+    </dgm:scene3d>
+    <dgm:sp3d/>
+    <dgm:txPr/>
+    <dgm:style>
+      <a:lnRef idx="0">
+        <a:scrgbClr r="0" g="0" b="0"/>
+      </a:lnRef>
+      <a:fillRef idx="1">
+        <a:scrgbClr r="0" g="0" b="0"/>
+      </a:fillRef>
+      <a:effectRef idx="0">
+        <a:scrgbClr r="0" g="0" b="0"/>
+      </a:effectRef>
+      <a:fontRef idx="minor"/>
+    </dgm:style>
+  </dgm:styleLbl>
+  <dgm:styleLbl name="trBgShp">
+    <dgm:scene3d>
+      <a:camera prst="orthographicFront"/>
+      <a:lightRig rig="threePt" dir="t"/>
+    </dgm:scene3d>
+    <dgm:sp3d/>
+    <dgm:txPr/>
+    <dgm:style>
+      <a:lnRef idx="0">
+        <a:scrgbClr r="0" g="0" b="0"/>
+      </a:lnRef>
+      <a:fillRef idx="1">
+        <a:scrgbClr r="0" g="0" b="0"/>
+      </a:fillRef>
+      <a:effectRef idx="0">
+        <a:scrgbClr r="0" g="0" b="0"/>
+      </a:effectRef>
+      <a:fontRef idx="minor"/>
+    </dgm:style>
+  </dgm:styleLbl>
+  <dgm:styleLbl name="fgShp">
+    <dgm:scene3d>
+      <a:camera prst="orthographicFront"/>
+      <a:lightRig rig="threePt" dir="t"/>
+    </dgm:scene3d>
+    <dgm:sp3d/>
+    <dgm:txPr/>
+    <dgm:style>
+      <a:lnRef idx="2">
+        <a:scrgbClr r="0" g="0" b="0"/>
+      </a:lnRef>
+      <a:fillRef idx="1">
+        <a:scrgbClr r="0" g="0" b="0"/>
+      </a:fillRef>
+      <a:effectRef idx="0">
+        <a:scrgbClr r="0" g="0" b="0"/>
+      </a:effectRef>
+      <a:fontRef idx="minor"/>
+    </dgm:style>
+  </dgm:styleLbl>
+  <dgm:styleLbl name="revTx">
+    <dgm:scene3d>
+      <a:camera prst="orthographicFront"/>
+      <a:lightRig rig="threePt" dir="t"/>
+    </dgm:scene3d>
+    <dgm:sp3d/>
+    <dgm:txPr/>
+    <dgm:style>
+      <a:lnRef idx="0">
+        <a:scrgbClr r="0" g="0" b="0"/>
+      </a:lnRef>
+      <a:fillRef idx="0">
+        <a:scrgbClr r="0" g="0" b="0"/>
+      </a:fillRef>
+      <a:effectRef idx="0">
+        <a:scrgbClr r="0" g="0" b="0"/>
+      </a:effectRef>
+      <a:fontRef idx="minor"/>
+    </dgm:style>
+  </dgm:styleLbl>
+</dgm:styleDef>
+</file>
+
 <file path=ppt/slideLayouts/slideLayout1.xml><?xml version="1.0" encoding="utf-8"?>
 <p:sldLayout xmlns:a="http://schemas.openxmlformats.org/drawingml/2006/main" xmlns:r="http://schemas.openxmlformats.org/officeDocument/2006/relationships" xmlns:p="http://schemas.openxmlformats.org/presentationml/2006/main" type="title" preserve="1">
   <p:cSld name="Diapositiva de título">
@@ -4466,7 +7040,7 @@
           <a:p>
             <a:fld id="{BA0DAD21-0104-45FC-9DD2-6CF599D1E618}" type="datetimeFigureOut">
               <a:rPr lang="es-ES" smtClean="0"/>
-              <a:t>10/09/2021</a:t>
+              <a:t>12/09/2021</a:t>
             </a:fld>
             <a:endParaRPr lang="es-ES"/>
           </a:p>
@@ -4664,7 +7238,7 @@
           <a:p>
             <a:fld id="{BA0DAD21-0104-45FC-9DD2-6CF599D1E618}" type="datetimeFigureOut">
               <a:rPr lang="es-ES" smtClean="0"/>
-              <a:t>10/09/2021</a:t>
+              <a:t>12/09/2021</a:t>
             </a:fld>
             <a:endParaRPr lang="es-ES"/>
           </a:p>
@@ -4872,7 +7446,7 @@
           <a:p>
             <a:fld id="{BA0DAD21-0104-45FC-9DD2-6CF599D1E618}" type="datetimeFigureOut">
               <a:rPr lang="es-ES" smtClean="0"/>
-              <a:t>10/09/2021</a:t>
+              <a:t>12/09/2021</a:t>
             </a:fld>
             <a:endParaRPr lang="es-ES"/>
           </a:p>
@@ -5070,7 +7644,7 @@
           <a:p>
             <a:fld id="{BA0DAD21-0104-45FC-9DD2-6CF599D1E618}" type="datetimeFigureOut">
               <a:rPr lang="es-ES" smtClean="0"/>
-              <a:t>10/09/2021</a:t>
+              <a:t>12/09/2021</a:t>
             </a:fld>
             <a:endParaRPr lang="es-ES"/>
           </a:p>
@@ -5345,7 +7919,7 @@
           <a:p>
             <a:fld id="{BA0DAD21-0104-45FC-9DD2-6CF599D1E618}" type="datetimeFigureOut">
               <a:rPr lang="es-ES" smtClean="0"/>
-              <a:t>10/09/2021</a:t>
+              <a:t>12/09/2021</a:t>
             </a:fld>
             <a:endParaRPr lang="es-ES"/>
           </a:p>
@@ -5610,7 +8184,7 @@
           <a:p>
             <a:fld id="{BA0DAD21-0104-45FC-9DD2-6CF599D1E618}" type="datetimeFigureOut">
               <a:rPr lang="es-ES" smtClean="0"/>
-              <a:t>10/09/2021</a:t>
+              <a:t>12/09/2021</a:t>
             </a:fld>
             <a:endParaRPr lang="es-ES"/>
           </a:p>
@@ -6022,7 +8596,7 @@
           <a:p>
             <a:fld id="{BA0DAD21-0104-45FC-9DD2-6CF599D1E618}" type="datetimeFigureOut">
               <a:rPr lang="es-ES" smtClean="0"/>
-              <a:t>10/09/2021</a:t>
+              <a:t>12/09/2021</a:t>
             </a:fld>
             <a:endParaRPr lang="es-ES"/>
           </a:p>
@@ -6163,7 +8737,7 @@
           <a:p>
             <a:fld id="{BA0DAD21-0104-45FC-9DD2-6CF599D1E618}" type="datetimeFigureOut">
               <a:rPr lang="es-ES" smtClean="0"/>
-              <a:t>10/09/2021</a:t>
+              <a:t>12/09/2021</a:t>
             </a:fld>
             <a:endParaRPr lang="es-ES"/>
           </a:p>
@@ -6276,7 +8850,7 @@
           <a:p>
             <a:fld id="{BA0DAD21-0104-45FC-9DD2-6CF599D1E618}" type="datetimeFigureOut">
               <a:rPr lang="es-ES" smtClean="0"/>
-              <a:t>10/09/2021</a:t>
+              <a:t>12/09/2021</a:t>
             </a:fld>
             <a:endParaRPr lang="es-ES"/>
           </a:p>
@@ -6587,7 +9161,7 @@
           <a:p>
             <a:fld id="{BA0DAD21-0104-45FC-9DD2-6CF599D1E618}" type="datetimeFigureOut">
               <a:rPr lang="es-ES" smtClean="0"/>
-              <a:t>10/09/2021</a:t>
+              <a:t>12/09/2021</a:t>
             </a:fld>
             <a:endParaRPr lang="es-ES"/>
           </a:p>
@@ -6875,7 +9449,7 @@
           <a:p>
             <a:fld id="{BA0DAD21-0104-45FC-9DD2-6CF599D1E618}" type="datetimeFigureOut">
               <a:rPr lang="es-ES" smtClean="0"/>
-              <a:t>10/09/2021</a:t>
+              <a:t>12/09/2021</a:t>
             </a:fld>
             <a:endParaRPr lang="es-ES"/>
           </a:p>
@@ -7116,7 +9690,7 @@
           <a:p>
             <a:fld id="{BA0DAD21-0104-45FC-9DD2-6CF599D1E618}" type="datetimeFigureOut">
               <a:rPr lang="es-ES" smtClean="0"/>
-              <a:t>10/09/2021</a:t>
+              <a:t>12/09/2021</a:t>
             </a:fld>
             <a:endParaRPr lang="es-ES"/>
           </a:p>
@@ -7943,7 +10517,7 @@
         </p:nvSpPr>
         <p:spPr/>
         <p:txBody>
-          <a:bodyPr/>
+          <a:bodyPr anchor="t"/>
           <a:lstStyle/>
           <a:p>
             <a:r>
@@ -7961,6 +10535,21 @@
             <a:r>
               <a:rPr lang="es-ES" dirty="0" err="1"/>
               <a:t>Egoera</a:t>
+            </a:r>
+            <a:br>
+              <a:rPr lang="es-ES" dirty="0"/>
+            </a:br>
+            <a:r>
+              <a:rPr lang="es-ES" sz="3200" dirty="0" err="1"/>
+              <a:t>Proposatutako</a:t>
+            </a:r>
+            <a:r>
+              <a:rPr lang="es-ES" sz="3200" dirty="0"/>
+              <a:t> </a:t>
+            </a:r>
+            <a:r>
+              <a:rPr lang="es-ES" sz="3200" dirty="0" err="1"/>
+              <a:t>Hobekuntzak</a:t>
             </a:r>
             <a:endParaRPr lang="es-ES" dirty="0"/>
           </a:p>
@@ -7984,137 +10573,86 @@
         </p:nvSpPr>
         <p:spPr/>
         <p:txBody>
-          <a:bodyPr/>
+          <a:bodyPr>
+            <a:normAutofit/>
+          </a:bodyPr>
           <a:lstStyle/>
           <a:p>
-            <a:pPr marL="0" indent="0">
-              <a:buNone/>
+            <a:pPr>
+              <a:spcAft>
+                <a:spcPts val="600"/>
+              </a:spcAft>
             </a:pPr>
             <a:r>
-              <a:rPr lang="es-ES" b="1" dirty="0" err="1"/>
-              <a:t>ProWF</a:t>
-            </a:r>
-            <a:r>
-              <a:rPr lang="es-ES" b="1" dirty="0"/>
-              <a:t> </a:t>
-            </a:r>
-            <a:r>
-              <a:rPr lang="es-ES" b="1" dirty="0" err="1"/>
-              <a:t>Oinarritutako</a:t>
-            </a:r>
-            <a:r>
-              <a:rPr lang="es-ES" b="1" dirty="0"/>
-              <a:t> </a:t>
-            </a:r>
-            <a:r>
-              <a:rPr lang="es-ES" b="1" dirty="0" err="1"/>
-              <a:t>Hobekuntzak</a:t>
-            </a:r>
-            <a:endParaRPr lang="es-ES" b="1" dirty="0"/>
-          </a:p>
-          <a:p>
-            <a:r>
-              <a:rPr lang="es-ES" dirty="0" err="1"/>
-              <a:t>Bizi-zikloa</a:t>
-            </a:r>
-            <a:r>
-              <a:rPr lang="es-ES" dirty="0"/>
-              <a:t> </a:t>
-            </a:r>
-            <a:r>
-              <a:rPr lang="es-ES" dirty="0" err="1"/>
-              <a:t>osatu</a:t>
-            </a:r>
-            <a:endParaRPr lang="es-ES" dirty="0"/>
-          </a:p>
-          <a:p>
-            <a:r>
-              <a:rPr lang="es-ES" dirty="0" err="1"/>
-              <a:t>Metaereduen</a:t>
-            </a:r>
-            <a:r>
-              <a:rPr lang="es-ES" dirty="0"/>
-              <a:t> </a:t>
-            </a:r>
-            <a:r>
-              <a:rPr lang="es-ES" dirty="0" err="1"/>
-              <a:t>bidezko</a:t>
-            </a:r>
-            <a:r>
-              <a:rPr lang="es-ES" dirty="0"/>
-              <a:t> </a:t>
-            </a:r>
-            <a:r>
-              <a:rPr lang="es-ES" dirty="0" err="1"/>
-              <a:t>eraldaketa</a:t>
-            </a:r>
-            <a:endParaRPr lang="es-ES" dirty="0"/>
-          </a:p>
-          <a:p>
-            <a:r>
-              <a:rPr lang="es-ES" dirty="0"/>
-              <a:t>Editore </a:t>
-            </a:r>
-            <a:r>
-              <a:rPr lang="es-ES" dirty="0" err="1"/>
-              <a:t>hobea</a:t>
-            </a:r>
-            <a:endParaRPr lang="es-ES" dirty="0"/>
-          </a:p>
-          <a:p>
-            <a:r>
-              <a:rPr lang="es-ES" dirty="0" err="1"/>
-              <a:t>Metodologia</a:t>
-            </a:r>
-            <a:r>
-              <a:rPr lang="es-ES" dirty="0"/>
-              <a:t> </a:t>
-            </a:r>
-            <a:r>
-              <a:rPr lang="es-ES" dirty="0" err="1"/>
-              <a:t>ezberdinak</a:t>
-            </a:r>
-            <a:endParaRPr lang="es-ES" dirty="0"/>
-          </a:p>
-          <a:p>
-            <a:r>
-              <a:rPr lang="es-ES" dirty="0"/>
+              <a:rPr lang="eu-ES" dirty="0"/>
+              <a:t>Bizi-zikloa osatu</a:t>
+            </a:r>
+          </a:p>
+          <a:p>
+            <a:pPr>
+              <a:spcAft>
+                <a:spcPts val="600"/>
+              </a:spcAft>
+            </a:pPr>
+            <a:r>
+              <a:rPr lang="eu-ES" dirty="0"/>
+              <a:t>Metaereduen bidezko eraldaketa</a:t>
+            </a:r>
+          </a:p>
+          <a:p>
+            <a:pPr>
+              <a:spcAft>
+                <a:spcPts val="600"/>
+              </a:spcAft>
+            </a:pPr>
+            <a:r>
+              <a:rPr lang="eu-ES" dirty="0"/>
+              <a:t>Editore hobea</a:t>
+            </a:r>
+          </a:p>
+          <a:p>
+            <a:pPr>
+              <a:spcAft>
+                <a:spcPts val="600"/>
+              </a:spcAft>
+            </a:pPr>
+            <a:r>
+              <a:rPr lang="eu-ES" dirty="0"/>
+              <a:t>Metodologia ezberdinak</a:t>
+            </a:r>
+          </a:p>
+          <a:p>
+            <a:pPr>
+              <a:spcAft>
+                <a:spcPts val="600"/>
+              </a:spcAft>
+            </a:pPr>
+            <a:r>
+              <a:rPr lang="eu-ES" dirty="0"/>
               <a:t>BPMN</a:t>
             </a:r>
           </a:p>
           <a:p>
-            <a:r>
-              <a:rPr lang="es-ES" dirty="0"/>
-              <a:t>CMMI </a:t>
-            </a:r>
-            <a:r>
-              <a:rPr lang="es-ES" dirty="0" err="1"/>
-              <a:t>mailak</a:t>
-            </a:r>
-            <a:endParaRPr lang="es-ES" dirty="0"/>
-          </a:p>
-          <a:p>
-            <a:r>
-              <a:rPr lang="es-ES" dirty="0" err="1"/>
-              <a:t>Webgunearen</a:t>
-            </a:r>
-            <a:r>
-              <a:rPr lang="es-ES" dirty="0"/>
-              <a:t> </a:t>
-            </a:r>
-            <a:r>
-              <a:rPr lang="es-ES" dirty="0" err="1"/>
-              <a:t>itxura</a:t>
-            </a:r>
-            <a:r>
-              <a:rPr lang="es-ES" dirty="0"/>
-              <a:t> </a:t>
-            </a:r>
-            <a:r>
-              <a:rPr lang="es-ES" dirty="0" err="1"/>
-              <a:t>hobetu</a:t>
-            </a:r>
-            <a:endParaRPr lang="es-ES" dirty="0"/>
+            <a:pPr>
+              <a:spcAft>
+                <a:spcPts val="600"/>
+              </a:spcAft>
+            </a:pPr>
+            <a:r>
+              <a:rPr lang="eu-ES" dirty="0"/>
+              <a:t>CMMI mailak</a:t>
+            </a:r>
+          </a:p>
+          <a:p>
+            <a:pPr>
+              <a:spcAft>
+                <a:spcPts val="600"/>
+              </a:spcAft>
+            </a:pPr>
+            <a:r>
+              <a:rPr lang="eu-ES" dirty="0"/>
+              <a:t>Webgunearen itxura hobetu</a:t>
+            </a:r>
           </a:p>
           <a:p>
             <a:endParaRPr lang="es-ES" dirty="0"/>
@@ -8405,7 +10943,7 @@
         </p:nvSpPr>
         <p:spPr/>
         <p:txBody>
-          <a:bodyPr/>
+          <a:bodyPr anchor="t"/>
           <a:lstStyle/>
           <a:p>
             <a:r>
@@ -8423,6 +10961,13 @@
             <a:r>
               <a:rPr lang="es-ES" dirty="0" err="1"/>
               <a:t>Egoera</a:t>
+            </a:r>
+            <a:br>
+              <a:rPr lang="es-ES" dirty="0"/>
+            </a:br>
+            <a:r>
+              <a:rPr lang="es-ES" sz="3200" dirty="0" err="1"/>
+              <a:t>Prestakuntza</a:t>
             </a:r>
             <a:endParaRPr lang="es-ES" dirty="0"/>
           </a:p>
@@ -8448,16 +10993,6 @@
         <p:txBody>
           <a:bodyPr/>
           <a:lstStyle/>
-          <a:p>
-            <a:pPr marL="0" indent="0">
-              <a:buNone/>
-            </a:pPr>
-            <a:r>
-              <a:rPr lang="es-ES" b="1" dirty="0" err="1"/>
-              <a:t>Prestakuntza</a:t>
-            </a:r>
-            <a:endParaRPr lang="es-ES" b="1" dirty="0"/>
-          </a:p>
           <a:p>
             <a:r>
               <a:rPr lang="es-ES" dirty="0"/>
@@ -8766,7 +11301,7 @@
         </p:nvSpPr>
         <p:spPr/>
         <p:txBody>
-          <a:bodyPr/>
+          <a:bodyPr anchor="t"/>
           <a:lstStyle/>
           <a:p>
             <a:r>
@@ -9518,7 +12053,7 @@
         </p:nvSpPr>
         <p:spPr/>
         <p:txBody>
-          <a:bodyPr/>
+          <a:bodyPr anchor="t"/>
           <a:lstStyle/>
           <a:p>
             <a:r>
@@ -9537,12 +12072,19 @@
               <a:rPr lang="es-ES" dirty="0" err="1"/>
               <a:t>Betekizunak</a:t>
             </a:r>
-            <a:r>
+            <a:br>
               <a:rPr lang="es-ES" dirty="0"/>
-              <a:t>: </a:t>
-            </a:r>
-            <a:r>
-              <a:rPr lang="es-ES" dirty="0" err="1"/>
+            </a:br>
+            <a:r>
+              <a:rPr lang="es-ES" sz="3200" dirty="0" err="1"/>
+              <a:t>Betekizun</a:t>
+            </a:r>
+            <a:r>
+              <a:rPr lang="es-ES" sz="3200" dirty="0"/>
+              <a:t> </a:t>
+            </a:r>
+            <a:r>
+              <a:rPr lang="es-ES" sz="3200" dirty="0" err="1"/>
               <a:t>Funtzionalak</a:t>
             </a:r>
             <a:endParaRPr lang="es-ES" dirty="0"/>
@@ -10018,7 +12560,7 @@
         </p:nvSpPr>
         <p:spPr/>
         <p:txBody>
-          <a:bodyPr/>
+          <a:bodyPr anchor="t"/>
           <a:lstStyle/>
           <a:p>
             <a:r>
@@ -10037,12 +12579,19 @@
               <a:rPr lang="es-ES" dirty="0" err="1"/>
               <a:t>Betekizunak</a:t>
             </a:r>
-            <a:r>
+            <a:br>
               <a:rPr lang="es-ES" dirty="0"/>
-              <a:t>: Ez-</a:t>
-            </a:r>
-            <a:r>
-              <a:rPr lang="es-ES" dirty="0" err="1"/>
+            </a:br>
+            <a:r>
+              <a:rPr lang="es-ES" sz="3200" dirty="0" err="1"/>
+              <a:t>Betekizun</a:t>
+            </a:r>
+            <a:r>
+              <a:rPr lang="es-ES" sz="3200" dirty="0"/>
+              <a:t> Ez-</a:t>
+            </a:r>
+            <a:r>
+              <a:rPr lang="es-ES" sz="3200" dirty="0" err="1"/>
               <a:t>Funtzionalak</a:t>
             </a:r>
             <a:endParaRPr lang="es-ES" dirty="0"/>
@@ -10070,12 +12619,22 @@
           <a:bodyPr/>
           <a:lstStyle/>
           <a:p>
+            <a:pPr>
+              <a:spcAft>
+                <a:spcPts val="1200"/>
+              </a:spcAft>
+            </a:pPr>
             <a:r>
               <a:rPr lang="es-ES" dirty="0"/>
               <a:t>CCII-N2016-02</a:t>
             </a:r>
           </a:p>
           <a:p>
+            <a:pPr>
+              <a:spcAft>
+                <a:spcPts val="1200"/>
+              </a:spcAft>
+            </a:pPr>
             <a:r>
               <a:rPr lang="es-ES" dirty="0" err="1"/>
               <a:t>OpenUP</a:t>
@@ -10083,6 +12642,11 @@
             <a:endParaRPr lang="es-ES" dirty="0"/>
           </a:p>
           <a:p>
+            <a:pPr>
+              <a:spcAft>
+                <a:spcPts val="1200"/>
+              </a:spcAft>
+            </a:pPr>
             <a:r>
               <a:rPr lang="es-ES" dirty="0" err="1"/>
               <a:t>Estandarrak</a:t>
@@ -10090,6 +12654,11 @@
             <a:endParaRPr lang="es-ES" dirty="0"/>
           </a:p>
           <a:p>
+            <a:pPr>
+              <a:spcAft>
+                <a:spcPts val="1200"/>
+              </a:spcAft>
+            </a:pPr>
             <a:r>
               <a:rPr lang="es-ES" dirty="0" err="1"/>
               <a:t>Soluzio</a:t>
@@ -10105,6 +12674,11 @@
             <a:endParaRPr lang="es-ES" dirty="0"/>
           </a:p>
           <a:p>
+            <a:pPr>
+              <a:spcAft>
+                <a:spcPts val="1200"/>
+              </a:spcAft>
+            </a:pPr>
             <a:r>
               <a:rPr lang="es-ES" dirty="0"/>
               <a:t>Tresna </a:t>
@@ -10124,6 +12698,11 @@
             <a:endParaRPr lang="es-ES" dirty="0"/>
           </a:p>
           <a:p>
+            <a:pPr>
+              <a:spcAft>
+                <a:spcPts val="1200"/>
+              </a:spcAft>
+            </a:pPr>
             <a:r>
               <a:rPr lang="es-ES" dirty="0" err="1"/>
               <a:t>Dokumentazioa</a:t>
@@ -10161,7 +12740,7 @@
         </p:blipFill>
         <p:spPr>
           <a:xfrm>
-            <a:off x="7582438" y="1609090"/>
+            <a:off x="5112449" y="1690688"/>
             <a:ext cx="2658894" cy="1657350"/>
           </a:xfrm>
           <a:prstGeom prst="rect">
@@ -10198,7 +12777,7 @@
         </p:blipFill>
         <p:spPr bwMode="auto">
           <a:xfrm>
-            <a:off x="6976917" y="4510405"/>
+            <a:off x="10142758" y="3789910"/>
             <a:ext cx="1211042" cy="1211042"/>
           </a:xfrm>
           <a:prstGeom prst="rect">
@@ -10214,6 +12793,183 @@
               </a14:hiddenFill>
             </a:ext>
           </a:extLst>
+        </p:spPr>
+      </p:pic>
+      <p:pic>
+        <p:nvPicPr>
+          <p:cNvPr id="1026" name="Picture 2" descr="Open Source Logo Vector (.AI) Free Download">
+            <a:extLst>
+              <a:ext uri="{FF2B5EF4-FFF2-40B4-BE49-F238E27FC236}">
+                <a16:creationId xmlns:a16="http://schemas.microsoft.com/office/drawing/2014/main" id="{1572FB5E-F3CF-46B3-ABB0-E28744448AAA}"/>
+              </a:ext>
+            </a:extLst>
+          </p:cNvPr>
+          <p:cNvPicPr>
+            <a:picLocks noChangeAspect="1" noChangeArrowheads="1"/>
+          </p:cNvPicPr>
+          <p:nvPr/>
+        </p:nvPicPr>
+        <p:blipFill>
+          <a:blip r:embed="rId4">
+            <a:extLst>
+              <a:ext uri="{28A0092B-C50C-407E-A947-70E740481C1C}">
+                <a14:useLocalDpi xmlns:a14="http://schemas.microsoft.com/office/drawing/2010/main" val="0"/>
+              </a:ext>
+            </a:extLst>
+          </a:blip>
+          <a:srcRect/>
+          <a:stretch>
+            <a:fillRect/>
+          </a:stretch>
+        </p:blipFill>
+        <p:spPr bwMode="auto">
+          <a:xfrm>
+            <a:off x="8316251" y="3812163"/>
+            <a:ext cx="1408187" cy="1211041"/>
+          </a:xfrm>
+          <a:prstGeom prst="rect">
+            <a:avLst/>
+          </a:prstGeom>
+          <a:noFill/>
+          <a:extLst>
+            <a:ext uri="{909E8E84-426E-40DD-AFC4-6F175D3DCCD1}">
+              <a14:hiddenFill xmlns:a14="http://schemas.microsoft.com/office/drawing/2010/main">
+                <a:solidFill>
+                  <a:srgbClr val="FFFFFF"/>
+                </a:solidFill>
+              </a14:hiddenFill>
+            </a:ext>
+          </a:extLst>
+        </p:spPr>
+      </p:pic>
+      <p:pic>
+        <p:nvPicPr>
+          <p:cNvPr id="7" name="Imagen 6" descr="OpenUP HUB: una plataforma para todos interesados ​​en “ciencia abierta” |  Universo Abierto">
+            <a:extLst>
+              <a:ext uri="{FF2B5EF4-FFF2-40B4-BE49-F238E27FC236}">
+                <a16:creationId xmlns:a16="http://schemas.microsoft.com/office/drawing/2014/main" id="{4F45D13B-3607-4234-8742-E438F296A2BB}"/>
+              </a:ext>
+            </a:extLst>
+          </p:cNvPr>
+          <p:cNvPicPr>
+            <a:picLocks noChangeAspect="1"/>
+          </p:cNvPicPr>
+          <p:nvPr/>
+        </p:nvPicPr>
+        <p:blipFill rotWithShape="1">
+          <a:blip r:embed="rId5" cstate="print">
+            <a:extLst>
+              <a:ext uri="{28A0092B-C50C-407E-A947-70E740481C1C}">
+                <a14:useLocalDpi xmlns:a14="http://schemas.microsoft.com/office/drawing/2010/main" val="0"/>
+              </a:ext>
+            </a:extLst>
+          </a:blip>
+          <a:srcRect l="5437" t="22716" r="6162" b="22008"/>
+          <a:stretch/>
+        </p:blipFill>
+        <p:spPr bwMode="auto">
+          <a:xfrm>
+            <a:off x="8259691" y="2656740"/>
+            <a:ext cx="1666726" cy="595533"/>
+          </a:xfrm>
+          <a:prstGeom prst="rect">
+            <a:avLst/>
+          </a:prstGeom>
+          <a:noFill/>
+          <a:ln>
+            <a:noFill/>
+          </a:ln>
+          <a:extLst>
+            <a:ext uri="{53640926-AAD7-44D8-BBD7-CCE9431645EC}">
+              <a14:shadowObscured xmlns:a14="http://schemas.microsoft.com/office/drawing/2010/main"/>
+            </a:ext>
+          </a:extLst>
+        </p:spPr>
+      </p:pic>
+      <p:pic>
+        <p:nvPicPr>
+          <p:cNvPr id="1028" name="Picture 4" descr="STANDARDS Line Icon Royalty Free Cliparts, Vectors, And Stock Illustration.  Image 66459645.">
+            <a:extLst>
+              <a:ext uri="{FF2B5EF4-FFF2-40B4-BE49-F238E27FC236}">
+                <a16:creationId xmlns:a16="http://schemas.microsoft.com/office/drawing/2014/main" id="{73CFEA52-D0F6-4ECE-8D6E-351A29F54ED8}"/>
+              </a:ext>
+            </a:extLst>
+          </p:cNvPr>
+          <p:cNvPicPr>
+            <a:picLocks noChangeAspect="1" noChangeArrowheads="1"/>
+          </p:cNvPicPr>
+          <p:nvPr/>
+        </p:nvPicPr>
+        <p:blipFill rotWithShape="1">
+          <a:blip r:embed="rId6">
+            <a:extLst>
+              <a:ext uri="{28A0092B-C50C-407E-A947-70E740481C1C}">
+                <a14:useLocalDpi xmlns:a14="http://schemas.microsoft.com/office/drawing/2010/main" val="0"/>
+              </a:ext>
+            </a:extLst>
+          </a:blip>
+          <a:srcRect l="16773" r="16775"/>
+          <a:stretch/>
+        </p:blipFill>
+        <p:spPr bwMode="auto">
+          <a:xfrm>
+            <a:off x="6563343" y="3482975"/>
+            <a:ext cx="1330800" cy="2002654"/>
+          </a:xfrm>
+          <a:prstGeom prst="rect">
+            <a:avLst/>
+          </a:prstGeom>
+          <a:noFill/>
+          <a:extLst>
+            <a:ext uri="{909E8E84-426E-40DD-AFC4-6F175D3DCCD1}">
+              <a14:hiddenFill xmlns:a14="http://schemas.microsoft.com/office/drawing/2010/main">
+                <a:solidFill>
+                  <a:srgbClr val="FFFFFF"/>
+                </a:solidFill>
+              </a14:hiddenFill>
+            </a:ext>
+          </a:extLst>
+        </p:spPr>
+      </p:pic>
+      <p:pic>
+        <p:nvPicPr>
+          <p:cNvPr id="9" name="Imagen 8" descr="Consejo General de Colegios de Ingeniería Informática de España (CCII) -  Alastria">
+            <a:extLst>
+              <a:ext uri="{FF2B5EF4-FFF2-40B4-BE49-F238E27FC236}">
+                <a16:creationId xmlns:a16="http://schemas.microsoft.com/office/drawing/2014/main" id="{D22C3272-0B17-4DA9-A9B2-94EADDBC26F1}"/>
+              </a:ext>
+            </a:extLst>
+          </p:cNvPr>
+          <p:cNvPicPr>
+            <a:picLocks noChangeAspect="1"/>
+          </p:cNvPicPr>
+          <p:nvPr/>
+        </p:nvPicPr>
+        <p:blipFill>
+          <a:blip r:embed="rId7" cstate="print">
+            <a:extLst>
+              <a:ext uri="{28A0092B-C50C-407E-A947-70E740481C1C}">
+                <a14:useLocalDpi xmlns:a14="http://schemas.microsoft.com/office/drawing/2010/main" val="0"/>
+              </a:ext>
+            </a:extLst>
+          </a:blip>
+          <a:srcRect/>
+          <a:stretch>
+            <a:fillRect/>
+          </a:stretch>
+        </p:blipFill>
+        <p:spPr bwMode="auto">
+          <a:xfrm>
+            <a:off x="8102985" y="1661180"/>
+            <a:ext cx="2274902" cy="797080"/>
+          </a:xfrm>
+          <a:prstGeom prst="rect">
+            <a:avLst/>
+          </a:prstGeom>
+          <a:noFill/>
+          <a:ln>
+            <a:noFill/>
+          </a:ln>
         </p:spPr>
       </p:pic>
     </p:spTree>
@@ -10264,7 +13020,7 @@
         </p:nvSpPr>
         <p:spPr/>
         <p:txBody>
-          <a:bodyPr/>
+          <a:bodyPr anchor="t"/>
           <a:lstStyle/>
           <a:p>
             <a:r>
@@ -10332,7 +13088,7 @@
         </p:nvSpPr>
         <p:spPr>
           <a:xfrm rot="5400000">
-            <a:off x="4256522" y="2430142"/>
+            <a:off x="4256521" y="2281266"/>
             <a:ext cx="437322" cy="3405753"/>
           </a:xfrm>
           <a:prstGeom prst="rightBrace">
@@ -10384,7 +13140,7 @@
         </p:nvSpPr>
         <p:spPr>
           <a:xfrm rot="5400000">
-            <a:off x="7692832" y="2460699"/>
+            <a:off x="7662275" y="2318595"/>
             <a:ext cx="437322" cy="3344640"/>
           </a:xfrm>
           <a:prstGeom prst="rightBrace">
@@ -10434,8 +13190,8 @@
         </p:nvSpPr>
         <p:spPr>
           <a:xfrm>
-            <a:off x="2518205" y="4561721"/>
-            <a:ext cx="3720968" cy="3662541"/>
+            <a:off x="2614698" y="4339779"/>
+            <a:ext cx="3720968" cy="1631216"/>
           </a:xfrm>
           <a:prstGeom prst="rect">
             <a:avLst/>
@@ -10609,62 +13365,6 @@
               </a:solidFill>
             </a:endParaRPr>
           </a:p>
-          <a:p>
-            <a:endParaRPr lang="es-ES" sz="2000" dirty="0">
-              <a:solidFill>
-                <a:schemeClr val="bg2">
-                  <a:lumMod val="50000"/>
-                </a:schemeClr>
-              </a:solidFill>
-            </a:endParaRPr>
-          </a:p>
-          <a:p>
-            <a:endParaRPr lang="es-ES" sz="2000" dirty="0">
-              <a:solidFill>
-                <a:schemeClr val="bg2">
-                  <a:lumMod val="50000"/>
-                </a:schemeClr>
-              </a:solidFill>
-            </a:endParaRPr>
-          </a:p>
-          <a:p>
-            <a:pPr marL="285750" indent="-285750">
-              <a:buFont typeface="Courier New" panose="02070309020205020404" pitchFamily="49" charset="0"/>
-              <a:buChar char="o"/>
-            </a:pPr>
-            <a:endParaRPr lang="es-ES" sz="2000" dirty="0">
-              <a:solidFill>
-                <a:schemeClr val="bg2">
-                  <a:lumMod val="50000"/>
-                </a:schemeClr>
-              </a:solidFill>
-            </a:endParaRPr>
-          </a:p>
-          <a:p>
-            <a:pPr lvl="1"/>
-            <a:endParaRPr lang="es-ES" dirty="0"/>
-          </a:p>
-          <a:p>
-            <a:pPr marL="285750" indent="-285750">
-              <a:buFont typeface="Courier New" panose="02070309020205020404" pitchFamily="49" charset="0"/>
-              <a:buChar char="o"/>
-            </a:pPr>
-            <a:endParaRPr lang="es-ES" dirty="0"/>
-          </a:p>
-          <a:p>
-            <a:pPr marL="285750" indent="-285750">
-              <a:buFont typeface="Courier New" panose="02070309020205020404" pitchFamily="49" charset="0"/>
-              <a:buChar char="o"/>
-            </a:pPr>
-            <a:endParaRPr lang="es-ES" dirty="0"/>
-          </a:p>
-          <a:p>
-            <a:pPr marL="285750" indent="-285750">
-              <a:buFont typeface="Courier New" panose="02070309020205020404" pitchFamily="49" charset="0"/>
-              <a:buChar char="o"/>
-            </a:pPr>
-            <a:endParaRPr lang="es-ES" dirty="0"/>
-          </a:p>
         </p:txBody>
       </p:sp>
       <p:sp>
@@ -10681,8 +13381,8 @@
         </p:nvSpPr>
         <p:spPr>
           <a:xfrm>
-            <a:off x="6239173" y="4568494"/>
-            <a:ext cx="4080396" cy="4278094"/>
+            <a:off x="6208616" y="4351715"/>
+            <a:ext cx="4080396" cy="1938992"/>
           </a:xfrm>
           <a:prstGeom prst="rect">
             <a:avLst/>
@@ -10884,73 +13584,6 @@
                 <a:schemeClr val="accent1"/>
               </a:solidFill>
             </a:endParaRPr>
-          </a:p>
-          <a:p>
-            <a:pPr marL="742950" lvl="1" indent="-285750">
-              <a:buFont typeface="Courier New" panose="02070309020205020404" pitchFamily="49" charset="0"/>
-              <a:buChar char="o"/>
-            </a:pPr>
-            <a:endParaRPr lang="es-ES" sz="2000" dirty="0">
-              <a:solidFill>
-                <a:schemeClr val="accent4"/>
-              </a:solidFill>
-            </a:endParaRPr>
-          </a:p>
-          <a:p>
-            <a:endParaRPr lang="es-ES" sz="2000" dirty="0">
-              <a:solidFill>
-                <a:schemeClr val="bg2">
-                  <a:lumMod val="50000"/>
-                </a:schemeClr>
-              </a:solidFill>
-            </a:endParaRPr>
-          </a:p>
-          <a:p>
-            <a:endParaRPr lang="es-ES" sz="2000" dirty="0">
-              <a:solidFill>
-                <a:schemeClr val="bg2">
-                  <a:lumMod val="50000"/>
-                </a:schemeClr>
-              </a:solidFill>
-            </a:endParaRPr>
-          </a:p>
-          <a:p>
-            <a:pPr marL="285750" indent="-285750">
-              <a:buFont typeface="Courier New" panose="02070309020205020404" pitchFamily="49" charset="0"/>
-              <a:buChar char="o"/>
-            </a:pPr>
-            <a:endParaRPr lang="es-ES" sz="2000" dirty="0">
-              <a:solidFill>
-                <a:schemeClr val="bg2">
-                  <a:lumMod val="50000"/>
-                </a:schemeClr>
-              </a:solidFill>
-            </a:endParaRPr>
-          </a:p>
-          <a:p>
-            <a:pPr lvl="1"/>
-            <a:endParaRPr lang="es-ES" dirty="0"/>
-          </a:p>
-          <a:p>
-            <a:pPr marL="285750" indent="-285750">
-              <a:buFont typeface="Courier New" panose="02070309020205020404" pitchFamily="49" charset="0"/>
-              <a:buChar char="o"/>
-            </a:pPr>
-            <a:endParaRPr lang="es-ES" dirty="0"/>
-          </a:p>
-          <a:p>
-            <a:pPr marL="285750" indent="-285750">
-              <a:buFont typeface="Courier New" panose="02070309020205020404" pitchFamily="49" charset="0"/>
-              <a:buChar char="o"/>
-            </a:pPr>
-            <a:endParaRPr lang="es-ES" dirty="0"/>
-          </a:p>
-          <a:p>
-            <a:pPr marL="285750" indent="-285750">
-              <a:buFont typeface="Courier New" panose="02070309020205020404" pitchFamily="49" charset="0"/>
-              <a:buChar char="o"/>
-            </a:pPr>
-            <a:endParaRPr lang="es-ES" dirty="0"/>
           </a:p>
         </p:txBody>
       </p:sp>
@@ -11002,7 +13635,7 @@
         </p:nvSpPr>
         <p:spPr/>
         <p:txBody>
-          <a:bodyPr/>
+          <a:bodyPr anchor="t"/>
           <a:lstStyle/>
           <a:p>
             <a:r>
@@ -11056,6 +13689,11 @@
             <a:endParaRPr lang="es-ES" b="1" dirty="0"/>
           </a:p>
           <a:p>
+            <a:pPr>
+              <a:spcAft>
+                <a:spcPts val="600"/>
+              </a:spcAft>
+            </a:pPr>
             <a:r>
               <a:rPr lang="es-ES" dirty="0" err="1"/>
               <a:t>Metaeredua</a:t>
@@ -11063,6 +13701,11 @@
             <a:endParaRPr lang="es-ES" dirty="0"/>
           </a:p>
           <a:p>
+            <a:pPr>
+              <a:spcAft>
+                <a:spcPts val="600"/>
+              </a:spcAft>
+            </a:pPr>
             <a:r>
               <a:rPr lang="es-ES" dirty="0" err="1"/>
               <a:t>Prozesua</a:t>
@@ -11070,12 +13713,22 @@
             <a:endParaRPr lang="es-ES" dirty="0"/>
           </a:p>
           <a:p>
+            <a:pPr>
+              <a:spcAft>
+                <a:spcPts val="600"/>
+              </a:spcAft>
+            </a:pPr>
             <a:r>
               <a:rPr lang="es-ES" dirty="0"/>
               <a:t>CMS	</a:t>
             </a:r>
           </a:p>
           <a:p>
+            <a:pPr>
+              <a:spcAft>
+                <a:spcPts val="600"/>
+              </a:spcAft>
+            </a:pPr>
             <a:r>
               <a:rPr lang="es-ES" dirty="0" err="1"/>
               <a:t>Datu</a:t>
@@ -11091,6 +13744,11 @@
             <a:endParaRPr lang="es-ES" dirty="0"/>
           </a:p>
           <a:p>
+            <a:pPr>
+              <a:spcAft>
+                <a:spcPts val="600"/>
+              </a:spcAft>
+            </a:pPr>
             <a:r>
               <a:rPr lang="es-ES" dirty="0" err="1"/>
               <a:t>Iterazioak</a:t>
@@ -11130,6 +13788,11 @@
             <a:endParaRPr lang="es-ES" b="1" dirty="0"/>
           </a:p>
           <a:p>
+            <a:pPr>
+              <a:spcAft>
+                <a:spcPts val="600"/>
+              </a:spcAft>
+            </a:pPr>
             <a:r>
               <a:rPr lang="es-ES" dirty="0" err="1"/>
               <a:t>Kostua</a:t>
@@ -11137,6 +13800,11 @@
             <a:endParaRPr lang="es-ES" dirty="0"/>
           </a:p>
           <a:p>
+            <a:pPr>
+              <a:spcAft>
+                <a:spcPts val="600"/>
+              </a:spcAft>
+            </a:pPr>
             <a:r>
               <a:rPr lang="es-ES" dirty="0" err="1"/>
               <a:t>Denbora</a:t>
@@ -11144,6 +13812,11 @@
             <a:endParaRPr lang="es-ES" dirty="0"/>
           </a:p>
           <a:p>
+            <a:pPr>
+              <a:spcAft>
+                <a:spcPts val="600"/>
+              </a:spcAft>
+            </a:pPr>
             <a:r>
               <a:rPr lang="es-ES" dirty="0" err="1"/>
               <a:t>Kalitatea</a:t>
@@ -11151,6 +13824,11 @@
             <a:endParaRPr lang="es-ES" dirty="0"/>
           </a:p>
           <a:p>
+            <a:pPr>
+              <a:spcAft>
+                <a:spcPts val="600"/>
+              </a:spcAft>
+            </a:pPr>
             <a:r>
               <a:rPr lang="es-ES" dirty="0" err="1"/>
               <a:t>OpenUP</a:t>
@@ -11158,12 +13836,22 @@
             <a:endParaRPr lang="es-ES" dirty="0"/>
           </a:p>
           <a:p>
+            <a:pPr>
+              <a:spcAft>
+                <a:spcPts val="600"/>
+              </a:spcAft>
+            </a:pPr>
             <a:r>
               <a:rPr lang="es-ES" dirty="0"/>
               <a:t>CCII-2016N-02</a:t>
             </a:r>
           </a:p>
           <a:p>
+            <a:pPr>
+              <a:spcAft>
+                <a:spcPts val="600"/>
+              </a:spcAft>
+            </a:pPr>
             <a:r>
               <a:rPr lang="es-ES" dirty="0" err="1"/>
               <a:t>Dokumentazioa</a:t>
@@ -11172,6 +13860,51 @@
           </a:p>
         </p:txBody>
       </p:sp>
+      <p:pic>
+        <p:nvPicPr>
+          <p:cNvPr id="2050" name="Picture 2" descr="Área de resultados aceptables. Coste, tiempo y calidad">
+            <a:extLst>
+              <a:ext uri="{FF2B5EF4-FFF2-40B4-BE49-F238E27FC236}">
+                <a16:creationId xmlns:a16="http://schemas.microsoft.com/office/drawing/2014/main" id="{7FA72179-8191-4114-A5CF-8C2D58F400CA}"/>
+              </a:ext>
+            </a:extLst>
+          </p:cNvPr>
+          <p:cNvPicPr>
+            <a:picLocks noChangeAspect="1" noChangeArrowheads="1"/>
+          </p:cNvPicPr>
+          <p:nvPr/>
+        </p:nvPicPr>
+        <p:blipFill rotWithShape="1">
+          <a:blip r:embed="rId2">
+            <a:extLst>
+              <a:ext uri="{28A0092B-C50C-407E-A947-70E740481C1C}">
+                <a14:useLocalDpi xmlns:a14="http://schemas.microsoft.com/office/drawing/2010/main" val="0"/>
+              </a:ext>
+            </a:extLst>
+          </a:blip>
+          <a:srcRect l="9671" r="7560"/>
+          <a:stretch/>
+        </p:blipFill>
+        <p:spPr bwMode="auto">
+          <a:xfrm>
+            <a:off x="8743544" y="1997374"/>
+            <a:ext cx="3270243" cy="2963292"/>
+          </a:xfrm>
+          <a:prstGeom prst="rect">
+            <a:avLst/>
+          </a:prstGeom>
+          <a:noFill/>
+          <a:extLst>
+            <a:ext uri="{909E8E84-426E-40DD-AFC4-6F175D3DCCD1}">
+              <a14:hiddenFill xmlns:a14="http://schemas.microsoft.com/office/drawing/2010/main">
+                <a:solidFill>
+                  <a:srgbClr val="FFFFFF"/>
+                </a:solidFill>
+              </a14:hiddenFill>
+            </a:ext>
+          </a:extLst>
+        </p:spPr>
+      </p:pic>
     </p:spTree>
     <p:extLst>
       <p:ext uri="{BB962C8B-B14F-4D97-AF65-F5344CB8AC3E}">
@@ -11220,7 +13953,7 @@
         </p:nvSpPr>
         <p:spPr/>
         <p:txBody>
-          <a:bodyPr/>
+          <a:bodyPr anchor="t"/>
           <a:lstStyle/>
           <a:p>
             <a:r>
@@ -11246,6 +13979,13 @@
             <a:r>
               <a:rPr lang="es-ES" dirty="0" err="1"/>
               <a:t>Bideragarritasuna</a:t>
+            </a:r>
+            <a:br>
+              <a:rPr lang="es-ES" dirty="0"/>
+            </a:br>
+            <a:r>
+              <a:rPr lang="es-ES" sz="3200" dirty="0" err="1"/>
+              <a:t>Arkitektura</a:t>
             </a:r>
             <a:endParaRPr lang="es-ES" dirty="0"/>
           </a:p>
@@ -12121,7 +14861,7 @@
         </p:nvSpPr>
         <p:spPr/>
         <p:txBody>
-          <a:bodyPr/>
+          <a:bodyPr anchor="t"/>
           <a:lstStyle/>
           <a:p>
             <a:r>
@@ -12147,6 +14887,13 @@
             <a:r>
               <a:rPr lang="es-ES" dirty="0" err="1"/>
               <a:t>Bideragarritasuna</a:t>
+            </a:r>
+            <a:br>
+              <a:rPr lang="es-ES" dirty="0"/>
+            </a:br>
+            <a:r>
+              <a:rPr lang="es-ES" sz="3200" dirty="0" err="1"/>
+              <a:t>CMSak</a:t>
             </a:r>
             <a:endParaRPr lang="es-ES" dirty="0"/>
           </a:p>
@@ -13311,7 +16058,7 @@
         </p:nvSpPr>
         <p:spPr/>
         <p:txBody>
-          <a:bodyPr/>
+          <a:bodyPr anchor="t"/>
           <a:lstStyle/>
           <a:p>
             <a:r>
@@ -13337,6 +16084,13 @@
             <a:r>
               <a:rPr lang="es-ES" dirty="0" err="1"/>
               <a:t>Bideragarritasuna</a:t>
+            </a:r>
+            <a:br>
+              <a:rPr lang="es-ES" dirty="0"/>
+            </a:br>
+            <a:r>
+              <a:rPr lang="es-ES" sz="3200" dirty="0" err="1"/>
+              <a:t>Metodologiak</a:t>
             </a:r>
             <a:endParaRPr lang="es-ES" dirty="0"/>
           </a:p>
@@ -13749,7 +16503,7 @@
         </p:nvSpPr>
         <p:spPr/>
         <p:txBody>
-          <a:bodyPr/>
+          <a:bodyPr anchor="t"/>
           <a:lstStyle/>
           <a:p>
             <a:r>
@@ -14169,6 +16923,14 @@
               <a:rPr lang="es-ES" dirty="0"/>
               <a:t> Sistema</a:t>
             </a:r>
+            <a:br>
+              <a:rPr lang="es-ES" dirty="0"/>
+            </a:br>
+            <a:r>
+              <a:rPr lang="es-ES" sz="3200" dirty="0" err="1"/>
+              <a:t>Azpisistemak</a:t>
+            </a:r>
+            <a:endParaRPr lang="es-ES" dirty="0"/>
           </a:p>
         </p:txBody>
       </p:sp>
@@ -14278,6 +17040,22 @@
               <a:rPr lang="es-ES" dirty="0"/>
               <a:t> Sistema</a:t>
             </a:r>
+            <a:br>
+              <a:rPr lang="es-ES" dirty="0"/>
+            </a:br>
+            <a:r>
+              <a:rPr lang="es-ES" sz="3200" dirty="0" err="1"/>
+              <a:t>ModelEditor</a:t>
+            </a:r>
+            <a:r>
+              <a:rPr lang="es-ES" sz="3200" dirty="0"/>
+              <a:t> </a:t>
+            </a:r>
+            <a:r>
+              <a:rPr lang="es-ES" sz="3200" dirty="0" err="1"/>
+              <a:t>Azpisistema</a:t>
+            </a:r>
+            <a:endParaRPr lang="es-ES" dirty="0"/>
           </a:p>
         </p:txBody>
       </p:sp>
@@ -14295,7 +17073,7 @@
           </p:cNvPicPr>
           <p:nvPr/>
         </p:nvPicPr>
-        <p:blipFill>
+        <p:blipFill rotWithShape="1">
           <a:blip r:embed="rId2">
             <a:extLst>
               <a:ext uri="{28A0092B-C50C-407E-A947-70E740481C1C}">
@@ -14303,15 +17081,13 @@
               </a:ext>
             </a:extLst>
           </a:blip>
-          <a:srcRect/>
-          <a:stretch>
-            <a:fillRect/>
-          </a:stretch>
+          <a:srcRect t="28958"/>
+          <a:stretch/>
         </p:blipFill>
         <p:spPr bwMode="auto">
           <a:xfrm>
-            <a:off x="1772480" y="1155757"/>
-            <a:ext cx="8166652" cy="1557778"/>
+            <a:off x="1772480" y="1606857"/>
+            <a:ext cx="8166652" cy="1106677"/>
           </a:xfrm>
           <a:prstGeom prst="rect">
             <a:avLst/>
@@ -14546,7 +17322,7 @@
         </p:nvSpPr>
         <p:spPr/>
         <p:txBody>
-          <a:bodyPr/>
+          <a:bodyPr anchor="t"/>
           <a:lstStyle/>
           <a:p>
             <a:r>
@@ -14561,6 +17337,26 @@
               <a:rPr lang="es-ES" dirty="0"/>
               <a:t> Sistema</a:t>
             </a:r>
+            <a:br>
+              <a:rPr lang="es-ES" dirty="0"/>
+            </a:br>
+            <a:r>
+              <a:rPr lang="es-ES" sz="3200" dirty="0"/>
+              <a:t>IO-</a:t>
+            </a:r>
+            <a:r>
+              <a:rPr lang="es-ES" sz="3200" dirty="0" err="1"/>
+              <a:t>System</a:t>
+            </a:r>
+            <a:r>
+              <a:rPr lang="es-ES" sz="3200" dirty="0"/>
+              <a:t> </a:t>
+            </a:r>
+            <a:r>
+              <a:rPr lang="es-ES" sz="3200" dirty="0" err="1"/>
+              <a:t>Azpisistema</a:t>
+            </a:r>
+            <a:endParaRPr lang="es-ES" dirty="0"/>
           </a:p>
         </p:txBody>
       </p:sp>
@@ -14763,7 +17559,7 @@
           <p:cNvPr id="2" name="Título 1">
             <a:extLst>
               <a:ext uri="{FF2B5EF4-FFF2-40B4-BE49-F238E27FC236}">
-                <a16:creationId xmlns:a16="http://schemas.microsoft.com/office/drawing/2014/main" id="{8C4E3180-3E6A-45E6-B140-572A52D8E9EB}"/>
+                <a16:creationId xmlns:a16="http://schemas.microsoft.com/office/drawing/2014/main" id="{1C52D21A-2CE3-47F5-9141-21CCF527D9BF}"/>
               </a:ext>
             </a:extLst>
           </p:cNvPr>
@@ -14776,16 +17572,35 @@
         </p:nvSpPr>
         <p:spPr/>
         <p:txBody>
-          <a:bodyPr/>
+          <a:bodyPr anchor="t"/>
           <a:lstStyle/>
           <a:p>
             <a:r>
               <a:rPr lang="es-ES" dirty="0"/>
-              <a:t>11. </a:t>
+              <a:t>10. </a:t>
             </a:r>
             <a:r>
               <a:rPr lang="es-ES" dirty="0" err="1"/>
-              <a:t>Bideoa</a:t>
+              <a:t>Proposatutako</a:t>
+            </a:r>
+            <a:r>
+              <a:rPr lang="es-ES" dirty="0"/>
+              <a:t> Sistema</a:t>
+            </a:r>
+            <a:br>
+              <a:rPr lang="es-ES" dirty="0"/>
+            </a:br>
+            <a:r>
+              <a:rPr lang="es-ES" sz="3200" dirty="0" err="1"/>
+              <a:t>Etorkizunerako</a:t>
+            </a:r>
+            <a:r>
+              <a:rPr lang="es-ES" sz="3200" dirty="0"/>
+              <a:t> </a:t>
+            </a:r>
+            <a:r>
+              <a:rPr lang="es-ES" sz="3200" dirty="0" err="1"/>
+              <a:t>Hobekuntzak</a:t>
             </a:r>
             <a:endParaRPr lang="es-ES" dirty="0"/>
           </a:p>
@@ -14796,7 +17611,7 @@
           <p:cNvPr id="3" name="Marcador de contenido 2">
             <a:extLst>
               <a:ext uri="{FF2B5EF4-FFF2-40B4-BE49-F238E27FC236}">
-                <a16:creationId xmlns:a16="http://schemas.microsoft.com/office/drawing/2014/main" id="{2B6B8CE7-F070-4B6D-B79C-90ADE7107E9B}"/>
+                <a16:creationId xmlns:a16="http://schemas.microsoft.com/office/drawing/2014/main" id="{BBD5FC29-2E04-4DEE-8D2C-C703143E8F4B}"/>
               </a:ext>
             </a:extLst>
           </p:cNvPr>
@@ -14804,7 +17619,130 @@
             <a:spLocks noGrp="1"/>
           </p:cNvSpPr>
           <p:nvPr>
-            <p:ph idx="1"/>
+            <p:ph sz="half" idx="1"/>
+          </p:nvPr>
+        </p:nvSpPr>
+        <p:spPr/>
+        <p:txBody>
+          <a:bodyPr>
+            <a:normAutofit/>
+          </a:bodyPr>
+          <a:lstStyle/>
+          <a:p>
+            <a:pPr>
+              <a:spcAft>
+                <a:spcPts val="600"/>
+              </a:spcAft>
+            </a:pPr>
+            <a:r>
+              <a:rPr lang="es-ES" dirty="0" err="1"/>
+              <a:t>Editoreen</a:t>
+            </a:r>
+            <a:r>
+              <a:rPr lang="es-ES" dirty="0"/>
+              <a:t> </a:t>
+            </a:r>
+            <a:r>
+              <a:rPr lang="es-ES" dirty="0" err="1"/>
+              <a:t>sinkronizazioa</a:t>
+            </a:r>
+            <a:endParaRPr lang="es-ES" dirty="0"/>
+          </a:p>
+          <a:p>
+            <a:pPr>
+              <a:spcAft>
+                <a:spcPts val="600"/>
+              </a:spcAft>
+            </a:pPr>
+            <a:r>
+              <a:rPr lang="es-ES" dirty="0" err="1"/>
+              <a:t>Testua</a:t>
+            </a:r>
+            <a:r>
+              <a:rPr lang="es-ES" dirty="0"/>
+              <a:t> </a:t>
+            </a:r>
+            <a:r>
+              <a:rPr lang="es-ES" dirty="0" err="1"/>
+              <a:t>formateatu</a:t>
+            </a:r>
+            <a:endParaRPr lang="es-ES" dirty="0"/>
+          </a:p>
+          <a:p>
+            <a:pPr>
+              <a:spcAft>
+                <a:spcPts val="600"/>
+              </a:spcAft>
+            </a:pPr>
+            <a:r>
+              <a:rPr lang="es-ES" dirty="0"/>
+              <a:t>BPMN</a:t>
+            </a:r>
+          </a:p>
+          <a:p>
+            <a:pPr>
+              <a:spcAft>
+                <a:spcPts val="600"/>
+              </a:spcAft>
+            </a:pPr>
+            <a:r>
+              <a:rPr lang="es-ES" dirty="0" err="1"/>
+              <a:t>Metodologia</a:t>
+            </a:r>
+            <a:r>
+              <a:rPr lang="es-ES" dirty="0"/>
+              <a:t> </a:t>
+            </a:r>
+            <a:r>
+              <a:rPr lang="es-ES" dirty="0" err="1"/>
+              <a:t>gehiago</a:t>
+            </a:r>
+            <a:endParaRPr lang="es-ES" dirty="0"/>
+          </a:p>
+          <a:p>
+            <a:pPr>
+              <a:spcAft>
+                <a:spcPts val="600"/>
+              </a:spcAft>
+            </a:pPr>
+            <a:r>
+              <a:rPr lang="es-ES" dirty="0" err="1"/>
+              <a:t>Proiektuak</a:t>
+            </a:r>
+            <a:r>
+              <a:rPr lang="es-ES" dirty="0"/>
+              <a:t> </a:t>
+            </a:r>
+            <a:r>
+              <a:rPr lang="es-ES" dirty="0" err="1"/>
+              <a:t>aurkezteko</a:t>
+            </a:r>
+            <a:r>
+              <a:rPr lang="es-ES" dirty="0"/>
+              <a:t> </a:t>
+            </a:r>
+            <a:r>
+              <a:rPr lang="es-ES" dirty="0" err="1"/>
+              <a:t>arauak</a:t>
+            </a:r>
+            <a:endParaRPr lang="es-ES" dirty="0"/>
+          </a:p>
+        </p:txBody>
+      </p:sp>
+      <p:sp>
+        <p:nvSpPr>
+          <p:cNvPr id="4" name="Marcador de contenido 3">
+            <a:extLst>
+              <a:ext uri="{FF2B5EF4-FFF2-40B4-BE49-F238E27FC236}">
+                <a16:creationId xmlns:a16="http://schemas.microsoft.com/office/drawing/2014/main" id="{F4EA5CB1-E4ED-467C-B6AB-59B8DEE426A0}"/>
+              </a:ext>
+            </a:extLst>
+          </p:cNvPr>
+          <p:cNvSpPr>
+            <a:spLocks noGrp="1"/>
+          </p:cNvSpPr>
+          <p:nvPr>
+            <p:ph sz="half" idx="2"/>
           </p:nvPr>
         </p:nvSpPr>
         <p:spPr/>
@@ -14812,14 +17750,475 @@
           <a:bodyPr/>
           <a:lstStyle/>
           <a:p>
-            <a:endParaRPr lang="es-ES"/>
+            <a:pPr>
+              <a:spcAft>
+                <a:spcPts val="600"/>
+              </a:spcAft>
+            </a:pPr>
+            <a:r>
+              <a:rPr lang="es-ES" dirty="0" err="1"/>
+              <a:t>Rolak</a:t>
+            </a:r>
+            <a:r>
+              <a:rPr lang="es-ES" dirty="0"/>
+              <a:t> eta </a:t>
+            </a:r>
+            <a:r>
+              <a:rPr lang="es-ES" dirty="0" err="1"/>
+              <a:t>baimenak</a:t>
+            </a:r>
+            <a:endParaRPr lang="es-ES" dirty="0"/>
+          </a:p>
+          <a:p>
+            <a:pPr>
+              <a:spcAft>
+                <a:spcPts val="600"/>
+              </a:spcAft>
+            </a:pPr>
+            <a:r>
+              <a:rPr lang="es-ES" dirty="0" err="1"/>
+              <a:t>Beharrezko</a:t>
+            </a:r>
+            <a:r>
+              <a:rPr lang="es-ES" dirty="0"/>
+              <a:t> </a:t>
+            </a:r>
+            <a:r>
+              <a:rPr lang="es-ES" dirty="0" err="1"/>
+              <a:t>edukia</a:t>
+            </a:r>
+            <a:r>
+              <a:rPr lang="es-ES" dirty="0"/>
+              <a:t> </a:t>
+            </a:r>
+            <a:r>
+              <a:rPr lang="es-ES" dirty="0" err="1"/>
+              <a:t>bakarrik</a:t>
+            </a:r>
+            <a:endParaRPr lang="es-ES" dirty="0"/>
+          </a:p>
+          <a:p>
+            <a:pPr>
+              <a:spcAft>
+                <a:spcPts val="600"/>
+              </a:spcAft>
+            </a:pPr>
+            <a:r>
+              <a:rPr lang="es-ES" dirty="0" err="1"/>
+              <a:t>Artefaktu</a:t>
+            </a:r>
+            <a:r>
+              <a:rPr lang="es-ES" dirty="0"/>
+              <a:t> </a:t>
+            </a:r>
+            <a:r>
+              <a:rPr lang="es-ES" dirty="0" err="1"/>
+              <a:t>bakoitzerako</a:t>
+            </a:r>
+            <a:r>
+              <a:rPr lang="es-ES" dirty="0"/>
+              <a:t> </a:t>
+            </a:r>
+            <a:r>
+              <a:rPr lang="es-ES" dirty="0" err="1"/>
+              <a:t>eduki</a:t>
+            </a:r>
+            <a:r>
+              <a:rPr lang="es-ES" dirty="0"/>
+              <a:t> mota</a:t>
+            </a:r>
+          </a:p>
+          <a:p>
+            <a:pPr>
+              <a:spcAft>
+                <a:spcPts val="600"/>
+              </a:spcAft>
+            </a:pPr>
+            <a:r>
+              <a:rPr lang="es-ES" dirty="0" err="1"/>
+              <a:t>Proiektuen</a:t>
+            </a:r>
+            <a:r>
+              <a:rPr lang="es-ES" dirty="0"/>
+              <a:t> </a:t>
+            </a:r>
+            <a:r>
+              <a:rPr lang="es-ES" dirty="0" err="1"/>
+              <a:t>diagnostikoak</a:t>
+            </a:r>
+            <a:endParaRPr lang="es-ES" dirty="0"/>
+          </a:p>
+          <a:p>
+            <a:pPr>
+              <a:spcAft>
+                <a:spcPts val="600"/>
+              </a:spcAft>
+            </a:pPr>
+            <a:r>
+              <a:rPr lang="es-ES" dirty="0"/>
+              <a:t>CMMI</a:t>
+            </a:r>
+          </a:p>
+          <a:p>
+            <a:endParaRPr lang="es-ES" dirty="0"/>
           </a:p>
         </p:txBody>
       </p:sp>
+      <p:pic>
+        <p:nvPicPr>
+          <p:cNvPr id="4098" name="Picture 2" descr="User Role Icons - Download Free Vector Icons | Noun Project">
+            <a:extLst>
+              <a:ext uri="{FF2B5EF4-FFF2-40B4-BE49-F238E27FC236}">
+                <a16:creationId xmlns:a16="http://schemas.microsoft.com/office/drawing/2014/main" id="{43FBA6FF-D651-48B1-ABE2-94736C75D64C}"/>
+              </a:ext>
+            </a:extLst>
+          </p:cNvPr>
+          <p:cNvPicPr>
+            <a:picLocks noChangeAspect="1" noChangeArrowheads="1"/>
+          </p:cNvPicPr>
+          <p:nvPr/>
+        </p:nvPicPr>
+        <p:blipFill>
+          <a:blip r:embed="rId2">
+            <a:extLst>
+              <a:ext uri="{28A0092B-C50C-407E-A947-70E740481C1C}">
+                <a14:useLocalDpi xmlns:a14="http://schemas.microsoft.com/office/drawing/2010/main" val="0"/>
+              </a:ext>
+            </a:extLst>
+          </a:blip>
+          <a:srcRect/>
+          <a:stretch>
+            <a:fillRect/>
+          </a:stretch>
+        </p:blipFill>
+        <p:spPr bwMode="auto">
+          <a:xfrm>
+            <a:off x="6495443" y="5015690"/>
+            <a:ext cx="1296210" cy="1296210"/>
+          </a:xfrm>
+          <a:prstGeom prst="rect">
+            <a:avLst/>
+          </a:prstGeom>
+          <a:noFill/>
+          <a:extLst>
+            <a:ext uri="{909E8E84-426E-40DD-AFC4-6F175D3DCCD1}">
+              <a14:hiddenFill xmlns:a14="http://schemas.microsoft.com/office/drawing/2010/main">
+                <a:solidFill>
+                  <a:srgbClr val="FFFFFF"/>
+                </a:solidFill>
+              </a14:hiddenFill>
+            </a:ext>
+          </a:extLst>
+        </p:spPr>
+      </p:pic>
+      <p:graphicFrame>
+        <p:nvGraphicFramePr>
+          <p:cNvPr id="6" name="Objeto 5">
+            <a:extLst>
+              <a:ext uri="{FF2B5EF4-FFF2-40B4-BE49-F238E27FC236}">
+                <a16:creationId xmlns:a16="http://schemas.microsoft.com/office/drawing/2014/main" id="{18CCB225-50C3-4FFA-91C3-45B839DD2232}"/>
+              </a:ext>
+            </a:extLst>
+          </p:cNvPr>
+          <p:cNvGraphicFramePr>
+            <a:graphicFrameLocks noChangeAspect="1"/>
+          </p:cNvGraphicFramePr>
+          <p:nvPr>
+            <p:extLst>
+              <p:ext uri="{D42A27DB-BD31-4B8C-83A1-F6EECF244321}">
+                <p14:modId xmlns:p14="http://schemas.microsoft.com/office/powerpoint/2010/main" val="973189898"/>
+              </p:ext>
+            </p:extLst>
+          </p:nvPr>
+        </p:nvGraphicFramePr>
+        <p:xfrm>
+          <a:off x="9652609" y="5171999"/>
+          <a:ext cx="1459688" cy="848656"/>
+        </p:xfrm>
+        <a:graphic>
+          <a:graphicData uri="http://schemas.openxmlformats.org/presentationml/2006/ole">
+            <mc:AlternateContent xmlns:mc="http://schemas.openxmlformats.org/markup-compatibility/2006">
+              <mc:Choice xmlns:v="urn:schemas-microsoft-com:vml" Requires="v">
+                <p:oleObj name="Imagen de mapa de bits" r:id="rId3" imgW="3276720" imgH="1905120" progId="Paint.Picture">
+                  <p:embed/>
+                </p:oleObj>
+              </mc:Choice>
+              <mc:Fallback>
+                <p:oleObj name="Imagen de mapa de bits" r:id="rId3" imgW="3276720" imgH="1905120" progId="Paint.Picture">
+                  <p:embed/>
+                  <p:pic>
+                    <p:nvPicPr>
+                      <p:cNvPr id="7" name="Objeto 6">
+                        <a:extLst>
+                          <a:ext uri="{FF2B5EF4-FFF2-40B4-BE49-F238E27FC236}">
+                            <a16:creationId xmlns:a16="http://schemas.microsoft.com/office/drawing/2014/main" id="{B7D75722-A80F-4551-AC39-8108676391C4}"/>
+                          </a:ext>
+                        </a:extLst>
+                      </p:cNvPr>
+                      <p:cNvPicPr/>
+                      <p:nvPr/>
+                    </p:nvPicPr>
+                    <p:blipFill>
+                      <a:blip r:embed="rId4"/>
+                      <a:stretch>
+                        <a:fillRect/>
+                      </a:stretch>
+                    </p:blipFill>
+                    <p:spPr>
+                      <a:xfrm>
+                        <a:off x="9652609" y="5171999"/>
+                        <a:ext cx="1459688" cy="848656"/>
+                      </a:xfrm>
+                      <a:prstGeom prst="rect">
+                        <a:avLst/>
+                      </a:prstGeom>
+                    </p:spPr>
+                  </p:pic>
+                </p:oleObj>
+              </mc:Fallback>
+            </mc:AlternateContent>
+          </a:graphicData>
+        </a:graphic>
+      </p:graphicFrame>
+      <p:pic>
+        <p:nvPicPr>
+          <p:cNvPr id="4102" name="Picture 6" descr="Diagnostics Icons - Download Free Vector Icons | Noun Project">
+            <a:extLst>
+              <a:ext uri="{FF2B5EF4-FFF2-40B4-BE49-F238E27FC236}">
+                <a16:creationId xmlns:a16="http://schemas.microsoft.com/office/drawing/2014/main" id="{D861F271-D5C9-4B7B-A4C0-AA8C992C91CD}"/>
+              </a:ext>
+            </a:extLst>
+          </p:cNvPr>
+          <p:cNvPicPr>
+            <a:picLocks noChangeAspect="1" noChangeArrowheads="1"/>
+          </p:cNvPicPr>
+          <p:nvPr/>
+        </p:nvPicPr>
+        <p:blipFill>
+          <a:blip r:embed="rId5">
+            <a:extLst>
+              <a:ext uri="{28A0092B-C50C-407E-A947-70E740481C1C}">
+                <a14:useLocalDpi xmlns:a14="http://schemas.microsoft.com/office/drawing/2010/main" val="0"/>
+              </a:ext>
+            </a:extLst>
+          </a:blip>
+          <a:srcRect/>
+          <a:stretch>
+            <a:fillRect/>
+          </a:stretch>
+        </p:blipFill>
+        <p:spPr bwMode="auto">
+          <a:xfrm>
+            <a:off x="8114896" y="4948222"/>
+            <a:ext cx="1296210" cy="1296210"/>
+          </a:xfrm>
+          <a:prstGeom prst="rect">
+            <a:avLst/>
+          </a:prstGeom>
+          <a:noFill/>
+          <a:extLst>
+            <a:ext uri="{909E8E84-426E-40DD-AFC4-6F175D3DCCD1}">
+              <a14:hiddenFill xmlns:a14="http://schemas.microsoft.com/office/drawing/2010/main">
+                <a:solidFill>
+                  <a:srgbClr val="FFFFFF"/>
+                </a:solidFill>
+              </a14:hiddenFill>
+            </a:ext>
+          </a:extLst>
+        </p:spPr>
+      </p:pic>
+      <p:pic>
+        <p:nvPicPr>
+          <p:cNvPr id="4104" name="Picture 8" descr="TeaTeam | MPN">
+            <a:extLst>
+              <a:ext uri="{FF2B5EF4-FFF2-40B4-BE49-F238E27FC236}">
+                <a16:creationId xmlns:a16="http://schemas.microsoft.com/office/drawing/2014/main" id="{DF035C13-BF6E-434D-B42C-E374327CF718}"/>
+              </a:ext>
+            </a:extLst>
+          </p:cNvPr>
+          <p:cNvPicPr>
+            <a:picLocks noChangeAspect="1" noChangeArrowheads="1"/>
+          </p:cNvPicPr>
+          <p:nvPr/>
+        </p:nvPicPr>
+        <p:blipFill>
+          <a:blip r:embed="rId6">
+            <a:extLst>
+              <a:ext uri="{28A0092B-C50C-407E-A947-70E740481C1C}">
+                <a14:useLocalDpi xmlns:a14="http://schemas.microsoft.com/office/drawing/2010/main" val="0"/>
+              </a:ext>
+            </a:extLst>
+          </a:blip>
+          <a:srcRect/>
+          <a:stretch>
+            <a:fillRect/>
+          </a:stretch>
+        </p:blipFill>
+        <p:spPr bwMode="auto">
+          <a:xfrm>
+            <a:off x="463465" y="4999048"/>
+            <a:ext cx="1493196" cy="1194557"/>
+          </a:xfrm>
+          <a:prstGeom prst="rect">
+            <a:avLst/>
+          </a:prstGeom>
+          <a:noFill/>
+          <a:extLst>
+            <a:ext uri="{909E8E84-426E-40DD-AFC4-6F175D3DCCD1}">
+              <a14:hiddenFill xmlns:a14="http://schemas.microsoft.com/office/drawing/2010/main">
+                <a:solidFill>
+                  <a:srgbClr val="FFFFFF"/>
+                </a:solidFill>
+              </a14:hiddenFill>
+            </a:ext>
+          </a:extLst>
+        </p:spPr>
+      </p:pic>
+      <p:pic>
+        <p:nvPicPr>
+          <p:cNvPr id="10" name="Picture 4" descr="Edit Free Icon of Mini Icon Set General">
+            <a:extLst>
+              <a:ext uri="{FF2B5EF4-FFF2-40B4-BE49-F238E27FC236}">
+                <a16:creationId xmlns:a16="http://schemas.microsoft.com/office/drawing/2014/main" id="{5119C2B1-E8D2-4984-9646-BD403CBB5B0A}"/>
+              </a:ext>
+            </a:extLst>
+          </p:cNvPr>
+          <p:cNvPicPr>
+            <a:picLocks noChangeAspect="1" noChangeArrowheads="1"/>
+          </p:cNvPicPr>
+          <p:nvPr/>
+        </p:nvPicPr>
+        <p:blipFill>
+          <a:blip r:embed="rId7">
+            <a:extLst>
+              <a:ext uri="{28A0092B-C50C-407E-A947-70E740481C1C}">
+                <a14:useLocalDpi xmlns:a14="http://schemas.microsoft.com/office/drawing/2010/main" val="0"/>
+              </a:ext>
+            </a:extLst>
+          </a:blip>
+          <a:srcRect/>
+          <a:stretch>
+            <a:fillRect/>
+          </a:stretch>
+        </p:blipFill>
+        <p:spPr bwMode="auto">
+          <a:xfrm>
+            <a:off x="1951117" y="4999048"/>
+            <a:ext cx="1210831" cy="1210831"/>
+          </a:xfrm>
+          <a:prstGeom prst="rect">
+            <a:avLst/>
+          </a:prstGeom>
+          <a:noFill/>
+          <a:extLst>
+            <a:ext uri="{909E8E84-426E-40DD-AFC4-6F175D3DCCD1}">
+              <a14:hiddenFill xmlns:a14="http://schemas.microsoft.com/office/drawing/2010/main">
+                <a:solidFill>
+                  <a:srgbClr val="FFFFFF"/>
+                </a:solidFill>
+              </a14:hiddenFill>
+            </a:ext>
+          </a:extLst>
+        </p:spPr>
+      </p:pic>
+      <p:pic>
+        <p:nvPicPr>
+          <p:cNvPr id="4106" name="Picture 10" descr="Agile Methodology Icon - Download in Line Style">
+            <a:extLst>
+              <a:ext uri="{FF2B5EF4-FFF2-40B4-BE49-F238E27FC236}">
+                <a16:creationId xmlns:a16="http://schemas.microsoft.com/office/drawing/2014/main" id="{FAFDEE18-D719-41BE-B0F7-AEF28EDB0C53}"/>
+              </a:ext>
+            </a:extLst>
+          </p:cNvPr>
+          <p:cNvPicPr>
+            <a:picLocks noChangeAspect="1" noChangeArrowheads="1"/>
+          </p:cNvPicPr>
+          <p:nvPr/>
+        </p:nvPicPr>
+        <p:blipFill>
+          <a:blip r:embed="rId8">
+            <a:extLst>
+              <a:ext uri="{28A0092B-C50C-407E-A947-70E740481C1C}">
+                <a14:useLocalDpi xmlns:a14="http://schemas.microsoft.com/office/drawing/2010/main" val="0"/>
+              </a:ext>
+            </a:extLst>
+          </a:blip>
+          <a:srcRect/>
+          <a:stretch>
+            <a:fillRect/>
+          </a:stretch>
+        </p:blipFill>
+        <p:spPr bwMode="auto">
+          <a:xfrm>
+            <a:off x="3194417" y="4892823"/>
+            <a:ext cx="1423279" cy="1423279"/>
+          </a:xfrm>
+          <a:prstGeom prst="rect">
+            <a:avLst/>
+          </a:prstGeom>
+          <a:noFill/>
+          <a:extLst>
+            <a:ext uri="{909E8E84-426E-40DD-AFC4-6F175D3DCCD1}">
+              <a14:hiddenFill xmlns:a14="http://schemas.microsoft.com/office/drawing/2010/main">
+                <a:solidFill>
+                  <a:srgbClr val="FFFFFF"/>
+                </a:solidFill>
+              </a14:hiddenFill>
+            </a:ext>
+          </a:extLst>
+        </p:spPr>
+      </p:pic>
+      <p:pic>
+        <p:nvPicPr>
+          <p:cNvPr id="4110" name="Picture 14" descr="Rules Icons - Download Free Vector Icons | Noun Project">
+            <a:extLst>
+              <a:ext uri="{FF2B5EF4-FFF2-40B4-BE49-F238E27FC236}">
+                <a16:creationId xmlns:a16="http://schemas.microsoft.com/office/drawing/2014/main" id="{25258258-FC7C-4738-B02E-084A47FACAEF}"/>
+              </a:ext>
+            </a:extLst>
+          </p:cNvPr>
+          <p:cNvPicPr>
+            <a:picLocks noChangeAspect="1" noChangeArrowheads="1"/>
+          </p:cNvPicPr>
+          <p:nvPr/>
+        </p:nvPicPr>
+        <p:blipFill>
+          <a:blip r:embed="rId9">
+            <a:extLst>
+              <a:ext uri="{28A0092B-C50C-407E-A947-70E740481C1C}">
+                <a14:useLocalDpi xmlns:a14="http://schemas.microsoft.com/office/drawing/2010/main" val="0"/>
+              </a:ext>
+            </a:extLst>
+          </a:blip>
+          <a:srcRect/>
+          <a:stretch>
+            <a:fillRect/>
+          </a:stretch>
+        </p:blipFill>
+        <p:spPr bwMode="auto">
+          <a:xfrm>
+            <a:off x="4727115" y="4935512"/>
+            <a:ext cx="1308920" cy="1308920"/>
+          </a:xfrm>
+          <a:prstGeom prst="rect">
+            <a:avLst/>
+          </a:prstGeom>
+          <a:noFill/>
+          <a:extLst>
+            <a:ext uri="{909E8E84-426E-40DD-AFC4-6F175D3DCCD1}">
+              <a14:hiddenFill xmlns:a14="http://schemas.microsoft.com/office/drawing/2010/main">
+                <a:solidFill>
+                  <a:srgbClr val="FFFFFF"/>
+                </a:solidFill>
+              </a14:hiddenFill>
+            </a:ext>
+          </a:extLst>
+        </p:spPr>
+      </p:pic>
     </p:spTree>
     <p:extLst>
       <p:ext uri="{BB962C8B-B14F-4D97-AF65-F5344CB8AC3E}">
-        <p14:creationId xmlns:p14="http://schemas.microsoft.com/office/powerpoint/2010/main" val="207547412"/>
+        <p14:creationId xmlns:p14="http://schemas.microsoft.com/office/powerpoint/2010/main" val="2114290744"/>
       </p:ext>
     </p:extLst>
   </p:cSld>
@@ -14851,7 +18250,7 @@
           <p:cNvPr id="2" name="Título 1">
             <a:extLst>
               <a:ext uri="{FF2B5EF4-FFF2-40B4-BE49-F238E27FC236}">
-                <a16:creationId xmlns:a16="http://schemas.microsoft.com/office/drawing/2014/main" id="{12500FA6-B0DA-4242-8728-672F78B12EA9}"/>
+                <a16:creationId xmlns:a16="http://schemas.microsoft.com/office/drawing/2014/main" id="{8C4E3180-3E6A-45E6-B140-572A52D8E9EB}"/>
               </a:ext>
             </a:extLst>
           </p:cNvPr>
@@ -14864,7 +18263,95 @@
         </p:nvSpPr>
         <p:spPr/>
         <p:txBody>
+          <a:bodyPr anchor="t"/>
+          <a:lstStyle/>
+          <a:p>
+            <a:r>
+              <a:rPr lang="es-ES" dirty="0"/>
+              <a:t>11. </a:t>
+            </a:r>
+            <a:r>
+              <a:rPr lang="es-ES" dirty="0" err="1"/>
+              <a:t>Bideoa</a:t>
+            </a:r>
+            <a:endParaRPr lang="es-ES" dirty="0"/>
+          </a:p>
+        </p:txBody>
+      </p:sp>
+      <p:sp>
+        <p:nvSpPr>
+          <p:cNvPr id="3" name="Marcador de contenido 2">
+            <a:extLst>
+              <a:ext uri="{FF2B5EF4-FFF2-40B4-BE49-F238E27FC236}">
+                <a16:creationId xmlns:a16="http://schemas.microsoft.com/office/drawing/2014/main" id="{2B6B8CE7-F070-4B6D-B79C-90ADE7107E9B}"/>
+              </a:ext>
+            </a:extLst>
+          </p:cNvPr>
+          <p:cNvSpPr>
+            <a:spLocks noGrp="1"/>
+          </p:cNvSpPr>
+          <p:nvPr>
+            <p:ph idx="1"/>
+          </p:nvPr>
+        </p:nvSpPr>
+        <p:spPr/>
+        <p:txBody>
           <a:bodyPr/>
+          <a:lstStyle/>
+          <a:p>
+            <a:endParaRPr lang="es-ES"/>
+          </a:p>
+        </p:txBody>
+      </p:sp>
+    </p:spTree>
+    <p:extLst>
+      <p:ext uri="{BB962C8B-B14F-4D97-AF65-F5344CB8AC3E}">
+        <p14:creationId xmlns:p14="http://schemas.microsoft.com/office/powerpoint/2010/main" val="207547412"/>
+      </p:ext>
+    </p:extLst>
+  </p:cSld>
+  <p:clrMapOvr>
+    <a:masterClrMapping/>
+  </p:clrMapOvr>
+</p:sld>
+</file>
+
+<file path=ppt/slides/slide25.xml><?xml version="1.0" encoding="utf-8"?>
+<p:sld xmlns:a="http://schemas.openxmlformats.org/drawingml/2006/main" xmlns:r="http://schemas.openxmlformats.org/officeDocument/2006/relationships" xmlns:p="http://schemas.openxmlformats.org/presentationml/2006/main">
+  <p:cSld>
+    <p:spTree>
+      <p:nvGrpSpPr>
+        <p:cNvPr id="1" name=""/>
+        <p:cNvGrpSpPr/>
+        <p:nvPr/>
+      </p:nvGrpSpPr>
+      <p:grpSpPr>
+        <a:xfrm>
+          <a:off x="0" y="0"/>
+          <a:ext cx="0" cy="0"/>
+          <a:chOff x="0" y="0"/>
+          <a:chExt cx="0" cy="0"/>
+        </a:xfrm>
+      </p:grpSpPr>
+      <p:sp>
+        <p:nvSpPr>
+          <p:cNvPr id="2" name="Título 1">
+            <a:extLst>
+              <a:ext uri="{FF2B5EF4-FFF2-40B4-BE49-F238E27FC236}">
+                <a16:creationId xmlns:a16="http://schemas.microsoft.com/office/drawing/2014/main" id="{12500FA6-B0DA-4242-8728-672F78B12EA9}"/>
+              </a:ext>
+            </a:extLst>
+          </p:cNvPr>
+          <p:cNvSpPr>
+            <a:spLocks noGrp="1"/>
+          </p:cNvSpPr>
+          <p:nvPr>
+            <p:ph type="title"/>
+          </p:nvPr>
+        </p:nvSpPr>
+        <p:spPr/>
+        <p:txBody>
+          <a:bodyPr anchor="t"/>
           <a:lstStyle/>
           <a:p>
             <a:r>
@@ -14908,6 +18395,11 @@
           <a:bodyPr/>
           <a:lstStyle/>
           <a:p>
+            <a:pPr>
+              <a:spcAft>
+                <a:spcPts val="600"/>
+              </a:spcAft>
+            </a:pPr>
             <a:r>
               <a:rPr lang="es-ES" dirty="0" err="1"/>
               <a:t>Lan</a:t>
@@ -14931,6 +18423,11 @@
             <a:endParaRPr lang="es-ES" dirty="0"/>
           </a:p>
           <a:p>
+            <a:pPr>
+              <a:spcAft>
+                <a:spcPts val="600"/>
+              </a:spcAft>
+            </a:pPr>
             <a:r>
               <a:rPr lang="es-ES" dirty="0" err="1"/>
               <a:t>Tresnekin</a:t>
@@ -14946,6 +18443,11 @@
             <a:endParaRPr lang="es-ES" dirty="0"/>
           </a:p>
           <a:p>
+            <a:pPr>
+              <a:spcAft>
+                <a:spcPts val="600"/>
+              </a:spcAft>
+            </a:pPr>
             <a:r>
               <a:rPr lang="es-ES" dirty="0" err="1"/>
               <a:t>Metodologia</a:t>
@@ -14961,6 +18463,11 @@
             <a:endParaRPr lang="es-ES" dirty="0"/>
           </a:p>
           <a:p>
+            <a:pPr>
+              <a:spcAft>
+                <a:spcPts val="600"/>
+              </a:spcAft>
+            </a:pPr>
             <a:r>
               <a:rPr lang="es-ES" dirty="0" err="1"/>
               <a:t>Metodologia</a:t>
@@ -14976,6 +18483,11 @@
             <a:endParaRPr lang="es-ES" dirty="0"/>
           </a:p>
           <a:p>
+            <a:pPr>
+              <a:spcAft>
+                <a:spcPts val="600"/>
+              </a:spcAft>
+            </a:pPr>
             <a:r>
               <a:rPr lang="es-ES" dirty="0"/>
               <a:t>CMMI </a:t>
@@ -15032,454 +18544,6 @@
 </p:sld>
 </file>
 
-<file path=ppt/slides/slide25.xml><?xml version="1.0" encoding="utf-8"?>
-<p:sld xmlns:a="http://schemas.openxmlformats.org/drawingml/2006/main" xmlns:r="http://schemas.openxmlformats.org/officeDocument/2006/relationships" xmlns:p="http://schemas.openxmlformats.org/presentationml/2006/main">
-  <p:cSld>
-    <p:spTree>
-      <p:nvGrpSpPr>
-        <p:cNvPr id="1" name=""/>
-        <p:cNvGrpSpPr/>
-        <p:nvPr/>
-      </p:nvGrpSpPr>
-      <p:grpSpPr>
-        <a:xfrm>
-          <a:off x="0" y="0"/>
-          <a:ext cx="0" cy="0"/>
-          <a:chOff x="0" y="0"/>
-          <a:chExt cx="0" cy="0"/>
-        </a:xfrm>
-      </p:grpSpPr>
-      <p:sp>
-        <p:nvSpPr>
-          <p:cNvPr id="2" name="Título 1">
-            <a:extLst>
-              <a:ext uri="{FF2B5EF4-FFF2-40B4-BE49-F238E27FC236}">
-                <a16:creationId xmlns:a16="http://schemas.microsoft.com/office/drawing/2014/main" id="{B9399516-7071-4293-9014-2C2E50A8CA7D}"/>
-              </a:ext>
-            </a:extLst>
-          </p:cNvPr>
-          <p:cNvSpPr>
-            <a:spLocks noGrp="1"/>
-          </p:cNvSpPr>
-          <p:nvPr>
-            <p:ph type="title"/>
-          </p:nvPr>
-        </p:nvSpPr>
-        <p:spPr/>
-        <p:txBody>
-          <a:bodyPr>
-            <a:normAutofit/>
-          </a:bodyPr>
-          <a:lstStyle/>
-          <a:p>
-            <a:r>
-              <a:rPr lang="es-ES" dirty="0"/>
-              <a:t>12. </a:t>
-            </a:r>
-            <a:r>
-              <a:rPr lang="es-ES" dirty="0" err="1"/>
-              <a:t>Proiektuaren</a:t>
-            </a:r>
-            <a:r>
-              <a:rPr lang="es-ES" dirty="0"/>
-              <a:t> </a:t>
-            </a:r>
-            <a:r>
-              <a:rPr lang="es-ES" dirty="0" err="1"/>
-              <a:t>Antolamendua</a:t>
-            </a:r>
-            <a:r>
-              <a:rPr lang="es-ES" dirty="0"/>
-              <a:t> eta </a:t>
-            </a:r>
-            <a:r>
-              <a:rPr lang="es-ES" dirty="0" err="1"/>
-              <a:t>Kudeaketa</a:t>
-            </a:r>
-            <a:endParaRPr lang="es-ES" dirty="0"/>
-          </a:p>
-        </p:txBody>
-      </p:sp>
-      <p:sp>
-        <p:nvSpPr>
-          <p:cNvPr id="7" name="Marcador de contenido 6">
-            <a:extLst>
-              <a:ext uri="{FF2B5EF4-FFF2-40B4-BE49-F238E27FC236}">
-                <a16:creationId xmlns:a16="http://schemas.microsoft.com/office/drawing/2014/main" id="{752435B9-C897-4A42-9F5A-B1F67118864E}"/>
-              </a:ext>
-            </a:extLst>
-          </p:cNvPr>
-          <p:cNvSpPr>
-            <a:spLocks noGrp="1"/>
-          </p:cNvSpPr>
-          <p:nvPr>
-            <p:ph sz="half" idx="1"/>
-          </p:nvPr>
-        </p:nvSpPr>
-        <p:spPr/>
-        <p:txBody>
-          <a:bodyPr>
-            <a:normAutofit fontScale="85000" lnSpcReduction="20000"/>
-          </a:bodyPr>
-          <a:lstStyle/>
-          <a:p>
-            <a:pPr marL="0" indent="0">
-              <a:buNone/>
-            </a:pPr>
-            <a:r>
-              <a:rPr lang="es-ES" b="1" dirty="0" err="1"/>
-              <a:t>Antolamendua</a:t>
-            </a:r>
-            <a:endParaRPr lang="es-ES" b="1" dirty="0"/>
-          </a:p>
-          <a:p>
-            <a:r>
-              <a:rPr lang="nn-NO" dirty="0"/>
-              <a:t>Taldekideak</a:t>
-            </a:r>
-          </a:p>
-          <a:p>
-            <a:r>
-              <a:rPr lang="nn-NO" dirty="0"/>
-              <a:t>Ardurak eta betekizunak</a:t>
-            </a:r>
-          </a:p>
-          <a:p>
-            <a:r>
-              <a:rPr lang="nn-NO" dirty="0"/>
-              <a:t>Lan-ingurunea</a:t>
-            </a:r>
-          </a:p>
-          <a:p>
-            <a:r>
-              <a:rPr lang="nn-NO" dirty="0"/>
-              <a:t>Informazio-sistema</a:t>
-            </a:r>
-          </a:p>
-          <a:p>
-            <a:r>
-              <a:rPr lang="nn-NO" dirty="0"/>
-              <a:t>Komunikazio-kanalak</a:t>
-            </a:r>
-          </a:p>
-          <a:p>
-            <a:endParaRPr lang="es-ES" dirty="0"/>
-          </a:p>
-        </p:txBody>
-      </p:sp>
-      <p:sp>
-        <p:nvSpPr>
-          <p:cNvPr id="8" name="Marcador de contenido 7">
-            <a:extLst>
-              <a:ext uri="{FF2B5EF4-FFF2-40B4-BE49-F238E27FC236}">
-                <a16:creationId xmlns:a16="http://schemas.microsoft.com/office/drawing/2014/main" id="{FC6329B6-BB2D-4A2A-B293-3D3ABAF00FE7}"/>
-              </a:ext>
-            </a:extLst>
-          </p:cNvPr>
-          <p:cNvSpPr>
-            <a:spLocks noGrp="1"/>
-          </p:cNvSpPr>
-          <p:nvPr>
-            <p:ph sz="half" idx="2"/>
-          </p:nvPr>
-        </p:nvSpPr>
-        <p:spPr/>
-        <p:txBody>
-          <a:bodyPr>
-            <a:normAutofit fontScale="85000" lnSpcReduction="20000"/>
-          </a:bodyPr>
-          <a:lstStyle/>
-          <a:p>
-            <a:pPr marL="0" indent="0">
-              <a:buNone/>
-            </a:pPr>
-            <a:r>
-              <a:rPr lang="es-ES" b="1" dirty="0" err="1"/>
-              <a:t>Kudeaketa</a:t>
-            </a:r>
-            <a:endParaRPr lang="es-ES" b="1" dirty="0"/>
-          </a:p>
-          <a:p>
-            <a:r>
-              <a:rPr lang="es-ES" dirty="0" err="1"/>
-              <a:t>Integrazioaren</a:t>
-            </a:r>
-            <a:r>
-              <a:rPr lang="es-ES" dirty="0"/>
-              <a:t> </a:t>
-            </a:r>
-            <a:r>
-              <a:rPr lang="es-ES" dirty="0" err="1"/>
-              <a:t>kudeaketa</a:t>
-            </a:r>
-            <a:r>
-              <a:rPr lang="es-ES" dirty="0"/>
-              <a:t>.</a:t>
-            </a:r>
-          </a:p>
-          <a:p>
-            <a:r>
-              <a:rPr lang="es-ES" dirty="0" err="1"/>
-              <a:t>Irismenaren</a:t>
-            </a:r>
-            <a:r>
-              <a:rPr lang="es-ES" dirty="0"/>
-              <a:t> </a:t>
-            </a:r>
-            <a:r>
-              <a:rPr lang="es-ES" dirty="0" err="1"/>
-              <a:t>kudeaketa</a:t>
-            </a:r>
-            <a:r>
-              <a:rPr lang="es-ES" dirty="0"/>
-              <a:t>.</a:t>
-            </a:r>
-          </a:p>
-          <a:p>
-            <a:r>
-              <a:rPr lang="es-ES" dirty="0" err="1"/>
-              <a:t>Epeen</a:t>
-            </a:r>
-            <a:r>
-              <a:rPr lang="es-ES" dirty="0"/>
-              <a:t> </a:t>
-            </a:r>
-            <a:r>
-              <a:rPr lang="es-ES" dirty="0" err="1"/>
-              <a:t>kudeaketa</a:t>
-            </a:r>
-            <a:r>
-              <a:rPr lang="es-ES" dirty="0"/>
-              <a:t>.</a:t>
-            </a:r>
-          </a:p>
-          <a:p>
-            <a:r>
-              <a:rPr lang="es-ES" dirty="0" err="1"/>
-              <a:t>Produktuaren</a:t>
-            </a:r>
-            <a:r>
-              <a:rPr lang="es-ES" dirty="0"/>
-              <a:t> </a:t>
-            </a:r>
-            <a:r>
-              <a:rPr lang="es-ES" dirty="0" err="1"/>
-              <a:t>kostuen</a:t>
-            </a:r>
-            <a:r>
-              <a:rPr lang="es-ES" dirty="0"/>
-              <a:t> </a:t>
-            </a:r>
-            <a:r>
-              <a:rPr lang="es-ES" dirty="0" err="1"/>
-              <a:t>kudeaketa</a:t>
-            </a:r>
-            <a:r>
-              <a:rPr lang="es-ES" dirty="0"/>
-              <a:t>.</a:t>
-            </a:r>
-          </a:p>
-          <a:p>
-            <a:r>
-              <a:rPr lang="es-ES" dirty="0" err="1"/>
-              <a:t>Kalitatearen</a:t>
-            </a:r>
-            <a:r>
-              <a:rPr lang="es-ES" dirty="0"/>
-              <a:t> </a:t>
-            </a:r>
-            <a:r>
-              <a:rPr lang="es-ES" dirty="0" err="1"/>
-              <a:t>kudeaketa</a:t>
-            </a:r>
-            <a:r>
-              <a:rPr lang="es-ES" dirty="0"/>
-              <a:t>.</a:t>
-            </a:r>
-          </a:p>
-          <a:p>
-            <a:r>
-              <a:rPr lang="es-ES" dirty="0" err="1"/>
-              <a:t>Giza-baliabideen</a:t>
-            </a:r>
-            <a:r>
-              <a:rPr lang="es-ES" dirty="0"/>
-              <a:t> </a:t>
-            </a:r>
-            <a:r>
-              <a:rPr lang="es-ES" dirty="0" err="1"/>
-              <a:t>kudeaketa</a:t>
-            </a:r>
-            <a:r>
-              <a:rPr lang="es-ES" dirty="0"/>
-              <a:t>.</a:t>
-            </a:r>
-          </a:p>
-          <a:p>
-            <a:r>
-              <a:rPr lang="es-ES" dirty="0" err="1"/>
-              <a:t>Komunikazioen</a:t>
-            </a:r>
-            <a:r>
-              <a:rPr lang="es-ES" dirty="0"/>
-              <a:t> </a:t>
-            </a:r>
-            <a:r>
-              <a:rPr lang="es-ES" dirty="0" err="1"/>
-              <a:t>kudeaketa</a:t>
-            </a:r>
-            <a:r>
-              <a:rPr lang="es-ES" dirty="0"/>
-              <a:t>.</a:t>
-            </a:r>
-          </a:p>
-          <a:p>
-            <a:r>
-              <a:rPr lang="es-ES" dirty="0" err="1"/>
-              <a:t>Arriskuen</a:t>
-            </a:r>
-            <a:r>
-              <a:rPr lang="es-ES" dirty="0"/>
-              <a:t> </a:t>
-            </a:r>
-            <a:r>
-              <a:rPr lang="es-ES" dirty="0" err="1"/>
-              <a:t>kudeaketa</a:t>
-            </a:r>
-            <a:r>
-              <a:rPr lang="es-ES" dirty="0"/>
-              <a:t>.</a:t>
-            </a:r>
-          </a:p>
-          <a:p>
-            <a:r>
-              <a:rPr lang="es-ES" dirty="0" err="1"/>
-              <a:t>Erosketen</a:t>
-            </a:r>
-            <a:r>
-              <a:rPr lang="es-ES" dirty="0"/>
-              <a:t> </a:t>
-            </a:r>
-            <a:r>
-              <a:rPr lang="es-ES" dirty="0" err="1"/>
-              <a:t>kudeaketa</a:t>
-            </a:r>
-            <a:r>
-              <a:rPr lang="es-ES" dirty="0"/>
-              <a:t>.</a:t>
-            </a:r>
-          </a:p>
-          <a:p>
-            <a:r>
-              <a:rPr lang="es-ES" dirty="0" err="1"/>
-              <a:t>Interesatuen</a:t>
-            </a:r>
-            <a:r>
-              <a:rPr lang="es-ES" dirty="0"/>
-              <a:t> </a:t>
-            </a:r>
-            <a:r>
-              <a:rPr lang="es-ES" dirty="0" err="1"/>
-              <a:t>kudeaketa</a:t>
-            </a:r>
-            <a:r>
-              <a:rPr lang="es-ES" dirty="0"/>
-              <a:t>.</a:t>
-            </a:r>
-          </a:p>
-          <a:p>
-            <a:pPr marL="0" indent="0">
-              <a:buNone/>
-            </a:pPr>
-            <a:endParaRPr lang="es-ES" b="1" dirty="0"/>
-          </a:p>
-        </p:txBody>
-      </p:sp>
-      <p:pic>
-        <p:nvPicPr>
-          <p:cNvPr id="5" name="Marcador de contenido 5">
-            <a:extLst>
-              <a:ext uri="{FF2B5EF4-FFF2-40B4-BE49-F238E27FC236}">
-                <a16:creationId xmlns:a16="http://schemas.microsoft.com/office/drawing/2014/main" id="{870A9E42-5D56-49C7-92D8-BA6A631A1AB2}"/>
-              </a:ext>
-            </a:extLst>
-          </p:cNvPr>
-          <p:cNvPicPr>
-            <a:picLocks noChangeAspect="1"/>
-          </p:cNvPicPr>
-          <p:nvPr/>
-        </p:nvPicPr>
-        <p:blipFill>
-          <a:blip r:embed="rId2">
-            <a:extLst>
-              <a:ext uri="{28A0092B-C50C-407E-A947-70E740481C1C}">
-                <a14:useLocalDpi xmlns:a14="http://schemas.microsoft.com/office/drawing/2010/main" val="0"/>
-              </a:ext>
-            </a:extLst>
-          </a:blip>
-          <a:stretch>
-            <a:fillRect/>
-          </a:stretch>
-        </p:blipFill>
-        <p:spPr>
-          <a:xfrm>
-            <a:off x="3952461" y="3963681"/>
-            <a:ext cx="1951382" cy="2529195"/>
-          </a:xfrm>
-          <a:prstGeom prst="rect">
-            <a:avLst/>
-          </a:prstGeom>
-        </p:spPr>
-      </p:pic>
-      <p:pic>
-        <p:nvPicPr>
-          <p:cNvPr id="6" name="Imagen 5">
-            <a:extLst>
-              <a:ext uri="{FF2B5EF4-FFF2-40B4-BE49-F238E27FC236}">
-                <a16:creationId xmlns:a16="http://schemas.microsoft.com/office/drawing/2014/main" id="{C05F6DE7-DEEB-4EF3-981B-D70589C82CF8}"/>
-              </a:ext>
-            </a:extLst>
-          </p:cNvPr>
-          <p:cNvPicPr>
-            <a:picLocks noChangeAspect="1"/>
-          </p:cNvPicPr>
-          <p:nvPr/>
-        </p:nvPicPr>
-        <p:blipFill>
-          <a:blip r:embed="rId3" cstate="hqprint">
-            <a:extLst>
-              <a:ext uri="{28A0092B-C50C-407E-A947-70E740481C1C}">
-                <a14:useLocalDpi xmlns:a14="http://schemas.microsoft.com/office/drawing/2010/main" val="0"/>
-              </a:ext>
-            </a:extLst>
-          </a:blip>
-          <a:stretch>
-            <a:fillRect/>
-          </a:stretch>
-        </p:blipFill>
-        <p:spPr>
-          <a:xfrm>
-            <a:off x="685800" y="4735885"/>
-            <a:ext cx="2882156" cy="1441078"/>
-          </a:xfrm>
-          <a:prstGeom prst="rect">
-            <a:avLst/>
-          </a:prstGeom>
-        </p:spPr>
-      </p:pic>
-    </p:spTree>
-    <p:extLst>
-      <p:ext uri="{BB962C8B-B14F-4D97-AF65-F5344CB8AC3E}">
-        <p14:creationId xmlns:p14="http://schemas.microsoft.com/office/powerpoint/2010/main" val="4110090758"/>
-      </p:ext>
-    </p:extLst>
-  </p:cSld>
-  <p:clrMapOvr>
-    <a:masterClrMapping/>
-  </p:clrMapOvr>
-</p:sld>
-</file>
-
 <file path=ppt/slides/slide26.xml><?xml version="1.0" encoding="utf-8"?>
 <p:sld xmlns:a="http://schemas.openxmlformats.org/drawingml/2006/main" xmlns:r="http://schemas.openxmlformats.org/officeDocument/2006/relationships" xmlns:p="http://schemas.openxmlformats.org/presentationml/2006/main">
   <p:cSld>
@@ -15502,7 +18566,7 @@
           <p:cNvPr id="2" name="Título 1">
             <a:extLst>
               <a:ext uri="{FF2B5EF4-FFF2-40B4-BE49-F238E27FC236}">
-                <a16:creationId xmlns:a16="http://schemas.microsoft.com/office/drawing/2014/main" id="{DCF90350-1A00-4F3D-AEB3-C4C78C90F579}"/>
+                <a16:creationId xmlns:a16="http://schemas.microsoft.com/office/drawing/2014/main" id="{B9399516-7071-4293-9014-2C2E50A8CA7D}"/>
               </a:ext>
             </a:extLst>
           </p:cNvPr>
@@ -15515,35 +18579,281 @@
         </p:nvSpPr>
         <p:spPr/>
         <p:txBody>
-          <a:bodyPr/>
+          <a:bodyPr anchor="t">
+            <a:normAutofit/>
+          </a:bodyPr>
           <a:lstStyle/>
           <a:p>
             <a:r>
               <a:rPr lang="es-ES" dirty="0"/>
-              <a:t>13. </a:t>
+              <a:t>12. </a:t>
             </a:r>
             <a:r>
               <a:rPr lang="es-ES" dirty="0" err="1"/>
-              <a:t>Denbora</a:t>
+              <a:t>Antolamendua</a:t>
             </a:r>
             <a:r>
               <a:rPr lang="es-ES" dirty="0"/>
-              <a:t> </a:t>
+              <a:t> eta </a:t>
             </a:r>
             <a:r>
               <a:rPr lang="es-ES" dirty="0" err="1"/>
-              <a:t>Planifikazioa</a:t>
+              <a:t>Kudeaketa</a:t>
             </a:r>
             <a:endParaRPr lang="es-ES" dirty="0"/>
+          </a:p>
+        </p:txBody>
+      </p:sp>
+      <p:sp>
+        <p:nvSpPr>
+          <p:cNvPr id="7" name="Marcador de contenido 6">
+            <a:extLst>
+              <a:ext uri="{FF2B5EF4-FFF2-40B4-BE49-F238E27FC236}">
+                <a16:creationId xmlns:a16="http://schemas.microsoft.com/office/drawing/2014/main" id="{752435B9-C897-4A42-9F5A-B1F67118864E}"/>
+              </a:ext>
+            </a:extLst>
+          </p:cNvPr>
+          <p:cNvSpPr>
+            <a:spLocks noGrp="1"/>
+          </p:cNvSpPr>
+          <p:nvPr>
+            <p:ph sz="half" idx="1"/>
+          </p:nvPr>
+        </p:nvSpPr>
+        <p:spPr/>
+        <p:txBody>
+          <a:bodyPr>
+            <a:normAutofit fontScale="62500" lnSpcReduction="20000"/>
+          </a:bodyPr>
+          <a:lstStyle/>
+          <a:p>
+            <a:pPr marL="0" indent="0">
+              <a:buNone/>
+            </a:pPr>
+            <a:r>
+              <a:rPr lang="es-ES" b="1" dirty="0" err="1"/>
+              <a:t>Antolamendua</a:t>
+            </a:r>
+            <a:endParaRPr lang="es-ES" b="1" dirty="0"/>
+          </a:p>
+          <a:p>
+            <a:pPr>
+              <a:spcAft>
+                <a:spcPts val="600"/>
+              </a:spcAft>
+            </a:pPr>
+            <a:r>
+              <a:rPr lang="nn-NO" dirty="0"/>
+              <a:t>Taldekideak</a:t>
+            </a:r>
+          </a:p>
+          <a:p>
+            <a:pPr>
+              <a:spcAft>
+                <a:spcPts val="600"/>
+              </a:spcAft>
+            </a:pPr>
+            <a:r>
+              <a:rPr lang="nn-NO" dirty="0"/>
+              <a:t>Ardurak eta betekizunak</a:t>
+            </a:r>
+          </a:p>
+          <a:p>
+            <a:pPr>
+              <a:spcAft>
+                <a:spcPts val="600"/>
+              </a:spcAft>
+            </a:pPr>
+            <a:r>
+              <a:rPr lang="nn-NO" dirty="0"/>
+              <a:t>Lan-ingurunea</a:t>
+            </a:r>
+          </a:p>
+          <a:p>
+            <a:pPr>
+              <a:spcAft>
+                <a:spcPts val="600"/>
+              </a:spcAft>
+            </a:pPr>
+            <a:r>
+              <a:rPr lang="nn-NO" dirty="0"/>
+              <a:t>Informazio-sistema</a:t>
+            </a:r>
+          </a:p>
+          <a:p>
+            <a:pPr>
+              <a:spcAft>
+                <a:spcPts val="600"/>
+              </a:spcAft>
+            </a:pPr>
+            <a:r>
+              <a:rPr lang="nn-NO" dirty="0"/>
+              <a:t>Komunikazio-kanalak</a:t>
+            </a:r>
+          </a:p>
+          <a:p>
+            <a:endParaRPr lang="es-ES" dirty="0"/>
+          </a:p>
+        </p:txBody>
+      </p:sp>
+      <p:sp>
+        <p:nvSpPr>
+          <p:cNvPr id="8" name="Marcador de contenido 7">
+            <a:extLst>
+              <a:ext uri="{FF2B5EF4-FFF2-40B4-BE49-F238E27FC236}">
+                <a16:creationId xmlns:a16="http://schemas.microsoft.com/office/drawing/2014/main" id="{FC6329B6-BB2D-4A2A-B293-3D3ABAF00FE7}"/>
+              </a:ext>
+            </a:extLst>
+          </p:cNvPr>
+          <p:cNvSpPr>
+            <a:spLocks noGrp="1"/>
+          </p:cNvSpPr>
+          <p:nvPr>
+            <p:ph sz="half" idx="2"/>
+          </p:nvPr>
+        </p:nvSpPr>
+        <p:spPr/>
+        <p:txBody>
+          <a:bodyPr>
+            <a:normAutofit fontScale="62500" lnSpcReduction="20000"/>
+          </a:bodyPr>
+          <a:lstStyle/>
+          <a:p>
+            <a:pPr marL="0" indent="0">
+              <a:spcAft>
+                <a:spcPts val="600"/>
+              </a:spcAft>
+              <a:buNone/>
+            </a:pPr>
+            <a:r>
+              <a:rPr lang="eu-ES" b="1" dirty="0"/>
+              <a:t>Kudeaketa</a:t>
+            </a:r>
+          </a:p>
+          <a:p>
+            <a:pPr>
+              <a:spcAft>
+                <a:spcPts val="600"/>
+              </a:spcAft>
+            </a:pPr>
+            <a:r>
+              <a:rPr lang="eu-ES" dirty="0"/>
+              <a:t>Integrazioaren kudeaketa</a:t>
+            </a:r>
+          </a:p>
+          <a:p>
+            <a:pPr>
+              <a:spcAft>
+                <a:spcPts val="600"/>
+              </a:spcAft>
+            </a:pPr>
+            <a:r>
+              <a:rPr lang="eu-ES" dirty="0"/>
+              <a:t>Irismenaren kudeaketa</a:t>
+            </a:r>
+          </a:p>
+          <a:p>
+            <a:pPr>
+              <a:spcAft>
+                <a:spcPts val="600"/>
+              </a:spcAft>
+            </a:pPr>
+            <a:r>
+              <a:rPr lang="eu-ES" dirty="0"/>
+              <a:t>Epeen kudeaketa</a:t>
+            </a:r>
+          </a:p>
+          <a:p>
+            <a:pPr>
+              <a:spcAft>
+                <a:spcPts val="600"/>
+              </a:spcAft>
+            </a:pPr>
+            <a:r>
+              <a:rPr lang="eu-ES" dirty="0"/>
+              <a:t>Produktuaren kostuen kudeaketa</a:t>
+            </a:r>
+          </a:p>
+          <a:p>
+            <a:pPr>
+              <a:spcAft>
+                <a:spcPts val="600"/>
+              </a:spcAft>
+            </a:pPr>
+            <a:r>
+              <a:rPr lang="eu-ES" dirty="0"/>
+              <a:t>Kalitatearen kudeaketa</a:t>
+            </a:r>
+          </a:p>
+          <a:p>
+            <a:pPr>
+              <a:spcAft>
+                <a:spcPts val="600"/>
+              </a:spcAft>
+            </a:pPr>
+            <a:r>
+              <a:rPr lang="eu-ES" dirty="0"/>
+              <a:t>Giza-baliabideen kudeaketa</a:t>
+            </a:r>
+          </a:p>
+          <a:p>
+            <a:pPr>
+              <a:spcAft>
+                <a:spcPts val="600"/>
+              </a:spcAft>
+            </a:pPr>
+            <a:r>
+              <a:rPr lang="eu-ES" dirty="0"/>
+              <a:t>Komunikazioen kudeaketa</a:t>
+            </a:r>
+          </a:p>
+          <a:p>
+            <a:pPr>
+              <a:spcAft>
+                <a:spcPts val="600"/>
+              </a:spcAft>
+            </a:pPr>
+            <a:r>
+              <a:rPr lang="eu-ES" dirty="0"/>
+              <a:t>Arriskuen kudeaketa</a:t>
+            </a:r>
+          </a:p>
+          <a:p>
+            <a:pPr>
+              <a:spcAft>
+                <a:spcPts val="600"/>
+              </a:spcAft>
+            </a:pPr>
+            <a:r>
+              <a:rPr lang="eu-ES" dirty="0"/>
+              <a:t>Erosketen kudeaketa</a:t>
+            </a:r>
+          </a:p>
+          <a:p>
+            <a:pPr>
+              <a:spcAft>
+                <a:spcPts val="600"/>
+              </a:spcAft>
+            </a:pPr>
+            <a:r>
+              <a:rPr lang="eu-ES" dirty="0"/>
+              <a:t>Interesatuen kudeaketa</a:t>
+            </a:r>
+          </a:p>
+          <a:p>
+            <a:pPr marL="0" indent="0">
+              <a:buNone/>
+            </a:pPr>
+            <a:endParaRPr lang="es-ES" b="1" dirty="0"/>
           </a:p>
         </p:txBody>
       </p:sp>
       <p:pic>
         <p:nvPicPr>
-          <p:cNvPr id="5" name="Imagen 4" descr="Diagrama&#10;&#10;Descripción generada automáticamente con confianza media">
+          <p:cNvPr id="5" name="Marcador de contenido 5">
             <a:extLst>
               <a:ext uri="{FF2B5EF4-FFF2-40B4-BE49-F238E27FC236}">
-                <a16:creationId xmlns:a16="http://schemas.microsoft.com/office/drawing/2014/main" id="{7E5C4DF6-E7F3-482F-AA74-949820799248}"/>
+                <a16:creationId xmlns:a16="http://schemas.microsoft.com/office/drawing/2014/main" id="{870A9E42-5D56-49C7-92D8-BA6A631A1AB2}"/>
               </a:ext>
             </a:extLst>
           </p:cNvPr>
@@ -15553,7 +18863,7 @@
           <p:nvPr/>
         </p:nvPicPr>
         <p:blipFill>
-          <a:blip r:embed="rId2" cstate="print">
+          <a:blip r:embed="rId2">
             <a:extLst>
               <a:ext uri="{28A0092B-C50C-407E-A947-70E740481C1C}">
                 <a14:useLocalDpi xmlns:a14="http://schemas.microsoft.com/office/drawing/2010/main" val="0"/>
@@ -15566,8 +18876,8 @@
         </p:blipFill>
         <p:spPr>
           <a:xfrm>
-            <a:off x="611903" y="4221007"/>
-            <a:ext cx="10968191" cy="2210663"/>
+            <a:off x="9838357" y="2507743"/>
+            <a:ext cx="1951382" cy="2529195"/>
           </a:xfrm>
           <a:prstGeom prst="rect">
             <a:avLst/>
@@ -15576,10 +18886,10 @@
       </p:pic>
       <p:pic>
         <p:nvPicPr>
-          <p:cNvPr id="7" name="Imagen 6" descr="Gráfico&#10;&#10;Descripción generada automáticamente">
+          <p:cNvPr id="6" name="Imagen 5">
             <a:extLst>
               <a:ext uri="{FF2B5EF4-FFF2-40B4-BE49-F238E27FC236}">
-                <a16:creationId xmlns:a16="http://schemas.microsoft.com/office/drawing/2014/main" id="{42EBECD5-444D-4491-9436-380AB78FC3E9}"/>
+                <a16:creationId xmlns:a16="http://schemas.microsoft.com/office/drawing/2014/main" id="{C05F6DE7-DEEB-4EF3-981B-D70589C82CF8}"/>
               </a:ext>
             </a:extLst>
           </p:cNvPr>
@@ -15588,32 +18898,125 @@
           </p:cNvPicPr>
           <p:nvPr/>
         </p:nvPicPr>
-        <p:blipFill>
-          <a:blip r:embed="rId3" cstate="print">
+        <p:blipFill rotWithShape="1">
+          <a:blip r:embed="rId3" cstate="hqprint">
             <a:extLst>
               <a:ext uri="{28A0092B-C50C-407E-A947-70E740481C1C}">
                 <a14:useLocalDpi xmlns:a14="http://schemas.microsoft.com/office/drawing/2010/main" val="0"/>
               </a:ext>
             </a:extLst>
           </a:blip>
-          <a:stretch>
-            <a:fillRect/>
-          </a:stretch>
+          <a:srcRect l="7623" t="25434" r="9210" b="22202"/>
+          <a:stretch/>
         </p:blipFill>
         <p:spPr>
           <a:xfrm>
-            <a:off x="1384164" y="1531661"/>
-            <a:ext cx="9423670" cy="2324721"/>
+            <a:off x="958788" y="4208016"/>
+            <a:ext cx="2068497" cy="651193"/>
           </a:xfrm>
           <a:prstGeom prst="rect">
             <a:avLst/>
           </a:prstGeom>
         </p:spPr>
       </p:pic>
+      <p:pic>
+        <p:nvPicPr>
+          <p:cNvPr id="5126" name="Picture 6" descr="Logo GitHub: la historia y el significado del logotipo, la marca y el  símbolo. | png, vector">
+            <a:extLst>
+              <a:ext uri="{FF2B5EF4-FFF2-40B4-BE49-F238E27FC236}">
+                <a16:creationId xmlns:a16="http://schemas.microsoft.com/office/drawing/2014/main" id="{76EEC8CA-DDE4-4D9D-9C71-8CD04A760C3D}"/>
+              </a:ext>
+            </a:extLst>
+          </p:cNvPr>
+          <p:cNvPicPr>
+            <a:picLocks noChangeAspect="1" noChangeArrowheads="1"/>
+          </p:cNvPicPr>
+          <p:nvPr/>
+        </p:nvPicPr>
+        <p:blipFill>
+          <a:blip r:embed="rId4">
+            <a:extLst>
+              <a:ext uri="{28A0092B-C50C-407E-A947-70E740481C1C}">
+                <a14:useLocalDpi xmlns:a14="http://schemas.microsoft.com/office/drawing/2010/main" val="0"/>
+              </a:ext>
+            </a:extLst>
+          </a:blip>
+          <a:srcRect/>
+          <a:stretch>
+            <a:fillRect/>
+          </a:stretch>
+        </p:blipFill>
+        <p:spPr bwMode="auto">
+          <a:xfrm>
+            <a:off x="1024647" y="5036938"/>
+            <a:ext cx="1622367" cy="937734"/>
+          </a:xfrm>
+          <a:prstGeom prst="rect">
+            <a:avLst/>
+          </a:prstGeom>
+          <a:noFill/>
+          <a:extLst>
+            <a:ext uri="{909E8E84-426E-40DD-AFC4-6F175D3DCCD1}">
+              <a14:hiddenFill xmlns:a14="http://schemas.microsoft.com/office/drawing/2010/main">
+                <a:solidFill>
+                  <a:srgbClr val="FFFFFF"/>
+                </a:solidFill>
+              </a14:hiddenFill>
+            </a:ext>
+          </a:extLst>
+        </p:spPr>
+      </p:pic>
+      <p:pic>
+        <p:nvPicPr>
+          <p:cNvPr id="5128" name="Picture 8" descr="BlackBoard Collaborate">
+            <a:extLst>
+              <a:ext uri="{FF2B5EF4-FFF2-40B4-BE49-F238E27FC236}">
+                <a16:creationId xmlns:a16="http://schemas.microsoft.com/office/drawing/2014/main" id="{AA1D5B0C-FFC9-4C40-9E58-E91E30B8CBB1}"/>
+              </a:ext>
+            </a:extLst>
+          </p:cNvPr>
+          <p:cNvPicPr>
+            <a:picLocks noChangeAspect="1" noChangeArrowheads="1"/>
+          </p:cNvPicPr>
+          <p:nvPr/>
+        </p:nvPicPr>
+        <p:blipFill>
+          <a:blip r:embed="rId5">
+            <a:extLst>
+              <a:ext uri="{28A0092B-C50C-407E-A947-70E740481C1C}">
+                <a14:useLocalDpi xmlns:a14="http://schemas.microsoft.com/office/drawing/2010/main" val="0"/>
+              </a:ext>
+            </a:extLst>
+          </a:blip>
+          <a:srcRect/>
+          <a:stretch>
+            <a:fillRect/>
+          </a:stretch>
+        </p:blipFill>
+        <p:spPr bwMode="auto">
+          <a:xfrm>
+            <a:off x="3409741" y="4208016"/>
+            <a:ext cx="1858762" cy="760403"/>
+          </a:xfrm>
+          <a:prstGeom prst="rect">
+            <a:avLst/>
+          </a:prstGeom>
+          <a:noFill/>
+          <a:extLst>
+            <a:ext uri="{909E8E84-426E-40DD-AFC4-6F175D3DCCD1}">
+              <a14:hiddenFill xmlns:a14="http://schemas.microsoft.com/office/drawing/2010/main">
+                <a:solidFill>
+                  <a:srgbClr val="FFFFFF"/>
+                </a:solidFill>
+              </a14:hiddenFill>
+            </a:ext>
+          </a:extLst>
+        </p:spPr>
+      </p:pic>
     </p:spTree>
     <p:extLst>
       <p:ext uri="{BB962C8B-B14F-4D97-AF65-F5344CB8AC3E}">
-        <p14:creationId xmlns:p14="http://schemas.microsoft.com/office/powerpoint/2010/main" val="2651136928"/>
+        <p14:creationId xmlns:p14="http://schemas.microsoft.com/office/powerpoint/2010/main" val="4110090758"/>
       </p:ext>
     </p:extLst>
   </p:cSld>
@@ -15645,7 +19048,7 @@
           <p:cNvPr id="2" name="Título 1">
             <a:extLst>
               <a:ext uri="{FF2B5EF4-FFF2-40B4-BE49-F238E27FC236}">
-                <a16:creationId xmlns:a16="http://schemas.microsoft.com/office/drawing/2014/main" id="{0614000E-8275-447C-884E-801EB290FCAF}"/>
+                <a16:creationId xmlns:a16="http://schemas.microsoft.com/office/drawing/2014/main" id="{DCF90350-1A00-4F3D-AEB3-C4C78C90F579}"/>
               </a:ext>
             </a:extLst>
           </p:cNvPr>
@@ -15658,7 +19061,7 @@
         </p:nvSpPr>
         <p:spPr/>
         <p:txBody>
-          <a:bodyPr/>
+          <a:bodyPr anchor="t"/>
           <a:lstStyle/>
           <a:p>
             <a:r>
@@ -15676,6 +19079,163 @@
             <a:r>
               <a:rPr lang="es-ES" dirty="0" err="1"/>
               <a:t>Planifikazioa</a:t>
+            </a:r>
+            <a:br>
+              <a:rPr lang="es-ES" dirty="0"/>
+            </a:br>
+            <a:r>
+              <a:rPr lang="es-ES" sz="3200" dirty="0" err="1"/>
+              <a:t>Mugarriak</a:t>
+            </a:r>
+            <a:endParaRPr lang="es-ES" dirty="0"/>
+          </a:p>
+        </p:txBody>
+      </p:sp>
+      <p:pic>
+        <p:nvPicPr>
+          <p:cNvPr id="5" name="Imagen 4" descr="Diagrama&#10;&#10;Descripción generada automáticamente con confianza media">
+            <a:extLst>
+              <a:ext uri="{FF2B5EF4-FFF2-40B4-BE49-F238E27FC236}">
+                <a16:creationId xmlns:a16="http://schemas.microsoft.com/office/drawing/2014/main" id="{7E5C4DF6-E7F3-482F-AA74-949820799248}"/>
+              </a:ext>
+            </a:extLst>
+          </p:cNvPr>
+          <p:cNvPicPr>
+            <a:picLocks noChangeAspect="1"/>
+          </p:cNvPicPr>
+          <p:nvPr/>
+        </p:nvPicPr>
+        <p:blipFill>
+          <a:blip r:embed="rId2" cstate="print">
+            <a:extLst>
+              <a:ext uri="{28A0092B-C50C-407E-A947-70E740481C1C}">
+                <a14:useLocalDpi xmlns:a14="http://schemas.microsoft.com/office/drawing/2010/main" val="0"/>
+              </a:ext>
+            </a:extLst>
+          </a:blip>
+          <a:stretch>
+            <a:fillRect/>
+          </a:stretch>
+        </p:blipFill>
+        <p:spPr>
+          <a:xfrm>
+            <a:off x="611903" y="4221007"/>
+            <a:ext cx="10968191" cy="2210663"/>
+          </a:xfrm>
+          <a:prstGeom prst="rect">
+            <a:avLst/>
+          </a:prstGeom>
+        </p:spPr>
+      </p:pic>
+      <p:pic>
+        <p:nvPicPr>
+          <p:cNvPr id="7" name="Imagen 6" descr="Gráfico&#10;&#10;Descripción generada automáticamente">
+            <a:extLst>
+              <a:ext uri="{FF2B5EF4-FFF2-40B4-BE49-F238E27FC236}">
+                <a16:creationId xmlns:a16="http://schemas.microsoft.com/office/drawing/2014/main" id="{42EBECD5-444D-4491-9436-380AB78FC3E9}"/>
+              </a:ext>
+            </a:extLst>
+          </p:cNvPr>
+          <p:cNvPicPr>
+            <a:picLocks noChangeAspect="1"/>
+          </p:cNvPicPr>
+          <p:nvPr/>
+        </p:nvPicPr>
+        <p:blipFill>
+          <a:blip r:embed="rId3" cstate="print">
+            <a:extLst>
+              <a:ext uri="{28A0092B-C50C-407E-A947-70E740481C1C}">
+                <a14:useLocalDpi xmlns:a14="http://schemas.microsoft.com/office/drawing/2010/main" val="0"/>
+              </a:ext>
+            </a:extLst>
+          </a:blip>
+          <a:stretch>
+            <a:fillRect/>
+          </a:stretch>
+        </p:blipFill>
+        <p:spPr>
+          <a:xfrm>
+            <a:off x="1452602" y="1557301"/>
+            <a:ext cx="9286795" cy="2290955"/>
+          </a:xfrm>
+          <a:prstGeom prst="rect">
+            <a:avLst/>
+          </a:prstGeom>
+        </p:spPr>
+      </p:pic>
+    </p:spTree>
+    <p:extLst>
+      <p:ext uri="{BB962C8B-B14F-4D97-AF65-F5344CB8AC3E}">
+        <p14:creationId xmlns:p14="http://schemas.microsoft.com/office/powerpoint/2010/main" val="2651136928"/>
+      </p:ext>
+    </p:extLst>
+  </p:cSld>
+  <p:clrMapOvr>
+    <a:masterClrMapping/>
+  </p:clrMapOvr>
+</p:sld>
+</file>
+
+<file path=ppt/slides/slide28.xml><?xml version="1.0" encoding="utf-8"?>
+<p:sld xmlns:a="http://schemas.openxmlformats.org/drawingml/2006/main" xmlns:r="http://schemas.openxmlformats.org/officeDocument/2006/relationships" xmlns:p="http://schemas.openxmlformats.org/presentationml/2006/main">
+  <p:cSld>
+    <p:spTree>
+      <p:nvGrpSpPr>
+        <p:cNvPr id="1" name=""/>
+        <p:cNvGrpSpPr/>
+        <p:nvPr/>
+      </p:nvGrpSpPr>
+      <p:grpSpPr>
+        <a:xfrm>
+          <a:off x="0" y="0"/>
+          <a:ext cx="0" cy="0"/>
+          <a:chOff x="0" y="0"/>
+          <a:chExt cx="0" cy="0"/>
+        </a:xfrm>
+      </p:grpSpPr>
+      <p:sp>
+        <p:nvSpPr>
+          <p:cNvPr id="2" name="Título 1">
+            <a:extLst>
+              <a:ext uri="{FF2B5EF4-FFF2-40B4-BE49-F238E27FC236}">
+                <a16:creationId xmlns:a16="http://schemas.microsoft.com/office/drawing/2014/main" id="{0614000E-8275-447C-884E-801EB290FCAF}"/>
+              </a:ext>
+            </a:extLst>
+          </p:cNvPr>
+          <p:cNvSpPr>
+            <a:spLocks noGrp="1"/>
+          </p:cNvSpPr>
+          <p:nvPr>
+            <p:ph type="title"/>
+          </p:nvPr>
+        </p:nvSpPr>
+        <p:spPr/>
+        <p:txBody>
+          <a:bodyPr anchor="t"/>
+          <a:lstStyle/>
+          <a:p>
+            <a:r>
+              <a:rPr lang="es-ES" dirty="0"/>
+              <a:t>13. </a:t>
+            </a:r>
+            <a:r>
+              <a:rPr lang="es-ES" dirty="0" err="1"/>
+              <a:t>Denbora</a:t>
+            </a:r>
+            <a:r>
+              <a:rPr lang="es-ES" dirty="0"/>
+              <a:t> </a:t>
+            </a:r>
+            <a:r>
+              <a:rPr lang="es-ES" dirty="0" err="1"/>
+              <a:t>Planifikazioa</a:t>
+            </a:r>
+            <a:br>
+              <a:rPr lang="es-ES" dirty="0"/>
+            </a:br>
+            <a:r>
+              <a:rPr lang="es-ES" sz="3200" dirty="0" err="1"/>
+              <a:t>Iterazioak</a:t>
             </a:r>
             <a:endParaRPr lang="es-ES" dirty="0"/>
           </a:p>
@@ -16170,7 +19730,7 @@
 </p:sld>
 </file>
 
-<file path=ppt/slides/slide28.xml><?xml version="1.0" encoding="utf-8"?>
+<file path=ppt/slides/slide29.xml><?xml version="1.0" encoding="utf-8"?>
 <p:sld xmlns:a="http://schemas.openxmlformats.org/drawingml/2006/main" xmlns:r="http://schemas.openxmlformats.org/officeDocument/2006/relationships" xmlns:p="http://schemas.openxmlformats.org/presentationml/2006/main">
   <p:cSld>
     <p:spTree>
@@ -16205,7 +19765,7 @@
         </p:nvSpPr>
         <p:spPr/>
         <p:txBody>
-          <a:bodyPr/>
+          <a:bodyPr anchor="t"/>
           <a:lstStyle/>
           <a:p>
             <a:r>
@@ -16223,6 +19783,17 @@
             <a:r>
               <a:rPr lang="es-ES" dirty="0" err="1"/>
               <a:t>Planifikazioa</a:t>
+            </a:r>
+            <a:br>
+              <a:rPr lang="es-ES" dirty="0"/>
+            </a:br>
+            <a:r>
+              <a:rPr lang="es-ES" sz="3200" dirty="0"/>
+              <a:t>LDE eta Gantt </a:t>
+            </a:r>
+            <a:r>
+              <a:rPr lang="es-ES" sz="3200" dirty="0" err="1"/>
+              <a:t>diagramak</a:t>
             </a:r>
             <a:endParaRPr lang="es-ES" dirty="0"/>
           </a:p>
@@ -16256,8 +19827,8 @@
         </p:blipFill>
         <p:spPr>
           <a:xfrm>
-            <a:off x="2740446" y="1368847"/>
-            <a:ext cx="7158928" cy="2358810"/>
+            <a:off x="2775956" y="1422113"/>
+            <a:ext cx="6989480" cy="2302978"/>
           </a:xfrm>
           <a:prstGeom prst="rect">
             <a:avLst/>
@@ -16313,7 +19884,280 @@
 </p:sld>
 </file>
 
-<file path=ppt/slides/slide29.xml><?xml version="1.0" encoding="utf-8"?>
+<file path=ppt/slides/slide3.xml><?xml version="1.0" encoding="utf-8"?>
+<p:sld xmlns:a="http://schemas.openxmlformats.org/drawingml/2006/main" xmlns:r="http://schemas.openxmlformats.org/officeDocument/2006/relationships" xmlns:p="http://schemas.openxmlformats.org/presentationml/2006/main">
+  <p:cSld>
+    <p:spTree>
+      <p:nvGrpSpPr>
+        <p:cNvPr id="1" name=""/>
+        <p:cNvGrpSpPr/>
+        <p:nvPr/>
+      </p:nvGrpSpPr>
+      <p:grpSpPr>
+        <a:xfrm>
+          <a:off x="0" y="0"/>
+          <a:ext cx="0" cy="0"/>
+          <a:chOff x="0" y="0"/>
+          <a:chExt cx="0" cy="0"/>
+        </a:xfrm>
+      </p:grpSpPr>
+      <p:sp>
+        <p:nvSpPr>
+          <p:cNvPr id="5" name="Título 4">
+            <a:extLst>
+              <a:ext uri="{FF2B5EF4-FFF2-40B4-BE49-F238E27FC236}">
+                <a16:creationId xmlns:a16="http://schemas.microsoft.com/office/drawing/2014/main" id="{F3748815-08DA-4880-A456-265A8820FA42}"/>
+              </a:ext>
+            </a:extLst>
+          </p:cNvPr>
+          <p:cNvSpPr>
+            <a:spLocks noGrp="1"/>
+          </p:cNvSpPr>
+          <p:nvPr>
+            <p:ph type="title"/>
+          </p:nvPr>
+        </p:nvSpPr>
+        <p:spPr/>
+        <p:txBody>
+          <a:bodyPr anchor="t"/>
+          <a:lstStyle/>
+          <a:p>
+            <a:r>
+              <a:rPr lang="es-ES" dirty="0"/>
+              <a:t>1. </a:t>
+            </a:r>
+            <a:r>
+              <a:rPr lang="es-ES" dirty="0" err="1"/>
+              <a:t>Sarrera</a:t>
+            </a:r>
+            <a:endParaRPr lang="es-ES" dirty="0"/>
+          </a:p>
+        </p:txBody>
+      </p:sp>
+      <p:sp>
+        <p:nvSpPr>
+          <p:cNvPr id="6" name="Marcador de contenido 5">
+            <a:extLst>
+              <a:ext uri="{FF2B5EF4-FFF2-40B4-BE49-F238E27FC236}">
+                <a16:creationId xmlns:a16="http://schemas.microsoft.com/office/drawing/2014/main" id="{16AE5108-6509-4D25-B65E-19A3343EFF98}"/>
+              </a:ext>
+            </a:extLst>
+          </p:cNvPr>
+          <p:cNvSpPr>
+            <a:spLocks noGrp="1"/>
+          </p:cNvSpPr>
+          <p:nvPr>
+            <p:ph idx="1"/>
+          </p:nvPr>
+        </p:nvSpPr>
+        <p:spPr/>
+        <p:txBody>
+          <a:bodyPr/>
+          <a:lstStyle/>
+          <a:p>
+            <a:r>
+              <a:rPr lang="es-ES" dirty="0" err="1"/>
+              <a:t>Proiektuaren</a:t>
+            </a:r>
+            <a:r>
+              <a:rPr lang="es-ES" dirty="0"/>
+              <a:t> </a:t>
+            </a:r>
+            <a:r>
+              <a:rPr lang="es-ES" dirty="0" err="1"/>
+              <a:t>webgunea</a:t>
+            </a:r>
+            <a:r>
+              <a:rPr lang="es-ES" dirty="0"/>
+              <a:t>: </a:t>
+            </a:r>
+            <a:r>
+              <a:rPr lang="es-ES" dirty="0">
+                <a:hlinkClick r:id="rId2"/>
+              </a:rPr>
+              <a:t>https://juletx.github.io/ProMeta/</a:t>
+            </a:r>
+            <a:endParaRPr lang="es-ES" dirty="0"/>
+          </a:p>
+          <a:p>
+            <a:endParaRPr lang="es-ES" dirty="0"/>
+          </a:p>
+          <a:p>
+            <a:pPr marL="0" indent="0">
+              <a:buNone/>
+            </a:pPr>
+            <a:endParaRPr lang="es-ES" dirty="0"/>
+          </a:p>
+          <a:p>
+            <a:endParaRPr lang="es-ES" dirty="0"/>
+          </a:p>
+          <a:p>
+            <a:pPr marL="0" indent="0">
+              <a:buNone/>
+            </a:pPr>
+            <a:endParaRPr lang="es-ES" dirty="0"/>
+          </a:p>
+          <a:p>
+            <a:pPr marL="0" indent="0">
+              <a:buNone/>
+            </a:pPr>
+            <a:endParaRPr lang="es-ES" dirty="0"/>
+          </a:p>
+          <a:p>
+            <a:pPr marL="0" indent="0">
+              <a:buNone/>
+            </a:pPr>
+            <a:r>
+              <a:rPr lang="es-ES" dirty="0"/>
+              <a:t>CCII-N2016-02</a:t>
+            </a:r>
+          </a:p>
+        </p:txBody>
+      </p:sp>
+      <p:pic>
+        <p:nvPicPr>
+          <p:cNvPr id="4" name="Imagen 3">
+            <a:extLst>
+              <a:ext uri="{FF2B5EF4-FFF2-40B4-BE49-F238E27FC236}">
+                <a16:creationId xmlns:a16="http://schemas.microsoft.com/office/drawing/2014/main" id="{EEC2E5C6-52D3-4DCC-BA0B-7DF22E49CCCD}"/>
+              </a:ext>
+            </a:extLst>
+          </p:cNvPr>
+          <p:cNvPicPr>
+            <a:picLocks noChangeAspect="1"/>
+          </p:cNvPicPr>
+          <p:nvPr/>
+        </p:nvPicPr>
+        <p:blipFill>
+          <a:blip r:embed="rId3"/>
+          <a:stretch>
+            <a:fillRect/>
+          </a:stretch>
+        </p:blipFill>
+        <p:spPr>
+          <a:xfrm>
+            <a:off x="4793677" y="2491050"/>
+            <a:ext cx="6794747" cy="3820850"/>
+          </a:xfrm>
+          <a:prstGeom prst="rect">
+            <a:avLst/>
+          </a:prstGeom>
+        </p:spPr>
+      </p:pic>
+      <p:pic>
+        <p:nvPicPr>
+          <p:cNvPr id="7" name="Imagen 6">
+            <a:extLst>
+              <a:ext uri="{FF2B5EF4-FFF2-40B4-BE49-F238E27FC236}">
+                <a16:creationId xmlns:a16="http://schemas.microsoft.com/office/drawing/2014/main" id="{11C0C8DB-740A-49DC-96FD-9F2A0A591242}"/>
+              </a:ext>
+            </a:extLst>
+          </p:cNvPr>
+          <p:cNvPicPr>
+            <a:picLocks noChangeAspect="1"/>
+          </p:cNvPicPr>
+          <p:nvPr/>
+        </p:nvPicPr>
+        <p:blipFill>
+          <a:blip r:embed="rId4" cstate="hqprint">
+            <a:extLst>
+              <a:ext uri="{28A0092B-C50C-407E-A947-70E740481C1C}">
+                <a14:useLocalDpi xmlns:a14="http://schemas.microsoft.com/office/drawing/2010/main" val="0"/>
+              </a:ext>
+            </a:extLst>
+          </a:blip>
+          <a:stretch>
+            <a:fillRect/>
+          </a:stretch>
+        </p:blipFill>
+        <p:spPr>
+          <a:xfrm>
+            <a:off x="1037453" y="2623557"/>
+            <a:ext cx="1888804" cy="944402"/>
+          </a:xfrm>
+          <a:prstGeom prst="rect">
+            <a:avLst/>
+          </a:prstGeom>
+        </p:spPr>
+      </p:pic>
+      <p:pic>
+        <p:nvPicPr>
+          <p:cNvPr id="8" name="Imagen 7">
+            <a:extLst>
+              <a:ext uri="{FF2B5EF4-FFF2-40B4-BE49-F238E27FC236}">
+                <a16:creationId xmlns:a16="http://schemas.microsoft.com/office/drawing/2014/main" id="{171CE065-B69E-4748-996F-36170CBF1EC5}"/>
+              </a:ext>
+            </a:extLst>
+          </p:cNvPr>
+          <p:cNvPicPr>
+            <a:picLocks noChangeAspect="1"/>
+          </p:cNvPicPr>
+          <p:nvPr/>
+        </p:nvPicPr>
+        <p:blipFill>
+          <a:blip r:embed="rId5">
+            <a:extLst>
+              <a:ext uri="{28A0092B-C50C-407E-A947-70E740481C1C}">
+                <a14:useLocalDpi xmlns:a14="http://schemas.microsoft.com/office/drawing/2010/main" val="0"/>
+              </a:ext>
+            </a:extLst>
+          </a:blip>
+          <a:stretch>
+            <a:fillRect/>
+          </a:stretch>
+        </p:blipFill>
+        <p:spPr>
+          <a:xfrm>
+            <a:off x="553937" y="3702896"/>
+            <a:ext cx="2855836" cy="1009969"/>
+          </a:xfrm>
+          <a:prstGeom prst="rect">
+            <a:avLst/>
+          </a:prstGeom>
+        </p:spPr>
+      </p:pic>
+      <p:graphicFrame>
+        <p:nvGraphicFramePr>
+          <p:cNvPr id="2" name="Diagrama 1">
+            <a:extLst>
+              <a:ext uri="{FF2B5EF4-FFF2-40B4-BE49-F238E27FC236}">
+                <a16:creationId xmlns:a16="http://schemas.microsoft.com/office/drawing/2014/main" id="{33CE304E-5397-4E87-87E6-943496288E80}"/>
+              </a:ext>
+            </a:extLst>
+          </p:cNvPr>
+          <p:cNvGraphicFramePr/>
+          <p:nvPr>
+            <p:extLst>
+              <p:ext uri="{D42A27DB-BD31-4B8C-83A1-F6EECF244321}">
+                <p14:modId xmlns:p14="http://schemas.microsoft.com/office/powerpoint/2010/main" val="4163328185"/>
+              </p:ext>
+            </p:extLst>
+          </p:nvPr>
+        </p:nvGraphicFramePr>
+        <p:xfrm>
+          <a:off x="8802809" y="365123"/>
+          <a:ext cx="2785615" cy="1325564"/>
+        </p:xfrm>
+        <a:graphic>
+          <a:graphicData uri="http://schemas.openxmlformats.org/drawingml/2006/diagram">
+            <dgm:relIds xmlns:dgm="http://schemas.openxmlformats.org/drawingml/2006/diagram" xmlns:r="http://schemas.openxmlformats.org/officeDocument/2006/relationships" r:dm="rId6" r:lo="rId7" r:qs="rId8" r:cs="rId9"/>
+          </a:graphicData>
+        </a:graphic>
+      </p:graphicFrame>
+    </p:spTree>
+    <p:extLst>
+      <p:ext uri="{BB962C8B-B14F-4D97-AF65-F5344CB8AC3E}">
+        <p14:creationId xmlns:p14="http://schemas.microsoft.com/office/powerpoint/2010/main" val="3408156560"/>
+      </p:ext>
+    </p:extLst>
+  </p:cSld>
+  <p:clrMapOvr>
+    <a:masterClrMapping/>
+  </p:clrMapOvr>
+</p:sld>
+</file>
+
+<file path=ppt/slides/slide30.xml><?xml version="1.0" encoding="utf-8"?>
 <p:sld xmlns:a="http://schemas.openxmlformats.org/drawingml/2006/main" xmlns:r="http://schemas.openxmlformats.org/officeDocument/2006/relationships" xmlns:p="http://schemas.openxmlformats.org/presentationml/2006/main">
   <p:cSld>
     <p:spTree>
@@ -16335,7 +20179,7 @@
           <p:cNvPr id="2" name="Título 1">
             <a:extLst>
               <a:ext uri="{FF2B5EF4-FFF2-40B4-BE49-F238E27FC236}">
-                <a16:creationId xmlns:a16="http://schemas.microsoft.com/office/drawing/2014/main" id="{3C276E45-DBBD-4426-B7E9-323A61651935}"/>
+                <a16:creationId xmlns:a16="http://schemas.microsoft.com/office/drawing/2014/main" id="{06848A1C-E830-4888-BB86-13182B24C27D}"/>
               </a:ext>
             </a:extLst>
           </p:cNvPr>
@@ -16348,7 +20192,7 @@
         </p:nvSpPr>
         <p:spPr/>
         <p:txBody>
-          <a:bodyPr/>
+          <a:bodyPr anchor="t"/>
           <a:lstStyle/>
           <a:p>
             <a:r>
@@ -16366,6 +20210,2217 @@
             <a:r>
               <a:rPr lang="es-ES" dirty="0" err="1"/>
               <a:t>Planifikazioa</a:t>
+            </a:r>
+            <a:br>
+              <a:rPr lang="es-ES" dirty="0"/>
+            </a:br>
+            <a:r>
+              <a:rPr lang="es-ES" sz="3200" dirty="0" err="1"/>
+              <a:t>Atazen</a:t>
+            </a:r>
+            <a:r>
+              <a:rPr lang="es-ES" sz="3200" dirty="0"/>
+              <a:t> </a:t>
+            </a:r>
+            <a:r>
+              <a:rPr lang="es-ES" sz="3200" dirty="0" err="1"/>
+              <a:t>denborak</a:t>
+            </a:r>
+            <a:endParaRPr lang="es-ES" dirty="0"/>
+          </a:p>
+        </p:txBody>
+      </p:sp>
+      <p:graphicFrame>
+        <p:nvGraphicFramePr>
+          <p:cNvPr id="5" name="Marcador de contenido 4">
+            <a:extLst>
+              <a:ext uri="{FF2B5EF4-FFF2-40B4-BE49-F238E27FC236}">
+                <a16:creationId xmlns:a16="http://schemas.microsoft.com/office/drawing/2014/main" id="{2479115B-C1DC-4AD7-A180-3A819FDF1360}"/>
+              </a:ext>
+            </a:extLst>
+          </p:cNvPr>
+          <p:cNvGraphicFramePr>
+            <a:graphicFrameLocks noGrp="1"/>
+          </p:cNvGraphicFramePr>
+          <p:nvPr>
+            <p:ph idx="1"/>
+            <p:extLst>
+              <p:ext uri="{D42A27DB-BD31-4B8C-83A1-F6EECF244321}">
+                <p14:modId xmlns:p14="http://schemas.microsoft.com/office/powerpoint/2010/main" val="3878240660"/>
+              </p:ext>
+            </p:extLst>
+          </p:nvPr>
+        </p:nvGraphicFramePr>
+        <p:xfrm>
+          <a:off x="4024080" y="1027906"/>
+          <a:ext cx="7765927" cy="5717220"/>
+        </p:xfrm>
+        <a:graphic>
+          <a:graphicData uri="http://schemas.openxmlformats.org/drawingml/2006/table">
+            <a:tbl>
+              <a:tblPr firstRow="1" firstCol="1" bandRow="1">
+                <a:tableStyleId>{616DA210-FB5B-4158-B5E0-FEB733F419BA}</a:tableStyleId>
+              </a:tblPr>
+              <a:tblGrid>
+                <a:gridCol w="4090571">
+                  <a:extLst>
+                    <a:ext uri="{9D8B030D-6E8A-4147-A177-3AD203B41FA5}">
+                      <a16:colId xmlns:a16="http://schemas.microsoft.com/office/drawing/2014/main" val="4270725907"/>
+                    </a:ext>
+                  </a:extLst>
+                </a:gridCol>
+                <a:gridCol w="1970843">
+                  <a:extLst>
+                    <a:ext uri="{9D8B030D-6E8A-4147-A177-3AD203B41FA5}">
+                      <a16:colId xmlns:a16="http://schemas.microsoft.com/office/drawing/2014/main" val="2354626858"/>
+                    </a:ext>
+                  </a:extLst>
+                </a:gridCol>
+                <a:gridCol w="1704513">
+                  <a:extLst>
+                    <a:ext uri="{9D8B030D-6E8A-4147-A177-3AD203B41FA5}">
+                      <a16:colId xmlns:a16="http://schemas.microsoft.com/office/drawing/2014/main" val="1931427381"/>
+                    </a:ext>
+                  </a:extLst>
+                </a:gridCol>
+              </a:tblGrid>
+              <a:tr h="341832">
+                <a:tc>
+                  <a:txBody>
+                    <a:bodyPr/>
+                    <a:lstStyle/>
+                    <a:p>
+                      <a:pPr>
+                        <a:lnSpc>
+                          <a:spcPct val="115000"/>
+                        </a:lnSpc>
+                        <a:spcAft>
+                          <a:spcPts val="600"/>
+                        </a:spcAft>
+                      </a:pPr>
+                      <a:r>
+                        <a:rPr lang="eu-ES" sz="1600" dirty="0">
+                          <a:effectLst/>
+                        </a:rPr>
+                        <a:t>Izena</a:t>
+                      </a:r>
+                      <a:endParaRPr lang="es-ES" sz="1800" dirty="0">
+                        <a:effectLst/>
+                        <a:latin typeface="Calibri" panose="020F0502020204030204" pitchFamily="34" charset="0"/>
+                        <a:ea typeface="Times New Roman" panose="02020603050405020304" pitchFamily="18" charset="0"/>
+                        <a:cs typeface="Times New Roman" panose="02020603050405020304" pitchFamily="18" charset="0"/>
+                      </a:endParaRPr>
+                    </a:p>
+                  </a:txBody>
+                  <a:tcPr marL="44450" marR="44450" marT="0" marB="0" anchor="ctr"/>
+                </a:tc>
+                <a:tc>
+                  <a:txBody>
+                    <a:bodyPr/>
+                    <a:lstStyle/>
+                    <a:p>
+                      <a:pPr>
+                        <a:lnSpc>
+                          <a:spcPct val="115000"/>
+                        </a:lnSpc>
+                        <a:spcAft>
+                          <a:spcPts val="600"/>
+                        </a:spcAft>
+                      </a:pPr>
+                      <a:r>
+                        <a:rPr lang="eu-ES" sz="1600" dirty="0">
+                          <a:effectLst/>
+                        </a:rPr>
+                        <a:t>Estimatutako orduak</a:t>
+                      </a:r>
+                      <a:endParaRPr lang="es-ES" sz="1800" dirty="0">
+                        <a:effectLst/>
+                        <a:latin typeface="Calibri" panose="020F0502020204030204" pitchFamily="34" charset="0"/>
+                        <a:ea typeface="Times New Roman" panose="02020603050405020304" pitchFamily="18" charset="0"/>
+                        <a:cs typeface="Times New Roman" panose="02020603050405020304" pitchFamily="18" charset="0"/>
+                      </a:endParaRPr>
+                    </a:p>
+                  </a:txBody>
+                  <a:tcPr marL="44450" marR="44450" marT="0" marB="0" anchor="ctr"/>
+                </a:tc>
+                <a:tc>
+                  <a:txBody>
+                    <a:bodyPr/>
+                    <a:lstStyle/>
+                    <a:p>
+                      <a:pPr>
+                        <a:lnSpc>
+                          <a:spcPct val="115000"/>
+                        </a:lnSpc>
+                        <a:spcAft>
+                          <a:spcPts val="600"/>
+                        </a:spcAft>
+                      </a:pPr>
+                      <a:r>
+                        <a:rPr lang="eu-ES" sz="1600" dirty="0">
+                          <a:effectLst/>
+                        </a:rPr>
+                        <a:t>Benetako orduak</a:t>
+                      </a:r>
+                      <a:endParaRPr lang="es-ES" sz="1800" dirty="0">
+                        <a:effectLst/>
+                        <a:latin typeface="Calibri" panose="020F0502020204030204" pitchFamily="34" charset="0"/>
+                        <a:ea typeface="Times New Roman" panose="02020603050405020304" pitchFamily="18" charset="0"/>
+                        <a:cs typeface="Times New Roman" panose="02020603050405020304" pitchFamily="18" charset="0"/>
+                      </a:endParaRPr>
+                    </a:p>
+                  </a:txBody>
+                  <a:tcPr marL="44450" marR="44450" marT="0" marB="0" anchor="ctr"/>
+                </a:tc>
+                <a:extLst>
+                  <a:ext uri="{0D108BD9-81ED-4DB2-BD59-A6C34878D82A}">
+                    <a16:rowId xmlns:a16="http://schemas.microsoft.com/office/drawing/2014/main" val="3035991568"/>
+                  </a:ext>
+                </a:extLst>
+              </a:tr>
+              <a:tr h="266702">
+                <a:tc>
+                  <a:txBody>
+                    <a:bodyPr/>
+                    <a:lstStyle/>
+                    <a:p>
+                      <a:pPr>
+                        <a:lnSpc>
+                          <a:spcPct val="115000"/>
+                        </a:lnSpc>
+                        <a:spcAft>
+                          <a:spcPts val="600"/>
+                        </a:spcAft>
+                      </a:pPr>
+                      <a:r>
+                        <a:rPr lang="es-ES" sz="1600" b="1" dirty="0" err="1">
+                          <a:effectLst/>
+                        </a:rPr>
+                        <a:t>Dokumentazioa</a:t>
+                      </a:r>
+                      <a:endParaRPr lang="es-ES" sz="1600" b="1" dirty="0">
+                        <a:effectLst/>
+                        <a:latin typeface="Calibri" panose="020F0502020204030204" pitchFamily="34" charset="0"/>
+                        <a:ea typeface="Times New Roman" panose="02020603050405020304" pitchFamily="18" charset="0"/>
+                        <a:cs typeface="Times New Roman" panose="02020603050405020304" pitchFamily="18" charset="0"/>
+                      </a:endParaRPr>
+                    </a:p>
+                  </a:txBody>
+                  <a:tcPr marL="44450" marR="44450" marT="0" marB="0" anchor="ctr"/>
+                </a:tc>
+                <a:tc>
+                  <a:txBody>
+                    <a:bodyPr/>
+                    <a:lstStyle/>
+                    <a:p>
+                      <a:pPr algn="ctr">
+                        <a:lnSpc>
+                          <a:spcPct val="115000"/>
+                        </a:lnSpc>
+                        <a:spcAft>
+                          <a:spcPts val="600"/>
+                        </a:spcAft>
+                      </a:pPr>
+                      <a:r>
+                        <a:rPr lang="es-ES" sz="1600" b="1" dirty="0">
+                          <a:effectLst/>
+                        </a:rPr>
+                        <a:t>145</a:t>
+                      </a:r>
+                      <a:endParaRPr lang="es-ES" sz="1600" b="1" dirty="0">
+                        <a:effectLst/>
+                        <a:latin typeface="Calibri" panose="020F0502020204030204" pitchFamily="34" charset="0"/>
+                        <a:ea typeface="Times New Roman" panose="02020603050405020304" pitchFamily="18" charset="0"/>
+                        <a:cs typeface="Times New Roman" panose="02020603050405020304" pitchFamily="18" charset="0"/>
+                      </a:endParaRPr>
+                    </a:p>
+                  </a:txBody>
+                  <a:tcPr marL="44450" marR="44450" marT="0" marB="0" anchor="ctr"/>
+                </a:tc>
+                <a:tc>
+                  <a:txBody>
+                    <a:bodyPr/>
+                    <a:lstStyle/>
+                    <a:p>
+                      <a:pPr algn="ctr">
+                        <a:lnSpc>
+                          <a:spcPct val="115000"/>
+                        </a:lnSpc>
+                        <a:spcAft>
+                          <a:spcPts val="600"/>
+                        </a:spcAft>
+                      </a:pPr>
+                      <a:r>
+                        <a:rPr lang="es-ES" sz="1600" b="1" dirty="0">
+                          <a:effectLst/>
+                        </a:rPr>
+                        <a:t>120</a:t>
+                      </a:r>
+                      <a:endParaRPr lang="es-ES" sz="1600" b="1" dirty="0">
+                        <a:effectLst/>
+                        <a:latin typeface="Calibri" panose="020F0502020204030204" pitchFamily="34" charset="0"/>
+                        <a:ea typeface="Times New Roman" panose="02020603050405020304" pitchFamily="18" charset="0"/>
+                        <a:cs typeface="Times New Roman" panose="02020603050405020304" pitchFamily="18" charset="0"/>
+                      </a:endParaRPr>
+                    </a:p>
+                  </a:txBody>
+                  <a:tcPr marL="44450" marR="44450" marT="0" marB="0" anchor="ctr"/>
+                </a:tc>
+                <a:extLst>
+                  <a:ext uri="{0D108BD9-81ED-4DB2-BD59-A6C34878D82A}">
+                    <a16:rowId xmlns:a16="http://schemas.microsoft.com/office/drawing/2014/main" val="1094854073"/>
+                  </a:ext>
+                </a:extLst>
+              </a:tr>
+              <a:tr h="266702">
+                <a:tc>
+                  <a:txBody>
+                    <a:bodyPr/>
+                    <a:lstStyle/>
+                    <a:p>
+                      <a:pPr>
+                        <a:lnSpc>
+                          <a:spcPct val="115000"/>
+                        </a:lnSpc>
+                        <a:spcAft>
+                          <a:spcPts val="600"/>
+                        </a:spcAft>
+                      </a:pPr>
+                      <a:r>
+                        <a:rPr lang="eu-ES" sz="1400" b="0" dirty="0">
+                          <a:effectLst/>
+                        </a:rPr>
+                        <a:t>Dokumentazioa - Webgunea</a:t>
+                      </a:r>
+                      <a:endParaRPr lang="es-ES" sz="1600" b="0" dirty="0">
+                        <a:effectLst/>
+                        <a:latin typeface="Calibri" panose="020F0502020204030204" pitchFamily="34" charset="0"/>
+                        <a:ea typeface="Times New Roman" panose="02020603050405020304" pitchFamily="18" charset="0"/>
+                        <a:cs typeface="Times New Roman" panose="02020603050405020304" pitchFamily="18" charset="0"/>
+                      </a:endParaRPr>
+                    </a:p>
+                  </a:txBody>
+                  <a:tcPr marL="44450" marR="44450" marT="0" marB="0" anchor="ctr"/>
+                </a:tc>
+                <a:tc>
+                  <a:txBody>
+                    <a:bodyPr/>
+                    <a:lstStyle/>
+                    <a:p>
+                      <a:pPr algn="ctr">
+                        <a:lnSpc>
+                          <a:spcPct val="115000"/>
+                        </a:lnSpc>
+                        <a:spcAft>
+                          <a:spcPts val="600"/>
+                        </a:spcAft>
+                      </a:pPr>
+                      <a:r>
+                        <a:rPr lang="eu-ES" sz="1400" b="0" dirty="0">
+                          <a:effectLst/>
+                        </a:rPr>
+                        <a:t> 20</a:t>
+                      </a:r>
+                      <a:endParaRPr lang="es-ES" sz="1600" b="0" dirty="0">
+                        <a:effectLst/>
+                        <a:latin typeface="Calibri" panose="020F0502020204030204" pitchFamily="34" charset="0"/>
+                        <a:ea typeface="Times New Roman" panose="02020603050405020304" pitchFamily="18" charset="0"/>
+                        <a:cs typeface="Times New Roman" panose="02020603050405020304" pitchFamily="18" charset="0"/>
+                      </a:endParaRPr>
+                    </a:p>
+                  </a:txBody>
+                  <a:tcPr marL="44450" marR="44450" marT="0" marB="0" anchor="ctr"/>
+                </a:tc>
+                <a:tc>
+                  <a:txBody>
+                    <a:bodyPr/>
+                    <a:lstStyle/>
+                    <a:p>
+                      <a:pPr algn="ctr">
+                        <a:lnSpc>
+                          <a:spcPct val="115000"/>
+                        </a:lnSpc>
+                        <a:spcAft>
+                          <a:spcPts val="600"/>
+                        </a:spcAft>
+                      </a:pPr>
+                      <a:r>
+                        <a:rPr lang="eu-ES" sz="1400" b="0" dirty="0">
+                          <a:effectLst/>
+                        </a:rPr>
+                        <a:t>18</a:t>
+                      </a:r>
+                      <a:endParaRPr lang="es-ES" sz="1600" b="0" dirty="0">
+                        <a:effectLst/>
+                        <a:latin typeface="Calibri" panose="020F0502020204030204" pitchFamily="34" charset="0"/>
+                        <a:ea typeface="Times New Roman" panose="02020603050405020304" pitchFamily="18" charset="0"/>
+                        <a:cs typeface="Times New Roman" panose="02020603050405020304" pitchFamily="18" charset="0"/>
+                      </a:endParaRPr>
+                    </a:p>
+                  </a:txBody>
+                  <a:tcPr marL="44450" marR="44450" marT="0" marB="0" anchor="ctr"/>
+                </a:tc>
+                <a:extLst>
+                  <a:ext uri="{0D108BD9-81ED-4DB2-BD59-A6C34878D82A}">
+                    <a16:rowId xmlns:a16="http://schemas.microsoft.com/office/drawing/2014/main" val="1884988798"/>
+                  </a:ext>
+                </a:extLst>
+              </a:tr>
+              <a:tr h="266702">
+                <a:tc>
+                  <a:txBody>
+                    <a:bodyPr/>
+                    <a:lstStyle/>
+                    <a:p>
+                      <a:pPr>
+                        <a:lnSpc>
+                          <a:spcPct val="115000"/>
+                        </a:lnSpc>
+                        <a:spcAft>
+                          <a:spcPts val="600"/>
+                        </a:spcAft>
+                      </a:pPr>
+                      <a:r>
+                        <a:rPr lang="eu-ES" sz="1400" b="0" dirty="0">
+                          <a:effectLst/>
+                        </a:rPr>
+                        <a:t>Dokumentazioa - Posterra</a:t>
+                      </a:r>
+                      <a:endParaRPr lang="es-ES" sz="1600" b="0" dirty="0">
+                        <a:effectLst/>
+                        <a:latin typeface="Calibri" panose="020F0502020204030204" pitchFamily="34" charset="0"/>
+                        <a:ea typeface="Times New Roman" panose="02020603050405020304" pitchFamily="18" charset="0"/>
+                        <a:cs typeface="Times New Roman" panose="02020603050405020304" pitchFamily="18" charset="0"/>
+                      </a:endParaRPr>
+                    </a:p>
+                  </a:txBody>
+                  <a:tcPr marL="44450" marR="44450" marT="0" marB="0" anchor="ctr"/>
+                </a:tc>
+                <a:tc>
+                  <a:txBody>
+                    <a:bodyPr/>
+                    <a:lstStyle/>
+                    <a:p>
+                      <a:pPr algn="ctr">
+                        <a:lnSpc>
+                          <a:spcPct val="115000"/>
+                        </a:lnSpc>
+                        <a:spcAft>
+                          <a:spcPts val="600"/>
+                        </a:spcAft>
+                      </a:pPr>
+                      <a:r>
+                        <a:rPr lang="eu-ES" sz="1400" b="0" dirty="0">
+                          <a:effectLst/>
+                        </a:rPr>
+                        <a:t> 5</a:t>
+                      </a:r>
+                      <a:endParaRPr lang="es-ES" sz="1600" b="0" dirty="0">
+                        <a:effectLst/>
+                        <a:latin typeface="Calibri" panose="020F0502020204030204" pitchFamily="34" charset="0"/>
+                        <a:ea typeface="Times New Roman" panose="02020603050405020304" pitchFamily="18" charset="0"/>
+                        <a:cs typeface="Times New Roman" panose="02020603050405020304" pitchFamily="18" charset="0"/>
+                      </a:endParaRPr>
+                    </a:p>
+                  </a:txBody>
+                  <a:tcPr marL="44450" marR="44450" marT="0" marB="0" anchor="ctr"/>
+                </a:tc>
+                <a:tc>
+                  <a:txBody>
+                    <a:bodyPr/>
+                    <a:lstStyle/>
+                    <a:p>
+                      <a:pPr algn="ctr">
+                        <a:lnSpc>
+                          <a:spcPct val="115000"/>
+                        </a:lnSpc>
+                        <a:spcAft>
+                          <a:spcPts val="600"/>
+                        </a:spcAft>
+                      </a:pPr>
+                      <a:r>
+                        <a:rPr lang="eu-ES" sz="1400" b="0" dirty="0">
+                          <a:effectLst/>
+                        </a:rPr>
+                        <a:t> 5</a:t>
+                      </a:r>
+                      <a:endParaRPr lang="es-ES" sz="1600" b="0" dirty="0">
+                        <a:effectLst/>
+                        <a:latin typeface="Calibri" panose="020F0502020204030204" pitchFamily="34" charset="0"/>
+                        <a:ea typeface="Times New Roman" panose="02020603050405020304" pitchFamily="18" charset="0"/>
+                        <a:cs typeface="Times New Roman" panose="02020603050405020304" pitchFamily="18" charset="0"/>
+                      </a:endParaRPr>
+                    </a:p>
+                  </a:txBody>
+                  <a:tcPr marL="44450" marR="44450" marT="0" marB="0" anchor="ctr"/>
+                </a:tc>
+                <a:extLst>
+                  <a:ext uri="{0D108BD9-81ED-4DB2-BD59-A6C34878D82A}">
+                    <a16:rowId xmlns:a16="http://schemas.microsoft.com/office/drawing/2014/main" val="3180447259"/>
+                  </a:ext>
+                </a:extLst>
+              </a:tr>
+              <a:tr h="266702">
+                <a:tc>
+                  <a:txBody>
+                    <a:bodyPr/>
+                    <a:lstStyle/>
+                    <a:p>
+                      <a:pPr>
+                        <a:lnSpc>
+                          <a:spcPct val="115000"/>
+                        </a:lnSpc>
+                        <a:spcAft>
+                          <a:spcPts val="600"/>
+                        </a:spcAft>
+                      </a:pPr>
+                      <a:r>
+                        <a:rPr lang="eu-ES" sz="1400" b="0" dirty="0">
+                          <a:effectLst/>
+                        </a:rPr>
+                        <a:t>Dokumentazioa - Aurkezpena</a:t>
+                      </a:r>
+                      <a:endParaRPr lang="es-ES" sz="1600" b="0" dirty="0">
+                        <a:effectLst/>
+                        <a:latin typeface="Calibri" panose="020F0502020204030204" pitchFamily="34" charset="0"/>
+                        <a:ea typeface="Times New Roman" panose="02020603050405020304" pitchFamily="18" charset="0"/>
+                        <a:cs typeface="Times New Roman" panose="02020603050405020304" pitchFamily="18" charset="0"/>
+                      </a:endParaRPr>
+                    </a:p>
+                  </a:txBody>
+                  <a:tcPr marL="44450" marR="44450" marT="0" marB="0" anchor="ctr"/>
+                </a:tc>
+                <a:tc>
+                  <a:txBody>
+                    <a:bodyPr/>
+                    <a:lstStyle/>
+                    <a:p>
+                      <a:pPr algn="ctr">
+                        <a:lnSpc>
+                          <a:spcPct val="115000"/>
+                        </a:lnSpc>
+                        <a:spcAft>
+                          <a:spcPts val="600"/>
+                        </a:spcAft>
+                      </a:pPr>
+                      <a:r>
+                        <a:rPr lang="eu-ES" sz="1400" b="0" dirty="0">
+                          <a:effectLst/>
+                        </a:rPr>
+                        <a:t> 20</a:t>
+                      </a:r>
+                      <a:endParaRPr lang="es-ES" sz="1600" b="0" dirty="0">
+                        <a:effectLst/>
+                        <a:latin typeface="Calibri" panose="020F0502020204030204" pitchFamily="34" charset="0"/>
+                        <a:ea typeface="Times New Roman" panose="02020603050405020304" pitchFamily="18" charset="0"/>
+                        <a:cs typeface="Times New Roman" panose="02020603050405020304" pitchFamily="18" charset="0"/>
+                      </a:endParaRPr>
+                    </a:p>
+                  </a:txBody>
+                  <a:tcPr marL="44450" marR="44450" marT="0" marB="0" anchor="ctr"/>
+                </a:tc>
+                <a:tc>
+                  <a:txBody>
+                    <a:bodyPr/>
+                    <a:lstStyle/>
+                    <a:p>
+                      <a:pPr algn="ctr">
+                        <a:lnSpc>
+                          <a:spcPct val="115000"/>
+                        </a:lnSpc>
+                        <a:spcAft>
+                          <a:spcPts val="600"/>
+                        </a:spcAft>
+                      </a:pPr>
+                      <a:r>
+                        <a:rPr lang="eu-ES" sz="1400" b="0">
+                          <a:effectLst/>
+                        </a:rPr>
+                        <a:t> -</a:t>
+                      </a:r>
+                      <a:endParaRPr lang="es-ES" sz="1600" b="0">
+                        <a:effectLst/>
+                        <a:latin typeface="Calibri" panose="020F0502020204030204" pitchFamily="34" charset="0"/>
+                        <a:ea typeface="Times New Roman" panose="02020603050405020304" pitchFamily="18" charset="0"/>
+                        <a:cs typeface="Times New Roman" panose="02020603050405020304" pitchFamily="18" charset="0"/>
+                      </a:endParaRPr>
+                    </a:p>
+                  </a:txBody>
+                  <a:tcPr marL="44450" marR="44450" marT="0" marB="0" anchor="ctr"/>
+                </a:tc>
+                <a:extLst>
+                  <a:ext uri="{0D108BD9-81ED-4DB2-BD59-A6C34878D82A}">
+                    <a16:rowId xmlns:a16="http://schemas.microsoft.com/office/drawing/2014/main" val="3958123300"/>
+                  </a:ext>
+                </a:extLst>
+              </a:tr>
+              <a:tr h="266702">
+                <a:tc>
+                  <a:txBody>
+                    <a:bodyPr/>
+                    <a:lstStyle/>
+                    <a:p>
+                      <a:pPr>
+                        <a:lnSpc>
+                          <a:spcPct val="115000"/>
+                        </a:lnSpc>
+                        <a:spcAft>
+                          <a:spcPts val="600"/>
+                        </a:spcAft>
+                      </a:pPr>
+                      <a:r>
+                        <a:rPr lang="eu-ES" sz="1400" b="0" dirty="0">
+                          <a:effectLst/>
+                        </a:rPr>
+                        <a:t>Dokumentazioa - Memoria</a:t>
+                      </a:r>
+                      <a:endParaRPr lang="es-ES" sz="1600" b="0" dirty="0">
+                        <a:effectLst/>
+                        <a:latin typeface="Calibri" panose="020F0502020204030204" pitchFamily="34" charset="0"/>
+                        <a:ea typeface="Times New Roman" panose="02020603050405020304" pitchFamily="18" charset="0"/>
+                        <a:cs typeface="Times New Roman" panose="02020603050405020304" pitchFamily="18" charset="0"/>
+                      </a:endParaRPr>
+                    </a:p>
+                  </a:txBody>
+                  <a:tcPr marL="44450" marR="44450" marT="0" marB="0" anchor="ctr"/>
+                </a:tc>
+                <a:tc>
+                  <a:txBody>
+                    <a:bodyPr/>
+                    <a:lstStyle/>
+                    <a:p>
+                      <a:pPr algn="ctr">
+                        <a:lnSpc>
+                          <a:spcPct val="115000"/>
+                        </a:lnSpc>
+                        <a:spcAft>
+                          <a:spcPts val="600"/>
+                        </a:spcAft>
+                      </a:pPr>
+                      <a:r>
+                        <a:rPr lang="eu-ES" sz="1400" b="0" dirty="0">
+                          <a:effectLst/>
+                        </a:rPr>
+                        <a:t> 100</a:t>
+                      </a:r>
+                      <a:endParaRPr lang="es-ES" sz="1600" b="0" dirty="0">
+                        <a:effectLst/>
+                        <a:latin typeface="Calibri" panose="020F0502020204030204" pitchFamily="34" charset="0"/>
+                        <a:ea typeface="Times New Roman" panose="02020603050405020304" pitchFamily="18" charset="0"/>
+                        <a:cs typeface="Times New Roman" panose="02020603050405020304" pitchFamily="18" charset="0"/>
+                      </a:endParaRPr>
+                    </a:p>
+                  </a:txBody>
+                  <a:tcPr marL="44450" marR="44450" marT="0" marB="0" anchor="ctr"/>
+                </a:tc>
+                <a:tc>
+                  <a:txBody>
+                    <a:bodyPr/>
+                    <a:lstStyle/>
+                    <a:p>
+                      <a:pPr algn="ctr">
+                        <a:lnSpc>
+                          <a:spcPct val="115000"/>
+                        </a:lnSpc>
+                        <a:spcAft>
+                          <a:spcPts val="600"/>
+                        </a:spcAft>
+                      </a:pPr>
+                      <a:r>
+                        <a:rPr lang="eu-ES" sz="1400" b="0" dirty="0">
+                          <a:effectLst/>
+                        </a:rPr>
+                        <a:t> 97</a:t>
+                      </a:r>
+                      <a:endParaRPr lang="es-ES" sz="1600" b="0" dirty="0">
+                        <a:effectLst/>
+                        <a:latin typeface="Calibri" panose="020F0502020204030204" pitchFamily="34" charset="0"/>
+                        <a:ea typeface="Times New Roman" panose="02020603050405020304" pitchFamily="18" charset="0"/>
+                        <a:cs typeface="Times New Roman" panose="02020603050405020304" pitchFamily="18" charset="0"/>
+                      </a:endParaRPr>
+                    </a:p>
+                  </a:txBody>
+                  <a:tcPr marL="44450" marR="44450" marT="0" marB="0" anchor="ctr"/>
+                </a:tc>
+                <a:extLst>
+                  <a:ext uri="{0D108BD9-81ED-4DB2-BD59-A6C34878D82A}">
+                    <a16:rowId xmlns:a16="http://schemas.microsoft.com/office/drawing/2014/main" val="2356923161"/>
+                  </a:ext>
+                </a:extLst>
+              </a:tr>
+              <a:tr h="266702">
+                <a:tc>
+                  <a:txBody>
+                    <a:bodyPr/>
+                    <a:lstStyle/>
+                    <a:p>
+                      <a:pPr>
+                        <a:lnSpc>
+                          <a:spcPct val="115000"/>
+                        </a:lnSpc>
+                        <a:spcAft>
+                          <a:spcPts val="600"/>
+                        </a:spcAft>
+                      </a:pPr>
+                      <a:r>
+                        <a:rPr lang="es-ES" sz="1600" b="1" dirty="0" err="1">
+                          <a:effectLst/>
+                        </a:rPr>
+                        <a:t>Memoriaren</a:t>
+                      </a:r>
+                      <a:r>
+                        <a:rPr lang="es-ES" sz="1600" b="1" dirty="0">
+                          <a:effectLst/>
+                        </a:rPr>
+                        <a:t> </a:t>
+                      </a:r>
+                      <a:r>
+                        <a:rPr lang="es-ES" sz="1600" b="1" dirty="0" err="1">
+                          <a:effectLst/>
+                        </a:rPr>
+                        <a:t>Eranskinak</a:t>
+                      </a:r>
+                      <a:endParaRPr lang="es-ES" sz="1600" b="1" dirty="0">
+                        <a:effectLst/>
+                        <a:latin typeface="Calibri" panose="020F0502020204030204" pitchFamily="34" charset="0"/>
+                        <a:ea typeface="Times New Roman" panose="02020603050405020304" pitchFamily="18" charset="0"/>
+                        <a:cs typeface="Times New Roman" panose="02020603050405020304" pitchFamily="18" charset="0"/>
+                      </a:endParaRPr>
+                    </a:p>
+                  </a:txBody>
+                  <a:tcPr marL="44450" marR="44450" marT="0" marB="0" anchor="ctr"/>
+                </a:tc>
+                <a:tc>
+                  <a:txBody>
+                    <a:bodyPr/>
+                    <a:lstStyle/>
+                    <a:p>
+                      <a:pPr algn="ctr">
+                        <a:lnSpc>
+                          <a:spcPct val="115000"/>
+                        </a:lnSpc>
+                        <a:spcAft>
+                          <a:spcPts val="600"/>
+                        </a:spcAft>
+                      </a:pPr>
+                      <a:r>
+                        <a:rPr lang="es-ES" sz="1600" b="1" dirty="0">
+                          <a:effectLst/>
+                        </a:rPr>
+                        <a:t>40</a:t>
+                      </a:r>
+                      <a:endParaRPr lang="es-ES" sz="1600" b="1" dirty="0">
+                        <a:effectLst/>
+                        <a:latin typeface="Calibri" panose="020F0502020204030204" pitchFamily="34" charset="0"/>
+                        <a:ea typeface="Times New Roman" panose="02020603050405020304" pitchFamily="18" charset="0"/>
+                        <a:cs typeface="Times New Roman" panose="02020603050405020304" pitchFamily="18" charset="0"/>
+                      </a:endParaRPr>
+                    </a:p>
+                  </a:txBody>
+                  <a:tcPr marL="44450" marR="44450" marT="0" marB="0" anchor="ctr"/>
+                </a:tc>
+                <a:tc>
+                  <a:txBody>
+                    <a:bodyPr/>
+                    <a:lstStyle/>
+                    <a:p>
+                      <a:pPr algn="ctr">
+                        <a:lnSpc>
+                          <a:spcPct val="115000"/>
+                        </a:lnSpc>
+                        <a:spcAft>
+                          <a:spcPts val="600"/>
+                        </a:spcAft>
+                      </a:pPr>
+                      <a:r>
+                        <a:rPr lang="es-ES" sz="1600" b="1" dirty="0">
+                          <a:effectLst/>
+                        </a:rPr>
+                        <a:t>27</a:t>
+                      </a:r>
+                      <a:endParaRPr lang="es-ES" sz="1600" b="1" dirty="0">
+                        <a:effectLst/>
+                        <a:latin typeface="Calibri" panose="020F0502020204030204" pitchFamily="34" charset="0"/>
+                        <a:ea typeface="Times New Roman" panose="02020603050405020304" pitchFamily="18" charset="0"/>
+                        <a:cs typeface="Times New Roman" panose="02020603050405020304" pitchFamily="18" charset="0"/>
+                      </a:endParaRPr>
+                    </a:p>
+                  </a:txBody>
+                  <a:tcPr marL="44450" marR="44450" marT="0" marB="0" anchor="ctr"/>
+                </a:tc>
+                <a:extLst>
+                  <a:ext uri="{0D108BD9-81ED-4DB2-BD59-A6C34878D82A}">
+                    <a16:rowId xmlns:a16="http://schemas.microsoft.com/office/drawing/2014/main" val="3343322057"/>
+                  </a:ext>
+                </a:extLst>
+              </a:tr>
+              <a:tr h="266702">
+                <a:tc>
+                  <a:txBody>
+                    <a:bodyPr/>
+                    <a:lstStyle/>
+                    <a:p>
+                      <a:pPr>
+                        <a:lnSpc>
+                          <a:spcPct val="115000"/>
+                        </a:lnSpc>
+                        <a:spcAft>
+                          <a:spcPts val="600"/>
+                        </a:spcAft>
+                      </a:pPr>
+                      <a:r>
+                        <a:rPr lang="eu-ES" sz="1400" b="0" dirty="0">
+                          <a:effectLst/>
+                        </a:rPr>
+                        <a:t>Memoriaren Eranskinak - </a:t>
+                      </a:r>
+                      <a:r>
+                        <a:rPr lang="eu-ES" sz="1400" b="0" dirty="0" err="1">
+                          <a:effectLst/>
+                        </a:rPr>
+                        <a:t>OpenUP</a:t>
+                      </a:r>
+                      <a:endParaRPr lang="es-ES" sz="1600" b="0" dirty="0">
+                        <a:effectLst/>
+                        <a:latin typeface="Calibri" panose="020F0502020204030204" pitchFamily="34" charset="0"/>
+                        <a:ea typeface="Times New Roman" panose="02020603050405020304" pitchFamily="18" charset="0"/>
+                        <a:cs typeface="Times New Roman" panose="02020603050405020304" pitchFamily="18" charset="0"/>
+                      </a:endParaRPr>
+                    </a:p>
+                  </a:txBody>
+                  <a:tcPr marL="44450" marR="44450" marT="0" marB="0" anchor="ctr"/>
+                </a:tc>
+                <a:tc>
+                  <a:txBody>
+                    <a:bodyPr/>
+                    <a:lstStyle/>
+                    <a:p>
+                      <a:pPr algn="ctr">
+                        <a:lnSpc>
+                          <a:spcPct val="115000"/>
+                        </a:lnSpc>
+                        <a:spcAft>
+                          <a:spcPts val="600"/>
+                        </a:spcAft>
+                      </a:pPr>
+                      <a:r>
+                        <a:rPr lang="eu-ES" sz="1400" dirty="0">
+                          <a:effectLst/>
+                        </a:rPr>
+                        <a:t> 10</a:t>
+                      </a:r>
+                      <a:endParaRPr lang="es-ES" sz="1600" dirty="0">
+                        <a:effectLst/>
+                        <a:latin typeface="Calibri" panose="020F0502020204030204" pitchFamily="34" charset="0"/>
+                        <a:ea typeface="Times New Roman" panose="02020603050405020304" pitchFamily="18" charset="0"/>
+                        <a:cs typeface="Times New Roman" panose="02020603050405020304" pitchFamily="18" charset="0"/>
+                      </a:endParaRPr>
+                    </a:p>
+                  </a:txBody>
+                  <a:tcPr marL="44450" marR="44450" marT="0" marB="0" anchor="ctr"/>
+                </a:tc>
+                <a:tc>
+                  <a:txBody>
+                    <a:bodyPr/>
+                    <a:lstStyle/>
+                    <a:p>
+                      <a:pPr algn="ctr">
+                        <a:lnSpc>
+                          <a:spcPct val="115000"/>
+                        </a:lnSpc>
+                        <a:spcAft>
+                          <a:spcPts val="600"/>
+                        </a:spcAft>
+                      </a:pPr>
+                      <a:r>
+                        <a:rPr lang="eu-ES" sz="1400" dirty="0">
+                          <a:effectLst/>
+                        </a:rPr>
+                        <a:t> 9</a:t>
+                      </a:r>
+                      <a:endParaRPr lang="es-ES" sz="1600" dirty="0">
+                        <a:effectLst/>
+                        <a:latin typeface="Calibri" panose="020F0502020204030204" pitchFamily="34" charset="0"/>
+                        <a:ea typeface="Times New Roman" panose="02020603050405020304" pitchFamily="18" charset="0"/>
+                        <a:cs typeface="Times New Roman" panose="02020603050405020304" pitchFamily="18" charset="0"/>
+                      </a:endParaRPr>
+                    </a:p>
+                  </a:txBody>
+                  <a:tcPr marL="44450" marR="44450" marT="0" marB="0" anchor="ctr"/>
+                </a:tc>
+                <a:extLst>
+                  <a:ext uri="{0D108BD9-81ED-4DB2-BD59-A6C34878D82A}">
+                    <a16:rowId xmlns:a16="http://schemas.microsoft.com/office/drawing/2014/main" val="1118734732"/>
+                  </a:ext>
+                </a:extLst>
+              </a:tr>
+              <a:tr h="266702">
+                <a:tc>
+                  <a:txBody>
+                    <a:bodyPr/>
+                    <a:lstStyle/>
+                    <a:p>
+                      <a:pPr>
+                        <a:lnSpc>
+                          <a:spcPct val="115000"/>
+                        </a:lnSpc>
+                        <a:spcAft>
+                          <a:spcPts val="600"/>
+                        </a:spcAft>
+                      </a:pPr>
+                      <a:r>
+                        <a:rPr lang="eu-ES" sz="1400" b="0" dirty="0">
+                          <a:effectLst/>
+                        </a:rPr>
+                        <a:t>Memoriaren Eranskinak - CCII-2016N-02</a:t>
+                      </a:r>
+                      <a:endParaRPr lang="es-ES" sz="1600" b="0" dirty="0">
+                        <a:effectLst/>
+                        <a:latin typeface="Calibri" panose="020F0502020204030204" pitchFamily="34" charset="0"/>
+                        <a:ea typeface="Times New Roman" panose="02020603050405020304" pitchFamily="18" charset="0"/>
+                        <a:cs typeface="Times New Roman" panose="02020603050405020304" pitchFamily="18" charset="0"/>
+                      </a:endParaRPr>
+                    </a:p>
+                  </a:txBody>
+                  <a:tcPr marL="44450" marR="44450" marT="0" marB="0" anchor="ctr"/>
+                </a:tc>
+                <a:tc>
+                  <a:txBody>
+                    <a:bodyPr/>
+                    <a:lstStyle/>
+                    <a:p>
+                      <a:pPr algn="ctr">
+                        <a:lnSpc>
+                          <a:spcPct val="115000"/>
+                        </a:lnSpc>
+                        <a:spcAft>
+                          <a:spcPts val="600"/>
+                        </a:spcAft>
+                      </a:pPr>
+                      <a:r>
+                        <a:rPr lang="eu-ES" sz="1400" dirty="0">
+                          <a:effectLst/>
+                        </a:rPr>
+                        <a:t> 10</a:t>
+                      </a:r>
+                      <a:endParaRPr lang="es-ES" sz="1600" dirty="0">
+                        <a:effectLst/>
+                        <a:latin typeface="Calibri" panose="020F0502020204030204" pitchFamily="34" charset="0"/>
+                        <a:ea typeface="Times New Roman" panose="02020603050405020304" pitchFamily="18" charset="0"/>
+                        <a:cs typeface="Times New Roman" panose="02020603050405020304" pitchFamily="18" charset="0"/>
+                      </a:endParaRPr>
+                    </a:p>
+                  </a:txBody>
+                  <a:tcPr marL="44450" marR="44450" marT="0" marB="0" anchor="ctr"/>
+                </a:tc>
+                <a:tc>
+                  <a:txBody>
+                    <a:bodyPr/>
+                    <a:lstStyle/>
+                    <a:p>
+                      <a:pPr algn="ctr">
+                        <a:lnSpc>
+                          <a:spcPct val="115000"/>
+                        </a:lnSpc>
+                        <a:spcAft>
+                          <a:spcPts val="600"/>
+                        </a:spcAft>
+                      </a:pPr>
+                      <a:r>
+                        <a:rPr lang="eu-ES" sz="1400" dirty="0">
+                          <a:effectLst/>
+                        </a:rPr>
+                        <a:t> 4</a:t>
+                      </a:r>
+                      <a:endParaRPr lang="es-ES" sz="1600" dirty="0">
+                        <a:effectLst/>
+                        <a:latin typeface="Calibri" panose="020F0502020204030204" pitchFamily="34" charset="0"/>
+                        <a:ea typeface="Times New Roman" panose="02020603050405020304" pitchFamily="18" charset="0"/>
+                        <a:cs typeface="Times New Roman" panose="02020603050405020304" pitchFamily="18" charset="0"/>
+                      </a:endParaRPr>
+                    </a:p>
+                  </a:txBody>
+                  <a:tcPr marL="44450" marR="44450" marT="0" marB="0" anchor="ctr"/>
+                </a:tc>
+                <a:extLst>
+                  <a:ext uri="{0D108BD9-81ED-4DB2-BD59-A6C34878D82A}">
+                    <a16:rowId xmlns:a16="http://schemas.microsoft.com/office/drawing/2014/main" val="2373327191"/>
+                  </a:ext>
+                </a:extLst>
+              </a:tr>
+              <a:tr h="287376">
+                <a:tc>
+                  <a:txBody>
+                    <a:bodyPr/>
+                    <a:lstStyle/>
+                    <a:p>
+                      <a:pPr>
+                        <a:lnSpc>
+                          <a:spcPct val="115000"/>
+                        </a:lnSpc>
+                        <a:spcAft>
+                          <a:spcPts val="600"/>
+                        </a:spcAft>
+                      </a:pPr>
+                      <a:r>
+                        <a:rPr lang="eu-ES" sz="1400" b="0" dirty="0">
+                          <a:effectLst/>
+                        </a:rPr>
+                        <a:t>Memoriaren Eranskinak - Sistemaren Espezifikazioa</a:t>
+                      </a:r>
+                      <a:endParaRPr lang="es-ES" sz="1600" b="0" dirty="0">
+                        <a:effectLst/>
+                        <a:latin typeface="Calibri" panose="020F0502020204030204" pitchFamily="34" charset="0"/>
+                        <a:ea typeface="Times New Roman" panose="02020603050405020304" pitchFamily="18" charset="0"/>
+                        <a:cs typeface="Times New Roman" panose="02020603050405020304" pitchFamily="18" charset="0"/>
+                      </a:endParaRPr>
+                    </a:p>
+                  </a:txBody>
+                  <a:tcPr marL="44450" marR="44450" marT="0" marB="0" anchor="ctr"/>
+                </a:tc>
+                <a:tc>
+                  <a:txBody>
+                    <a:bodyPr/>
+                    <a:lstStyle/>
+                    <a:p>
+                      <a:pPr algn="ctr">
+                        <a:lnSpc>
+                          <a:spcPct val="115000"/>
+                        </a:lnSpc>
+                        <a:spcAft>
+                          <a:spcPts val="600"/>
+                        </a:spcAft>
+                      </a:pPr>
+                      <a:r>
+                        <a:rPr lang="eu-ES" sz="1400" dirty="0">
+                          <a:effectLst/>
+                        </a:rPr>
+                        <a:t> 20</a:t>
+                      </a:r>
+                      <a:endParaRPr lang="es-ES" sz="1600" dirty="0">
+                        <a:effectLst/>
+                        <a:latin typeface="Calibri" panose="020F0502020204030204" pitchFamily="34" charset="0"/>
+                        <a:ea typeface="Times New Roman" panose="02020603050405020304" pitchFamily="18" charset="0"/>
+                        <a:cs typeface="Times New Roman" panose="02020603050405020304" pitchFamily="18" charset="0"/>
+                      </a:endParaRPr>
+                    </a:p>
+                  </a:txBody>
+                  <a:tcPr marL="44450" marR="44450" marT="0" marB="0" anchor="ctr"/>
+                </a:tc>
+                <a:tc>
+                  <a:txBody>
+                    <a:bodyPr/>
+                    <a:lstStyle/>
+                    <a:p>
+                      <a:pPr algn="ctr">
+                        <a:lnSpc>
+                          <a:spcPct val="115000"/>
+                        </a:lnSpc>
+                        <a:spcAft>
+                          <a:spcPts val="600"/>
+                        </a:spcAft>
+                      </a:pPr>
+                      <a:r>
+                        <a:rPr lang="eu-ES" sz="1400">
+                          <a:effectLst/>
+                        </a:rPr>
+                        <a:t> 14</a:t>
+                      </a:r>
+                      <a:endParaRPr lang="es-ES" sz="1600">
+                        <a:effectLst/>
+                        <a:latin typeface="Calibri" panose="020F0502020204030204" pitchFamily="34" charset="0"/>
+                        <a:ea typeface="Times New Roman" panose="02020603050405020304" pitchFamily="18" charset="0"/>
+                        <a:cs typeface="Times New Roman" panose="02020603050405020304" pitchFamily="18" charset="0"/>
+                      </a:endParaRPr>
+                    </a:p>
+                  </a:txBody>
+                  <a:tcPr marL="44450" marR="44450" marT="0" marB="0" anchor="ctr"/>
+                </a:tc>
+                <a:extLst>
+                  <a:ext uri="{0D108BD9-81ED-4DB2-BD59-A6C34878D82A}">
+                    <a16:rowId xmlns:a16="http://schemas.microsoft.com/office/drawing/2014/main" val="2405569473"/>
+                  </a:ext>
+                </a:extLst>
+              </a:tr>
+              <a:tr h="287376">
+                <a:tc>
+                  <a:txBody>
+                    <a:bodyPr/>
+                    <a:lstStyle/>
+                    <a:p>
+                      <a:pPr>
+                        <a:lnSpc>
+                          <a:spcPct val="115000"/>
+                        </a:lnSpc>
+                        <a:spcAft>
+                          <a:spcPts val="600"/>
+                        </a:spcAft>
+                      </a:pPr>
+                      <a:r>
+                        <a:rPr lang="es-ES" sz="1600" b="1" dirty="0" err="1">
+                          <a:effectLst/>
+                        </a:rPr>
+                        <a:t>Barne</a:t>
+                      </a:r>
+                      <a:r>
+                        <a:rPr lang="es-ES" sz="1600" b="1" dirty="0">
+                          <a:effectLst/>
+                        </a:rPr>
+                        <a:t> </a:t>
+                      </a:r>
+                      <a:r>
+                        <a:rPr lang="es-ES" sz="1600" b="1" dirty="0" err="1">
+                          <a:effectLst/>
+                        </a:rPr>
+                        <a:t>Kudeaketa</a:t>
+                      </a:r>
+                      <a:endParaRPr lang="es-ES" sz="1600" b="1" dirty="0">
+                        <a:effectLst/>
+                        <a:latin typeface="Calibri" panose="020F0502020204030204" pitchFamily="34" charset="0"/>
+                        <a:ea typeface="Times New Roman" panose="02020603050405020304" pitchFamily="18" charset="0"/>
+                        <a:cs typeface="Times New Roman" panose="02020603050405020304" pitchFamily="18" charset="0"/>
+                      </a:endParaRPr>
+                    </a:p>
+                  </a:txBody>
+                  <a:tcPr marL="44450" marR="44450" marT="0" marB="0" anchor="ctr"/>
+                </a:tc>
+                <a:tc>
+                  <a:txBody>
+                    <a:bodyPr/>
+                    <a:lstStyle/>
+                    <a:p>
+                      <a:pPr algn="ctr">
+                        <a:lnSpc>
+                          <a:spcPct val="115000"/>
+                        </a:lnSpc>
+                        <a:spcAft>
+                          <a:spcPts val="600"/>
+                        </a:spcAft>
+                      </a:pPr>
+                      <a:r>
+                        <a:rPr lang="es-ES" sz="1600" b="1" dirty="0">
+                          <a:effectLst/>
+                        </a:rPr>
+                        <a:t>50</a:t>
+                      </a:r>
+                      <a:endParaRPr lang="es-ES" sz="1600" b="1" dirty="0">
+                        <a:effectLst/>
+                        <a:latin typeface="Calibri" panose="020F0502020204030204" pitchFamily="34" charset="0"/>
+                        <a:ea typeface="Times New Roman" panose="02020603050405020304" pitchFamily="18" charset="0"/>
+                        <a:cs typeface="Times New Roman" panose="02020603050405020304" pitchFamily="18" charset="0"/>
+                      </a:endParaRPr>
+                    </a:p>
+                  </a:txBody>
+                  <a:tcPr marL="44450" marR="44450" marT="0" marB="0" anchor="ctr"/>
+                </a:tc>
+                <a:tc>
+                  <a:txBody>
+                    <a:bodyPr/>
+                    <a:lstStyle/>
+                    <a:p>
+                      <a:pPr algn="ctr">
+                        <a:lnSpc>
+                          <a:spcPct val="115000"/>
+                        </a:lnSpc>
+                        <a:spcAft>
+                          <a:spcPts val="600"/>
+                        </a:spcAft>
+                      </a:pPr>
+                      <a:r>
+                        <a:rPr lang="es-ES" sz="1600" b="1" dirty="0">
+                          <a:effectLst/>
+                        </a:rPr>
+                        <a:t>70</a:t>
+                      </a:r>
+                      <a:endParaRPr lang="es-ES" sz="1600" b="1" dirty="0">
+                        <a:effectLst/>
+                        <a:latin typeface="Calibri" panose="020F0502020204030204" pitchFamily="34" charset="0"/>
+                        <a:ea typeface="Times New Roman" panose="02020603050405020304" pitchFamily="18" charset="0"/>
+                        <a:cs typeface="Times New Roman" panose="02020603050405020304" pitchFamily="18" charset="0"/>
+                      </a:endParaRPr>
+                    </a:p>
+                  </a:txBody>
+                  <a:tcPr marL="44450" marR="44450" marT="0" marB="0" anchor="ctr"/>
+                </a:tc>
+                <a:extLst>
+                  <a:ext uri="{0D108BD9-81ED-4DB2-BD59-A6C34878D82A}">
+                    <a16:rowId xmlns:a16="http://schemas.microsoft.com/office/drawing/2014/main" val="2068066281"/>
+                  </a:ext>
+                </a:extLst>
+              </a:tr>
+              <a:tr h="266702">
+                <a:tc>
+                  <a:txBody>
+                    <a:bodyPr/>
+                    <a:lstStyle/>
+                    <a:p>
+                      <a:pPr>
+                        <a:lnSpc>
+                          <a:spcPct val="115000"/>
+                        </a:lnSpc>
+                        <a:spcAft>
+                          <a:spcPts val="600"/>
+                        </a:spcAft>
+                      </a:pPr>
+                      <a:r>
+                        <a:rPr lang="eu-ES" sz="1400" b="0" dirty="0">
+                          <a:effectLst/>
+                        </a:rPr>
+                        <a:t>Barne Kudeaketa - Plangintza</a:t>
+                      </a:r>
+                      <a:endParaRPr lang="es-ES" sz="1600" b="0" dirty="0">
+                        <a:effectLst/>
+                        <a:latin typeface="Calibri" panose="020F0502020204030204" pitchFamily="34" charset="0"/>
+                        <a:ea typeface="Times New Roman" panose="02020603050405020304" pitchFamily="18" charset="0"/>
+                        <a:cs typeface="Times New Roman" panose="02020603050405020304" pitchFamily="18" charset="0"/>
+                      </a:endParaRPr>
+                    </a:p>
+                  </a:txBody>
+                  <a:tcPr marL="44450" marR="44450" marT="0" marB="0" anchor="ctr"/>
+                </a:tc>
+                <a:tc>
+                  <a:txBody>
+                    <a:bodyPr/>
+                    <a:lstStyle/>
+                    <a:p>
+                      <a:pPr algn="ctr">
+                        <a:lnSpc>
+                          <a:spcPct val="115000"/>
+                        </a:lnSpc>
+                        <a:spcAft>
+                          <a:spcPts val="600"/>
+                        </a:spcAft>
+                      </a:pPr>
+                      <a:r>
+                        <a:rPr lang="eu-ES" sz="1400" dirty="0">
+                          <a:effectLst/>
+                        </a:rPr>
+                        <a:t> 20</a:t>
+                      </a:r>
+                      <a:endParaRPr lang="es-ES" sz="1600" dirty="0">
+                        <a:effectLst/>
+                        <a:latin typeface="Calibri" panose="020F0502020204030204" pitchFamily="34" charset="0"/>
+                        <a:ea typeface="Times New Roman" panose="02020603050405020304" pitchFamily="18" charset="0"/>
+                        <a:cs typeface="Times New Roman" panose="02020603050405020304" pitchFamily="18" charset="0"/>
+                      </a:endParaRPr>
+                    </a:p>
+                  </a:txBody>
+                  <a:tcPr marL="44450" marR="44450" marT="0" marB="0" anchor="ctr"/>
+                </a:tc>
+                <a:tc>
+                  <a:txBody>
+                    <a:bodyPr/>
+                    <a:lstStyle/>
+                    <a:p>
+                      <a:pPr algn="ctr">
+                        <a:lnSpc>
+                          <a:spcPct val="115000"/>
+                        </a:lnSpc>
+                        <a:spcAft>
+                          <a:spcPts val="600"/>
+                        </a:spcAft>
+                      </a:pPr>
+                      <a:r>
+                        <a:rPr lang="eu-ES" sz="1400" dirty="0">
+                          <a:effectLst/>
+                        </a:rPr>
+                        <a:t> 22</a:t>
+                      </a:r>
+                      <a:endParaRPr lang="es-ES" sz="1600" dirty="0">
+                        <a:effectLst/>
+                        <a:latin typeface="Calibri" panose="020F0502020204030204" pitchFamily="34" charset="0"/>
+                        <a:ea typeface="Times New Roman" panose="02020603050405020304" pitchFamily="18" charset="0"/>
+                        <a:cs typeface="Times New Roman" panose="02020603050405020304" pitchFamily="18" charset="0"/>
+                      </a:endParaRPr>
+                    </a:p>
+                  </a:txBody>
+                  <a:tcPr marL="44450" marR="44450" marT="0" marB="0" anchor="ctr"/>
+                </a:tc>
+                <a:extLst>
+                  <a:ext uri="{0D108BD9-81ED-4DB2-BD59-A6C34878D82A}">
+                    <a16:rowId xmlns:a16="http://schemas.microsoft.com/office/drawing/2014/main" val="3167448834"/>
+                  </a:ext>
+                </a:extLst>
+              </a:tr>
+              <a:tr h="266702">
+                <a:tc>
+                  <a:txBody>
+                    <a:bodyPr/>
+                    <a:lstStyle/>
+                    <a:p>
+                      <a:pPr>
+                        <a:lnSpc>
+                          <a:spcPct val="115000"/>
+                        </a:lnSpc>
+                        <a:spcAft>
+                          <a:spcPts val="600"/>
+                        </a:spcAft>
+                      </a:pPr>
+                      <a:r>
+                        <a:rPr lang="eu-ES" sz="1400" b="0" dirty="0">
+                          <a:effectLst/>
+                        </a:rPr>
+                        <a:t>Barne Kudeaketa - Jarraipen eta Kontrola</a:t>
+                      </a:r>
+                      <a:endParaRPr lang="es-ES" sz="1600" b="0" dirty="0">
+                        <a:effectLst/>
+                        <a:latin typeface="Calibri" panose="020F0502020204030204" pitchFamily="34" charset="0"/>
+                        <a:ea typeface="Times New Roman" panose="02020603050405020304" pitchFamily="18" charset="0"/>
+                        <a:cs typeface="Times New Roman" panose="02020603050405020304" pitchFamily="18" charset="0"/>
+                      </a:endParaRPr>
+                    </a:p>
+                  </a:txBody>
+                  <a:tcPr marL="44450" marR="44450" marT="0" marB="0" anchor="ctr"/>
+                </a:tc>
+                <a:tc>
+                  <a:txBody>
+                    <a:bodyPr/>
+                    <a:lstStyle/>
+                    <a:p>
+                      <a:pPr algn="ctr">
+                        <a:lnSpc>
+                          <a:spcPct val="115000"/>
+                        </a:lnSpc>
+                        <a:spcAft>
+                          <a:spcPts val="600"/>
+                        </a:spcAft>
+                      </a:pPr>
+                      <a:r>
+                        <a:rPr lang="eu-ES" sz="1400" dirty="0">
+                          <a:effectLst/>
+                        </a:rPr>
+                        <a:t> 30</a:t>
+                      </a:r>
+                      <a:endParaRPr lang="es-ES" sz="1600" dirty="0">
+                        <a:effectLst/>
+                        <a:latin typeface="Calibri" panose="020F0502020204030204" pitchFamily="34" charset="0"/>
+                        <a:ea typeface="Times New Roman" panose="02020603050405020304" pitchFamily="18" charset="0"/>
+                        <a:cs typeface="Times New Roman" panose="02020603050405020304" pitchFamily="18" charset="0"/>
+                      </a:endParaRPr>
+                    </a:p>
+                  </a:txBody>
+                  <a:tcPr marL="44450" marR="44450" marT="0" marB="0" anchor="ctr"/>
+                </a:tc>
+                <a:tc>
+                  <a:txBody>
+                    <a:bodyPr/>
+                    <a:lstStyle/>
+                    <a:p>
+                      <a:pPr algn="ctr">
+                        <a:lnSpc>
+                          <a:spcPct val="115000"/>
+                        </a:lnSpc>
+                        <a:spcAft>
+                          <a:spcPts val="600"/>
+                        </a:spcAft>
+                      </a:pPr>
+                      <a:r>
+                        <a:rPr lang="eu-ES" sz="1400" dirty="0">
+                          <a:effectLst/>
+                        </a:rPr>
+                        <a:t> 48</a:t>
+                      </a:r>
+                      <a:endParaRPr lang="es-ES" sz="1600" dirty="0">
+                        <a:effectLst/>
+                        <a:latin typeface="Calibri" panose="020F0502020204030204" pitchFamily="34" charset="0"/>
+                        <a:ea typeface="Times New Roman" panose="02020603050405020304" pitchFamily="18" charset="0"/>
+                        <a:cs typeface="Times New Roman" panose="02020603050405020304" pitchFamily="18" charset="0"/>
+                      </a:endParaRPr>
+                    </a:p>
+                  </a:txBody>
+                  <a:tcPr marL="44450" marR="44450" marT="0" marB="0" anchor="ctr"/>
+                </a:tc>
+                <a:extLst>
+                  <a:ext uri="{0D108BD9-81ED-4DB2-BD59-A6C34878D82A}">
+                    <a16:rowId xmlns:a16="http://schemas.microsoft.com/office/drawing/2014/main" val="2161595681"/>
+                  </a:ext>
+                </a:extLst>
+              </a:tr>
+              <a:tr h="266702">
+                <a:tc>
+                  <a:txBody>
+                    <a:bodyPr/>
+                    <a:lstStyle/>
+                    <a:p>
+                      <a:pPr>
+                        <a:lnSpc>
+                          <a:spcPct val="115000"/>
+                        </a:lnSpc>
+                        <a:spcAft>
+                          <a:spcPts val="600"/>
+                        </a:spcAft>
+                      </a:pPr>
+                      <a:r>
+                        <a:rPr lang="es-ES" sz="1600" b="1" dirty="0" err="1">
+                          <a:effectLst/>
+                        </a:rPr>
+                        <a:t>ModelEditor</a:t>
+                      </a:r>
+                      <a:endParaRPr lang="es-ES" sz="1600" b="1" dirty="0">
+                        <a:effectLst/>
+                        <a:latin typeface="Calibri" panose="020F0502020204030204" pitchFamily="34" charset="0"/>
+                        <a:ea typeface="Times New Roman" panose="02020603050405020304" pitchFamily="18" charset="0"/>
+                        <a:cs typeface="Times New Roman" panose="02020603050405020304" pitchFamily="18" charset="0"/>
+                      </a:endParaRPr>
+                    </a:p>
+                  </a:txBody>
+                  <a:tcPr marL="44450" marR="44450" marT="0" marB="0" anchor="ctr"/>
+                </a:tc>
+                <a:tc>
+                  <a:txBody>
+                    <a:bodyPr/>
+                    <a:lstStyle/>
+                    <a:p>
+                      <a:pPr algn="ctr">
+                        <a:lnSpc>
+                          <a:spcPct val="115000"/>
+                        </a:lnSpc>
+                        <a:spcAft>
+                          <a:spcPts val="600"/>
+                        </a:spcAft>
+                      </a:pPr>
+                      <a:r>
+                        <a:rPr lang="es-ES" sz="1600" b="1" dirty="0">
+                          <a:effectLst/>
+                        </a:rPr>
+                        <a:t>75</a:t>
+                      </a:r>
+                      <a:endParaRPr lang="es-ES" sz="1600" b="1" dirty="0">
+                        <a:effectLst/>
+                        <a:latin typeface="Calibri" panose="020F0502020204030204" pitchFamily="34" charset="0"/>
+                        <a:ea typeface="Times New Roman" panose="02020603050405020304" pitchFamily="18" charset="0"/>
+                        <a:cs typeface="Times New Roman" panose="02020603050405020304" pitchFamily="18" charset="0"/>
+                      </a:endParaRPr>
+                    </a:p>
+                  </a:txBody>
+                  <a:tcPr marL="44450" marR="44450" marT="0" marB="0" anchor="ctr"/>
+                </a:tc>
+                <a:tc>
+                  <a:txBody>
+                    <a:bodyPr/>
+                    <a:lstStyle/>
+                    <a:p>
+                      <a:pPr algn="ctr">
+                        <a:lnSpc>
+                          <a:spcPct val="115000"/>
+                        </a:lnSpc>
+                        <a:spcAft>
+                          <a:spcPts val="600"/>
+                        </a:spcAft>
+                      </a:pPr>
+                      <a:r>
+                        <a:rPr lang="es-ES" sz="1600" b="1" dirty="0">
+                          <a:effectLst/>
+                        </a:rPr>
+                        <a:t>105</a:t>
+                      </a:r>
+                      <a:endParaRPr lang="es-ES" sz="1600" b="1" dirty="0">
+                        <a:effectLst/>
+                        <a:latin typeface="Calibri" panose="020F0502020204030204" pitchFamily="34" charset="0"/>
+                        <a:ea typeface="Times New Roman" panose="02020603050405020304" pitchFamily="18" charset="0"/>
+                        <a:cs typeface="Times New Roman" panose="02020603050405020304" pitchFamily="18" charset="0"/>
+                      </a:endParaRPr>
+                    </a:p>
+                  </a:txBody>
+                  <a:tcPr marL="44450" marR="44450" marT="0" marB="0" anchor="ctr"/>
+                </a:tc>
+                <a:extLst>
+                  <a:ext uri="{0D108BD9-81ED-4DB2-BD59-A6C34878D82A}">
+                    <a16:rowId xmlns:a16="http://schemas.microsoft.com/office/drawing/2014/main" val="1351689561"/>
+                  </a:ext>
+                </a:extLst>
+              </a:tr>
+              <a:tr h="266702">
+                <a:tc>
+                  <a:txBody>
+                    <a:bodyPr/>
+                    <a:lstStyle/>
+                    <a:p>
+                      <a:pPr>
+                        <a:lnSpc>
+                          <a:spcPct val="115000"/>
+                        </a:lnSpc>
+                        <a:spcAft>
+                          <a:spcPts val="600"/>
+                        </a:spcAft>
+                      </a:pPr>
+                      <a:r>
+                        <a:rPr lang="eu-ES" sz="1400" b="0" dirty="0" err="1">
+                          <a:effectLst/>
+                        </a:rPr>
+                        <a:t>ModelEditor</a:t>
+                      </a:r>
+                      <a:r>
+                        <a:rPr lang="eu-ES" sz="1400" b="0" dirty="0">
+                          <a:effectLst/>
+                        </a:rPr>
+                        <a:t> - </a:t>
+                      </a:r>
+                      <a:r>
+                        <a:rPr lang="eu-ES" sz="1400" b="0" dirty="0" err="1">
+                          <a:effectLst/>
+                        </a:rPr>
+                        <a:t>OpenUP</a:t>
+                      </a:r>
+                      <a:r>
+                        <a:rPr lang="eu-ES" sz="1400" b="0" dirty="0">
+                          <a:effectLst/>
+                        </a:rPr>
+                        <a:t> Eredua</a:t>
+                      </a:r>
+                      <a:endParaRPr lang="es-ES" sz="1600" b="0" dirty="0">
+                        <a:effectLst/>
+                        <a:latin typeface="Calibri" panose="020F0502020204030204" pitchFamily="34" charset="0"/>
+                        <a:ea typeface="Times New Roman" panose="02020603050405020304" pitchFamily="18" charset="0"/>
+                        <a:cs typeface="Times New Roman" panose="02020603050405020304" pitchFamily="18" charset="0"/>
+                      </a:endParaRPr>
+                    </a:p>
+                  </a:txBody>
+                  <a:tcPr marL="44450" marR="44450" marT="0" marB="0" anchor="ctr"/>
+                </a:tc>
+                <a:tc>
+                  <a:txBody>
+                    <a:bodyPr/>
+                    <a:lstStyle/>
+                    <a:p>
+                      <a:pPr algn="ctr">
+                        <a:lnSpc>
+                          <a:spcPct val="115000"/>
+                        </a:lnSpc>
+                        <a:spcAft>
+                          <a:spcPts val="600"/>
+                        </a:spcAft>
+                      </a:pPr>
+                      <a:r>
+                        <a:rPr lang="eu-ES" sz="1400" dirty="0">
+                          <a:effectLst/>
+                        </a:rPr>
+                        <a:t> 20</a:t>
+                      </a:r>
+                      <a:endParaRPr lang="es-ES" sz="1600" dirty="0">
+                        <a:effectLst/>
+                        <a:latin typeface="Calibri" panose="020F0502020204030204" pitchFamily="34" charset="0"/>
+                        <a:ea typeface="Times New Roman" panose="02020603050405020304" pitchFamily="18" charset="0"/>
+                        <a:cs typeface="Times New Roman" panose="02020603050405020304" pitchFamily="18" charset="0"/>
+                      </a:endParaRPr>
+                    </a:p>
+                  </a:txBody>
+                  <a:tcPr marL="44450" marR="44450" marT="0" marB="0" anchor="ctr"/>
+                </a:tc>
+                <a:tc>
+                  <a:txBody>
+                    <a:bodyPr/>
+                    <a:lstStyle/>
+                    <a:p>
+                      <a:pPr algn="ctr">
+                        <a:lnSpc>
+                          <a:spcPct val="115000"/>
+                        </a:lnSpc>
+                        <a:spcAft>
+                          <a:spcPts val="600"/>
+                        </a:spcAft>
+                      </a:pPr>
+                      <a:r>
+                        <a:rPr lang="eu-ES" sz="1400" dirty="0">
+                          <a:effectLst/>
+                        </a:rPr>
+                        <a:t> 49</a:t>
+                      </a:r>
+                      <a:endParaRPr lang="es-ES" sz="1600" dirty="0">
+                        <a:effectLst/>
+                        <a:latin typeface="Calibri" panose="020F0502020204030204" pitchFamily="34" charset="0"/>
+                        <a:ea typeface="Times New Roman" panose="02020603050405020304" pitchFamily="18" charset="0"/>
+                        <a:cs typeface="Times New Roman" panose="02020603050405020304" pitchFamily="18" charset="0"/>
+                      </a:endParaRPr>
+                    </a:p>
+                  </a:txBody>
+                  <a:tcPr marL="44450" marR="44450" marT="0" marB="0" anchor="ctr"/>
+                </a:tc>
+                <a:extLst>
+                  <a:ext uri="{0D108BD9-81ED-4DB2-BD59-A6C34878D82A}">
+                    <a16:rowId xmlns:a16="http://schemas.microsoft.com/office/drawing/2014/main" val="3604354218"/>
+                  </a:ext>
+                </a:extLst>
+              </a:tr>
+              <a:tr h="266702">
+                <a:tc>
+                  <a:txBody>
+                    <a:bodyPr/>
+                    <a:lstStyle/>
+                    <a:p>
+                      <a:pPr>
+                        <a:lnSpc>
+                          <a:spcPct val="115000"/>
+                        </a:lnSpc>
+                        <a:spcAft>
+                          <a:spcPts val="600"/>
+                        </a:spcAft>
+                      </a:pPr>
+                      <a:r>
+                        <a:rPr lang="eu-ES" sz="1400" b="0" dirty="0" err="1">
+                          <a:effectLst/>
+                        </a:rPr>
+                        <a:t>ModelEditor</a:t>
+                      </a:r>
+                      <a:r>
+                        <a:rPr lang="eu-ES" sz="1400" b="0" dirty="0">
+                          <a:effectLst/>
+                        </a:rPr>
+                        <a:t> - Editore Grafikoa </a:t>
+                      </a:r>
+                      <a:endParaRPr lang="es-ES" sz="1600" b="0" dirty="0">
+                        <a:effectLst/>
+                        <a:latin typeface="Calibri" panose="020F0502020204030204" pitchFamily="34" charset="0"/>
+                        <a:ea typeface="Times New Roman" panose="02020603050405020304" pitchFamily="18" charset="0"/>
+                        <a:cs typeface="Times New Roman" panose="02020603050405020304" pitchFamily="18" charset="0"/>
+                      </a:endParaRPr>
+                    </a:p>
+                  </a:txBody>
+                  <a:tcPr marL="44450" marR="44450" marT="0" marB="0" anchor="ctr"/>
+                </a:tc>
+                <a:tc>
+                  <a:txBody>
+                    <a:bodyPr/>
+                    <a:lstStyle/>
+                    <a:p>
+                      <a:pPr algn="ctr">
+                        <a:lnSpc>
+                          <a:spcPct val="115000"/>
+                        </a:lnSpc>
+                        <a:spcAft>
+                          <a:spcPts val="600"/>
+                        </a:spcAft>
+                      </a:pPr>
+                      <a:r>
+                        <a:rPr lang="eu-ES" sz="1400" dirty="0">
+                          <a:effectLst/>
+                        </a:rPr>
+                        <a:t> 25</a:t>
+                      </a:r>
+                      <a:endParaRPr lang="es-ES" sz="1600" dirty="0">
+                        <a:effectLst/>
+                        <a:latin typeface="Calibri" panose="020F0502020204030204" pitchFamily="34" charset="0"/>
+                        <a:ea typeface="Times New Roman" panose="02020603050405020304" pitchFamily="18" charset="0"/>
+                        <a:cs typeface="Times New Roman" panose="02020603050405020304" pitchFamily="18" charset="0"/>
+                      </a:endParaRPr>
+                    </a:p>
+                  </a:txBody>
+                  <a:tcPr marL="44450" marR="44450" marT="0" marB="0" anchor="ctr"/>
+                </a:tc>
+                <a:tc>
+                  <a:txBody>
+                    <a:bodyPr/>
+                    <a:lstStyle/>
+                    <a:p>
+                      <a:pPr algn="ctr">
+                        <a:lnSpc>
+                          <a:spcPct val="115000"/>
+                        </a:lnSpc>
+                        <a:spcAft>
+                          <a:spcPts val="600"/>
+                        </a:spcAft>
+                      </a:pPr>
+                      <a:r>
+                        <a:rPr lang="eu-ES" sz="1400" dirty="0">
+                          <a:effectLst/>
+                        </a:rPr>
+                        <a:t> 26</a:t>
+                      </a:r>
+                      <a:endParaRPr lang="es-ES" sz="1600" dirty="0">
+                        <a:effectLst/>
+                        <a:latin typeface="Calibri" panose="020F0502020204030204" pitchFamily="34" charset="0"/>
+                        <a:ea typeface="Times New Roman" panose="02020603050405020304" pitchFamily="18" charset="0"/>
+                        <a:cs typeface="Times New Roman" panose="02020603050405020304" pitchFamily="18" charset="0"/>
+                      </a:endParaRPr>
+                    </a:p>
+                  </a:txBody>
+                  <a:tcPr marL="44450" marR="44450" marT="0" marB="0" anchor="ctr"/>
+                </a:tc>
+                <a:extLst>
+                  <a:ext uri="{0D108BD9-81ED-4DB2-BD59-A6C34878D82A}">
+                    <a16:rowId xmlns:a16="http://schemas.microsoft.com/office/drawing/2014/main" val="2363863994"/>
+                  </a:ext>
+                </a:extLst>
+              </a:tr>
+              <a:tr h="266702">
+                <a:tc>
+                  <a:txBody>
+                    <a:bodyPr/>
+                    <a:lstStyle/>
+                    <a:p>
+                      <a:pPr>
+                        <a:lnSpc>
+                          <a:spcPct val="115000"/>
+                        </a:lnSpc>
+                        <a:spcAft>
+                          <a:spcPts val="600"/>
+                        </a:spcAft>
+                      </a:pPr>
+                      <a:r>
+                        <a:rPr lang="eu-ES" sz="1400" b="0" dirty="0" err="1">
+                          <a:effectLst/>
+                        </a:rPr>
+                        <a:t>ModelEditor</a:t>
+                      </a:r>
+                      <a:r>
+                        <a:rPr lang="eu-ES" sz="1400" b="0" dirty="0">
+                          <a:effectLst/>
+                        </a:rPr>
+                        <a:t> - Testu Editorea</a:t>
+                      </a:r>
+                      <a:endParaRPr lang="es-ES" sz="1600" b="0" dirty="0">
+                        <a:effectLst/>
+                        <a:latin typeface="Calibri" panose="020F0502020204030204" pitchFamily="34" charset="0"/>
+                        <a:ea typeface="Times New Roman" panose="02020603050405020304" pitchFamily="18" charset="0"/>
+                        <a:cs typeface="Times New Roman" panose="02020603050405020304" pitchFamily="18" charset="0"/>
+                      </a:endParaRPr>
+                    </a:p>
+                  </a:txBody>
+                  <a:tcPr marL="44450" marR="44450" marT="0" marB="0" anchor="ctr"/>
+                </a:tc>
+                <a:tc>
+                  <a:txBody>
+                    <a:bodyPr/>
+                    <a:lstStyle/>
+                    <a:p>
+                      <a:pPr algn="ctr">
+                        <a:lnSpc>
+                          <a:spcPct val="115000"/>
+                        </a:lnSpc>
+                        <a:spcAft>
+                          <a:spcPts val="600"/>
+                        </a:spcAft>
+                      </a:pPr>
+                      <a:r>
+                        <a:rPr lang="eu-ES" sz="1400">
+                          <a:effectLst/>
+                        </a:rPr>
+                        <a:t> 30</a:t>
+                      </a:r>
+                      <a:endParaRPr lang="es-ES" sz="1600">
+                        <a:effectLst/>
+                        <a:latin typeface="Calibri" panose="020F0502020204030204" pitchFamily="34" charset="0"/>
+                        <a:ea typeface="Times New Roman" panose="02020603050405020304" pitchFamily="18" charset="0"/>
+                        <a:cs typeface="Times New Roman" panose="02020603050405020304" pitchFamily="18" charset="0"/>
+                      </a:endParaRPr>
+                    </a:p>
+                  </a:txBody>
+                  <a:tcPr marL="44450" marR="44450" marT="0" marB="0" anchor="ctr"/>
+                </a:tc>
+                <a:tc>
+                  <a:txBody>
+                    <a:bodyPr/>
+                    <a:lstStyle/>
+                    <a:p>
+                      <a:pPr algn="ctr">
+                        <a:lnSpc>
+                          <a:spcPct val="115000"/>
+                        </a:lnSpc>
+                        <a:spcAft>
+                          <a:spcPts val="600"/>
+                        </a:spcAft>
+                      </a:pPr>
+                      <a:r>
+                        <a:rPr lang="eu-ES" sz="1400" dirty="0">
+                          <a:effectLst/>
+                        </a:rPr>
+                        <a:t> 31</a:t>
+                      </a:r>
+                      <a:endParaRPr lang="es-ES" sz="1600" dirty="0">
+                        <a:effectLst/>
+                        <a:latin typeface="Calibri" panose="020F0502020204030204" pitchFamily="34" charset="0"/>
+                        <a:ea typeface="Times New Roman" panose="02020603050405020304" pitchFamily="18" charset="0"/>
+                        <a:cs typeface="Times New Roman" panose="02020603050405020304" pitchFamily="18" charset="0"/>
+                      </a:endParaRPr>
+                    </a:p>
+                  </a:txBody>
+                  <a:tcPr marL="44450" marR="44450" marT="0" marB="0" anchor="ctr"/>
+                </a:tc>
+                <a:extLst>
+                  <a:ext uri="{0D108BD9-81ED-4DB2-BD59-A6C34878D82A}">
+                    <a16:rowId xmlns:a16="http://schemas.microsoft.com/office/drawing/2014/main" val="1655320394"/>
+                  </a:ext>
+                </a:extLst>
+              </a:tr>
+              <a:tr h="266702">
+                <a:tc>
+                  <a:txBody>
+                    <a:bodyPr/>
+                    <a:lstStyle/>
+                    <a:p>
+                      <a:pPr>
+                        <a:lnSpc>
+                          <a:spcPct val="115000"/>
+                        </a:lnSpc>
+                        <a:spcAft>
+                          <a:spcPts val="600"/>
+                        </a:spcAft>
+                      </a:pPr>
+                      <a:r>
+                        <a:rPr lang="es-ES" sz="1600" b="1" dirty="0" err="1">
+                          <a:effectLst/>
+                        </a:rPr>
+                        <a:t>IOSystem</a:t>
+                      </a:r>
+                      <a:endParaRPr lang="es-ES" sz="1600" b="1" dirty="0">
+                        <a:effectLst/>
+                        <a:latin typeface="Calibri" panose="020F0502020204030204" pitchFamily="34" charset="0"/>
+                        <a:ea typeface="Times New Roman" panose="02020603050405020304" pitchFamily="18" charset="0"/>
+                        <a:cs typeface="Times New Roman" panose="02020603050405020304" pitchFamily="18" charset="0"/>
+                      </a:endParaRPr>
+                    </a:p>
+                  </a:txBody>
+                  <a:tcPr marL="44450" marR="44450" marT="0" marB="0" anchor="ctr"/>
+                </a:tc>
+                <a:tc>
+                  <a:txBody>
+                    <a:bodyPr/>
+                    <a:lstStyle/>
+                    <a:p>
+                      <a:pPr algn="ctr">
+                        <a:lnSpc>
+                          <a:spcPct val="115000"/>
+                        </a:lnSpc>
+                        <a:spcAft>
+                          <a:spcPts val="600"/>
+                        </a:spcAft>
+                      </a:pPr>
+                      <a:r>
+                        <a:rPr lang="es-ES" sz="1600" b="1" dirty="0">
+                          <a:effectLst/>
+                        </a:rPr>
+                        <a:t>105</a:t>
+                      </a:r>
+                      <a:endParaRPr lang="es-ES" sz="1600" b="1" dirty="0">
+                        <a:effectLst/>
+                        <a:latin typeface="Calibri" panose="020F0502020204030204" pitchFamily="34" charset="0"/>
+                        <a:ea typeface="Times New Roman" panose="02020603050405020304" pitchFamily="18" charset="0"/>
+                        <a:cs typeface="Times New Roman" panose="02020603050405020304" pitchFamily="18" charset="0"/>
+                      </a:endParaRPr>
+                    </a:p>
+                  </a:txBody>
+                  <a:tcPr marL="44450" marR="44450" marT="0" marB="0" anchor="ctr"/>
+                </a:tc>
+                <a:tc>
+                  <a:txBody>
+                    <a:bodyPr/>
+                    <a:lstStyle/>
+                    <a:p>
+                      <a:pPr algn="ctr">
+                        <a:lnSpc>
+                          <a:spcPct val="115000"/>
+                        </a:lnSpc>
+                        <a:spcAft>
+                          <a:spcPts val="600"/>
+                        </a:spcAft>
+                      </a:pPr>
+                      <a:r>
+                        <a:rPr lang="es-ES" sz="1600" b="1" dirty="0">
+                          <a:effectLst/>
+                        </a:rPr>
+                        <a:t>104</a:t>
+                      </a:r>
+                      <a:endParaRPr lang="es-ES" sz="1600" b="1" dirty="0">
+                        <a:effectLst/>
+                        <a:latin typeface="Calibri" panose="020F0502020204030204" pitchFamily="34" charset="0"/>
+                        <a:ea typeface="Times New Roman" panose="02020603050405020304" pitchFamily="18" charset="0"/>
+                        <a:cs typeface="Times New Roman" panose="02020603050405020304" pitchFamily="18" charset="0"/>
+                      </a:endParaRPr>
+                    </a:p>
+                  </a:txBody>
+                  <a:tcPr marL="44450" marR="44450" marT="0" marB="0" anchor="ctr"/>
+                </a:tc>
+                <a:extLst>
+                  <a:ext uri="{0D108BD9-81ED-4DB2-BD59-A6C34878D82A}">
+                    <a16:rowId xmlns:a16="http://schemas.microsoft.com/office/drawing/2014/main" val="3313452020"/>
+                  </a:ext>
+                </a:extLst>
+              </a:tr>
+              <a:tr h="266702">
+                <a:tc>
+                  <a:txBody>
+                    <a:bodyPr/>
+                    <a:lstStyle/>
+                    <a:p>
+                      <a:pPr>
+                        <a:lnSpc>
+                          <a:spcPct val="115000"/>
+                        </a:lnSpc>
+                        <a:spcAft>
+                          <a:spcPts val="600"/>
+                        </a:spcAft>
+                      </a:pPr>
+                      <a:r>
+                        <a:rPr lang="eu-ES" sz="1400" b="0" dirty="0" err="1">
+                          <a:effectLst/>
+                        </a:rPr>
+                        <a:t>IOSystem</a:t>
+                      </a:r>
+                      <a:r>
+                        <a:rPr lang="eu-ES" sz="1400" b="0" dirty="0">
+                          <a:effectLst/>
+                        </a:rPr>
+                        <a:t> - Datu Basea</a:t>
+                      </a:r>
+                      <a:endParaRPr lang="es-ES" sz="1600" b="0" dirty="0">
+                        <a:effectLst/>
+                        <a:latin typeface="Calibri" panose="020F0502020204030204" pitchFamily="34" charset="0"/>
+                        <a:ea typeface="Times New Roman" panose="02020603050405020304" pitchFamily="18" charset="0"/>
+                        <a:cs typeface="Times New Roman" panose="02020603050405020304" pitchFamily="18" charset="0"/>
+                      </a:endParaRPr>
+                    </a:p>
+                  </a:txBody>
+                  <a:tcPr marL="44450" marR="44450" marT="0" marB="0" anchor="ctr"/>
+                </a:tc>
+                <a:tc>
+                  <a:txBody>
+                    <a:bodyPr/>
+                    <a:lstStyle/>
+                    <a:p>
+                      <a:pPr algn="ctr">
+                        <a:lnSpc>
+                          <a:spcPct val="115000"/>
+                        </a:lnSpc>
+                        <a:spcAft>
+                          <a:spcPts val="600"/>
+                        </a:spcAft>
+                      </a:pPr>
+                      <a:r>
+                        <a:rPr lang="eu-ES" sz="1400" dirty="0">
+                          <a:effectLst/>
+                        </a:rPr>
+                        <a:t> 40</a:t>
+                      </a:r>
+                      <a:endParaRPr lang="es-ES" sz="1600" dirty="0">
+                        <a:effectLst/>
+                        <a:latin typeface="Calibri" panose="020F0502020204030204" pitchFamily="34" charset="0"/>
+                        <a:ea typeface="Times New Roman" panose="02020603050405020304" pitchFamily="18" charset="0"/>
+                        <a:cs typeface="Times New Roman" panose="02020603050405020304" pitchFamily="18" charset="0"/>
+                      </a:endParaRPr>
+                    </a:p>
+                  </a:txBody>
+                  <a:tcPr marL="44450" marR="44450" marT="0" marB="0" anchor="ctr"/>
+                </a:tc>
+                <a:tc>
+                  <a:txBody>
+                    <a:bodyPr/>
+                    <a:lstStyle/>
+                    <a:p>
+                      <a:pPr algn="ctr">
+                        <a:lnSpc>
+                          <a:spcPct val="115000"/>
+                        </a:lnSpc>
+                        <a:spcAft>
+                          <a:spcPts val="600"/>
+                        </a:spcAft>
+                      </a:pPr>
+                      <a:r>
+                        <a:rPr lang="eu-ES" sz="1400" dirty="0">
+                          <a:effectLst/>
+                        </a:rPr>
+                        <a:t> 38</a:t>
+                      </a:r>
+                      <a:endParaRPr lang="es-ES" sz="1600" dirty="0">
+                        <a:effectLst/>
+                        <a:latin typeface="Calibri" panose="020F0502020204030204" pitchFamily="34" charset="0"/>
+                        <a:ea typeface="Times New Roman" panose="02020603050405020304" pitchFamily="18" charset="0"/>
+                        <a:cs typeface="Times New Roman" panose="02020603050405020304" pitchFamily="18" charset="0"/>
+                      </a:endParaRPr>
+                    </a:p>
+                  </a:txBody>
+                  <a:tcPr marL="44450" marR="44450" marT="0" marB="0" anchor="ctr"/>
+                </a:tc>
+                <a:extLst>
+                  <a:ext uri="{0D108BD9-81ED-4DB2-BD59-A6C34878D82A}">
+                    <a16:rowId xmlns:a16="http://schemas.microsoft.com/office/drawing/2014/main" val="3324534812"/>
+                  </a:ext>
+                </a:extLst>
+              </a:tr>
+              <a:tr h="266702">
+                <a:tc>
+                  <a:txBody>
+                    <a:bodyPr/>
+                    <a:lstStyle/>
+                    <a:p>
+                      <a:pPr>
+                        <a:lnSpc>
+                          <a:spcPct val="115000"/>
+                        </a:lnSpc>
+                        <a:spcAft>
+                          <a:spcPts val="600"/>
+                        </a:spcAft>
+                      </a:pPr>
+                      <a:r>
+                        <a:rPr lang="eu-ES" sz="1400" b="0" dirty="0" err="1">
+                          <a:effectLst/>
+                        </a:rPr>
+                        <a:t>IOSystem</a:t>
+                      </a:r>
+                      <a:r>
+                        <a:rPr lang="eu-ES" sz="1400" b="0" dirty="0">
+                          <a:effectLst/>
+                        </a:rPr>
+                        <a:t> - Web Interfazea</a:t>
+                      </a:r>
+                      <a:endParaRPr lang="es-ES" sz="1600" b="0" dirty="0">
+                        <a:effectLst/>
+                        <a:latin typeface="Calibri" panose="020F0502020204030204" pitchFamily="34" charset="0"/>
+                        <a:ea typeface="Times New Roman" panose="02020603050405020304" pitchFamily="18" charset="0"/>
+                        <a:cs typeface="Times New Roman" panose="02020603050405020304" pitchFamily="18" charset="0"/>
+                      </a:endParaRPr>
+                    </a:p>
+                  </a:txBody>
+                  <a:tcPr marL="44450" marR="44450" marT="0" marB="0" anchor="ctr"/>
+                </a:tc>
+                <a:tc>
+                  <a:txBody>
+                    <a:bodyPr/>
+                    <a:lstStyle/>
+                    <a:p>
+                      <a:pPr algn="ctr">
+                        <a:lnSpc>
+                          <a:spcPct val="115000"/>
+                        </a:lnSpc>
+                        <a:spcAft>
+                          <a:spcPts val="600"/>
+                        </a:spcAft>
+                      </a:pPr>
+                      <a:r>
+                        <a:rPr lang="eu-ES" sz="1400" dirty="0">
+                          <a:effectLst/>
+                        </a:rPr>
+                        <a:t> 35</a:t>
+                      </a:r>
+                      <a:endParaRPr lang="es-ES" sz="1600" dirty="0">
+                        <a:effectLst/>
+                        <a:latin typeface="Calibri" panose="020F0502020204030204" pitchFamily="34" charset="0"/>
+                        <a:ea typeface="Times New Roman" panose="02020603050405020304" pitchFamily="18" charset="0"/>
+                        <a:cs typeface="Times New Roman" panose="02020603050405020304" pitchFamily="18" charset="0"/>
+                      </a:endParaRPr>
+                    </a:p>
+                  </a:txBody>
+                  <a:tcPr marL="44450" marR="44450" marT="0" marB="0" anchor="ctr"/>
+                </a:tc>
+                <a:tc>
+                  <a:txBody>
+                    <a:bodyPr/>
+                    <a:lstStyle/>
+                    <a:p>
+                      <a:pPr algn="ctr">
+                        <a:lnSpc>
+                          <a:spcPct val="115000"/>
+                        </a:lnSpc>
+                        <a:spcAft>
+                          <a:spcPts val="600"/>
+                        </a:spcAft>
+                      </a:pPr>
+                      <a:r>
+                        <a:rPr lang="eu-ES" sz="1400" dirty="0">
+                          <a:effectLst/>
+                        </a:rPr>
+                        <a:t> 43</a:t>
+                      </a:r>
+                      <a:endParaRPr lang="es-ES" sz="1600" dirty="0">
+                        <a:effectLst/>
+                        <a:latin typeface="Calibri" panose="020F0502020204030204" pitchFamily="34" charset="0"/>
+                        <a:ea typeface="Times New Roman" panose="02020603050405020304" pitchFamily="18" charset="0"/>
+                        <a:cs typeface="Times New Roman" panose="02020603050405020304" pitchFamily="18" charset="0"/>
+                      </a:endParaRPr>
+                    </a:p>
+                  </a:txBody>
+                  <a:tcPr marL="44450" marR="44450" marT="0" marB="0" anchor="ctr"/>
+                </a:tc>
+                <a:extLst>
+                  <a:ext uri="{0D108BD9-81ED-4DB2-BD59-A6C34878D82A}">
+                    <a16:rowId xmlns:a16="http://schemas.microsoft.com/office/drawing/2014/main" val="2306981034"/>
+                  </a:ext>
+                </a:extLst>
+              </a:tr>
+              <a:tr h="266702">
+                <a:tc>
+                  <a:txBody>
+                    <a:bodyPr/>
+                    <a:lstStyle/>
+                    <a:p>
+                      <a:pPr>
+                        <a:lnSpc>
+                          <a:spcPct val="115000"/>
+                        </a:lnSpc>
+                        <a:spcAft>
+                          <a:spcPts val="600"/>
+                        </a:spcAft>
+                      </a:pPr>
+                      <a:r>
+                        <a:rPr lang="eu-ES" sz="1400" b="0" dirty="0" err="1">
+                          <a:effectLst/>
+                        </a:rPr>
+                        <a:t>IOSystem</a:t>
+                      </a:r>
+                      <a:r>
+                        <a:rPr lang="eu-ES" sz="1400" b="0" dirty="0">
+                          <a:effectLst/>
+                        </a:rPr>
+                        <a:t> - Web Kodea</a:t>
+                      </a:r>
+                      <a:endParaRPr lang="es-ES" sz="1600" b="0" dirty="0">
+                        <a:effectLst/>
+                        <a:latin typeface="Calibri" panose="020F0502020204030204" pitchFamily="34" charset="0"/>
+                        <a:ea typeface="Times New Roman" panose="02020603050405020304" pitchFamily="18" charset="0"/>
+                        <a:cs typeface="Times New Roman" panose="02020603050405020304" pitchFamily="18" charset="0"/>
+                      </a:endParaRPr>
+                    </a:p>
+                  </a:txBody>
+                  <a:tcPr marL="44450" marR="44450" marT="0" marB="0" anchor="ctr"/>
+                </a:tc>
+                <a:tc>
+                  <a:txBody>
+                    <a:bodyPr/>
+                    <a:lstStyle/>
+                    <a:p>
+                      <a:pPr algn="ctr">
+                        <a:lnSpc>
+                          <a:spcPct val="115000"/>
+                        </a:lnSpc>
+                        <a:spcAft>
+                          <a:spcPts val="600"/>
+                        </a:spcAft>
+                      </a:pPr>
+                      <a:r>
+                        <a:rPr lang="eu-ES" sz="1400" dirty="0">
+                          <a:effectLst/>
+                        </a:rPr>
+                        <a:t> 30</a:t>
+                      </a:r>
+                      <a:endParaRPr lang="es-ES" sz="1600" dirty="0">
+                        <a:effectLst/>
+                        <a:latin typeface="Calibri" panose="020F0502020204030204" pitchFamily="34" charset="0"/>
+                        <a:ea typeface="Times New Roman" panose="02020603050405020304" pitchFamily="18" charset="0"/>
+                        <a:cs typeface="Times New Roman" panose="02020603050405020304" pitchFamily="18" charset="0"/>
+                      </a:endParaRPr>
+                    </a:p>
+                  </a:txBody>
+                  <a:tcPr marL="44450" marR="44450" marT="0" marB="0" anchor="ctr"/>
+                </a:tc>
+                <a:tc>
+                  <a:txBody>
+                    <a:bodyPr/>
+                    <a:lstStyle/>
+                    <a:p>
+                      <a:pPr algn="ctr">
+                        <a:lnSpc>
+                          <a:spcPct val="115000"/>
+                        </a:lnSpc>
+                        <a:spcAft>
+                          <a:spcPts val="600"/>
+                        </a:spcAft>
+                      </a:pPr>
+                      <a:r>
+                        <a:rPr lang="eu-ES" sz="1400" dirty="0">
+                          <a:effectLst/>
+                        </a:rPr>
+                        <a:t> 23</a:t>
+                      </a:r>
+                      <a:endParaRPr lang="es-ES" sz="1600" dirty="0">
+                        <a:effectLst/>
+                        <a:latin typeface="Calibri" panose="020F0502020204030204" pitchFamily="34" charset="0"/>
+                        <a:ea typeface="Times New Roman" panose="02020603050405020304" pitchFamily="18" charset="0"/>
+                        <a:cs typeface="Times New Roman" panose="02020603050405020304" pitchFamily="18" charset="0"/>
+                      </a:endParaRPr>
+                    </a:p>
+                  </a:txBody>
+                  <a:tcPr marL="44450" marR="44450" marT="0" marB="0" anchor="ctr"/>
+                </a:tc>
+                <a:extLst>
+                  <a:ext uri="{0D108BD9-81ED-4DB2-BD59-A6C34878D82A}">
+                    <a16:rowId xmlns:a16="http://schemas.microsoft.com/office/drawing/2014/main" val="2233053579"/>
+                  </a:ext>
+                </a:extLst>
+              </a:tr>
+            </a:tbl>
+          </a:graphicData>
+        </a:graphic>
+      </p:graphicFrame>
+    </p:spTree>
+    <p:extLst>
+      <p:ext uri="{BB962C8B-B14F-4D97-AF65-F5344CB8AC3E}">
+        <p14:creationId xmlns:p14="http://schemas.microsoft.com/office/powerpoint/2010/main" val="3403456510"/>
+      </p:ext>
+    </p:extLst>
+  </p:cSld>
+  <p:clrMapOvr>
+    <a:masterClrMapping/>
+  </p:clrMapOvr>
+</p:sld>
+</file>
+
+<file path=ppt/slides/slide31.xml><?xml version="1.0" encoding="utf-8"?>
+<p:sld xmlns:a="http://schemas.openxmlformats.org/drawingml/2006/main" xmlns:r="http://schemas.openxmlformats.org/officeDocument/2006/relationships" xmlns:p="http://schemas.openxmlformats.org/presentationml/2006/main">
+  <p:cSld>
+    <p:spTree>
+      <p:nvGrpSpPr>
+        <p:cNvPr id="1" name=""/>
+        <p:cNvGrpSpPr/>
+        <p:nvPr/>
+      </p:nvGrpSpPr>
+      <p:grpSpPr>
+        <a:xfrm>
+          <a:off x="0" y="0"/>
+          <a:ext cx="0" cy="0"/>
+          <a:chOff x="0" y="0"/>
+          <a:chExt cx="0" cy="0"/>
+        </a:xfrm>
+      </p:grpSpPr>
+      <p:sp>
+        <p:nvSpPr>
+          <p:cNvPr id="2" name="Título 1">
+            <a:extLst>
+              <a:ext uri="{FF2B5EF4-FFF2-40B4-BE49-F238E27FC236}">
+                <a16:creationId xmlns:a16="http://schemas.microsoft.com/office/drawing/2014/main" id="{3C276E45-DBBD-4426-B7E9-323A61651935}"/>
+              </a:ext>
+            </a:extLst>
+          </p:cNvPr>
+          <p:cNvSpPr>
+            <a:spLocks noGrp="1"/>
+          </p:cNvSpPr>
+          <p:nvPr>
+            <p:ph type="title"/>
+          </p:nvPr>
+        </p:nvSpPr>
+        <p:spPr/>
+        <p:txBody>
+          <a:bodyPr anchor="t"/>
+          <a:lstStyle/>
+          <a:p>
+            <a:r>
+              <a:rPr lang="es-ES" dirty="0"/>
+              <a:t>13. </a:t>
+            </a:r>
+            <a:r>
+              <a:rPr lang="es-ES" dirty="0" err="1"/>
+              <a:t>Denbora</a:t>
+            </a:r>
+            <a:r>
+              <a:rPr lang="es-ES" dirty="0"/>
+              <a:t> </a:t>
+            </a:r>
+            <a:r>
+              <a:rPr lang="es-ES" dirty="0" err="1"/>
+              <a:t>Planifikazioa</a:t>
+            </a:r>
+            <a:br>
+              <a:rPr lang="es-ES" dirty="0"/>
+            </a:br>
+            <a:r>
+              <a:rPr lang="es-ES" sz="3200" dirty="0" err="1"/>
+              <a:t>Denboraren</a:t>
+            </a:r>
+            <a:r>
+              <a:rPr lang="es-ES" sz="3200" dirty="0"/>
+              <a:t> </a:t>
+            </a:r>
+            <a:r>
+              <a:rPr lang="es-ES" sz="3200" dirty="0" err="1"/>
+              <a:t>Neurketa</a:t>
             </a:r>
             <a:endParaRPr lang="es-ES" dirty="0"/>
           </a:p>
@@ -16495,252 +22550,7 @@
 </p:sld>
 </file>
 
-<file path=ppt/slides/slide3.xml><?xml version="1.0" encoding="utf-8"?>
-<p:sld xmlns:a="http://schemas.openxmlformats.org/drawingml/2006/main" xmlns:r="http://schemas.openxmlformats.org/officeDocument/2006/relationships" xmlns:p="http://schemas.openxmlformats.org/presentationml/2006/main">
-  <p:cSld>
-    <p:spTree>
-      <p:nvGrpSpPr>
-        <p:cNvPr id="1" name=""/>
-        <p:cNvGrpSpPr/>
-        <p:nvPr/>
-      </p:nvGrpSpPr>
-      <p:grpSpPr>
-        <a:xfrm>
-          <a:off x="0" y="0"/>
-          <a:ext cx="0" cy="0"/>
-          <a:chOff x="0" y="0"/>
-          <a:chExt cx="0" cy="0"/>
-        </a:xfrm>
-      </p:grpSpPr>
-      <p:sp>
-        <p:nvSpPr>
-          <p:cNvPr id="5" name="Título 4">
-            <a:extLst>
-              <a:ext uri="{FF2B5EF4-FFF2-40B4-BE49-F238E27FC236}">
-                <a16:creationId xmlns:a16="http://schemas.microsoft.com/office/drawing/2014/main" id="{F3748815-08DA-4880-A456-265A8820FA42}"/>
-              </a:ext>
-            </a:extLst>
-          </p:cNvPr>
-          <p:cNvSpPr>
-            <a:spLocks noGrp="1"/>
-          </p:cNvSpPr>
-          <p:nvPr>
-            <p:ph type="title"/>
-          </p:nvPr>
-        </p:nvSpPr>
-        <p:spPr/>
-        <p:txBody>
-          <a:bodyPr/>
-          <a:lstStyle/>
-          <a:p>
-            <a:r>
-              <a:rPr lang="es-ES" dirty="0"/>
-              <a:t>1. </a:t>
-            </a:r>
-            <a:r>
-              <a:rPr lang="es-ES" dirty="0" err="1"/>
-              <a:t>Sarrera</a:t>
-            </a:r>
-            <a:endParaRPr lang="es-ES" dirty="0"/>
-          </a:p>
-        </p:txBody>
-      </p:sp>
-      <p:sp>
-        <p:nvSpPr>
-          <p:cNvPr id="6" name="Marcador de contenido 5">
-            <a:extLst>
-              <a:ext uri="{FF2B5EF4-FFF2-40B4-BE49-F238E27FC236}">
-                <a16:creationId xmlns:a16="http://schemas.microsoft.com/office/drawing/2014/main" id="{16AE5108-6509-4D25-B65E-19A3343EFF98}"/>
-              </a:ext>
-            </a:extLst>
-          </p:cNvPr>
-          <p:cNvSpPr>
-            <a:spLocks noGrp="1"/>
-          </p:cNvSpPr>
-          <p:nvPr>
-            <p:ph idx="1"/>
-          </p:nvPr>
-        </p:nvSpPr>
-        <p:spPr/>
-        <p:txBody>
-          <a:bodyPr/>
-          <a:lstStyle/>
-          <a:p>
-            <a:r>
-              <a:rPr lang="es-ES" dirty="0" err="1"/>
-              <a:t>Proiektuaren</a:t>
-            </a:r>
-            <a:r>
-              <a:rPr lang="es-ES" dirty="0"/>
-              <a:t> </a:t>
-            </a:r>
-            <a:r>
-              <a:rPr lang="es-ES" dirty="0" err="1"/>
-              <a:t>webgunea</a:t>
-            </a:r>
-            <a:r>
-              <a:rPr lang="es-ES" dirty="0"/>
-              <a:t>: </a:t>
-            </a:r>
-            <a:r>
-              <a:rPr lang="es-ES" dirty="0">
-                <a:hlinkClick r:id="rId2"/>
-              </a:rPr>
-              <a:t>https://juletx.github.io/ProMeta/</a:t>
-            </a:r>
-            <a:endParaRPr lang="es-ES" dirty="0"/>
-          </a:p>
-          <a:p>
-            <a:endParaRPr lang="es-ES" dirty="0"/>
-          </a:p>
-          <a:p>
-            <a:pPr marL="0" indent="0">
-              <a:buNone/>
-            </a:pPr>
-            <a:endParaRPr lang="es-ES" dirty="0"/>
-          </a:p>
-          <a:p>
-            <a:endParaRPr lang="es-ES" dirty="0"/>
-          </a:p>
-          <a:p>
-            <a:pPr marL="0" indent="0">
-              <a:buNone/>
-            </a:pPr>
-            <a:endParaRPr lang="es-ES" dirty="0"/>
-          </a:p>
-          <a:p>
-            <a:pPr marL="0" indent="0">
-              <a:buNone/>
-            </a:pPr>
-            <a:endParaRPr lang="es-ES" dirty="0"/>
-          </a:p>
-          <a:p>
-            <a:pPr marL="0" indent="0">
-              <a:buNone/>
-            </a:pPr>
-            <a:r>
-              <a:rPr lang="es-ES" dirty="0"/>
-              <a:t>CCII-N2016-02</a:t>
-            </a:r>
-          </a:p>
-        </p:txBody>
-      </p:sp>
-      <p:pic>
-        <p:nvPicPr>
-          <p:cNvPr id="4" name="Imagen 3">
-            <a:extLst>
-              <a:ext uri="{FF2B5EF4-FFF2-40B4-BE49-F238E27FC236}">
-                <a16:creationId xmlns:a16="http://schemas.microsoft.com/office/drawing/2014/main" id="{EEC2E5C6-52D3-4DCC-BA0B-7DF22E49CCCD}"/>
-              </a:ext>
-            </a:extLst>
-          </p:cNvPr>
-          <p:cNvPicPr>
-            <a:picLocks noChangeAspect="1"/>
-          </p:cNvPicPr>
-          <p:nvPr/>
-        </p:nvPicPr>
-        <p:blipFill>
-          <a:blip r:embed="rId3"/>
-          <a:stretch>
-            <a:fillRect/>
-          </a:stretch>
-        </p:blipFill>
-        <p:spPr>
-          <a:xfrm>
-            <a:off x="4793677" y="2491050"/>
-            <a:ext cx="6794747" cy="3820850"/>
-          </a:xfrm>
-          <a:prstGeom prst="rect">
-            <a:avLst/>
-          </a:prstGeom>
-        </p:spPr>
-      </p:pic>
-      <p:pic>
-        <p:nvPicPr>
-          <p:cNvPr id="7" name="Imagen 6">
-            <a:extLst>
-              <a:ext uri="{FF2B5EF4-FFF2-40B4-BE49-F238E27FC236}">
-                <a16:creationId xmlns:a16="http://schemas.microsoft.com/office/drawing/2014/main" id="{11C0C8DB-740A-49DC-96FD-9F2A0A591242}"/>
-              </a:ext>
-            </a:extLst>
-          </p:cNvPr>
-          <p:cNvPicPr>
-            <a:picLocks noChangeAspect="1"/>
-          </p:cNvPicPr>
-          <p:nvPr/>
-        </p:nvPicPr>
-        <p:blipFill>
-          <a:blip r:embed="rId4" cstate="hqprint">
-            <a:extLst>
-              <a:ext uri="{28A0092B-C50C-407E-A947-70E740481C1C}">
-                <a14:useLocalDpi xmlns:a14="http://schemas.microsoft.com/office/drawing/2010/main" val="0"/>
-              </a:ext>
-            </a:extLst>
-          </a:blip>
-          <a:stretch>
-            <a:fillRect/>
-          </a:stretch>
-        </p:blipFill>
-        <p:spPr>
-          <a:xfrm>
-            <a:off x="1037453" y="2623557"/>
-            <a:ext cx="1888804" cy="944402"/>
-          </a:xfrm>
-          <a:prstGeom prst="rect">
-            <a:avLst/>
-          </a:prstGeom>
-        </p:spPr>
-      </p:pic>
-      <p:pic>
-        <p:nvPicPr>
-          <p:cNvPr id="8" name="Imagen 7">
-            <a:extLst>
-              <a:ext uri="{FF2B5EF4-FFF2-40B4-BE49-F238E27FC236}">
-                <a16:creationId xmlns:a16="http://schemas.microsoft.com/office/drawing/2014/main" id="{171CE065-B69E-4748-996F-36170CBF1EC5}"/>
-              </a:ext>
-            </a:extLst>
-          </p:cNvPr>
-          <p:cNvPicPr>
-            <a:picLocks noChangeAspect="1"/>
-          </p:cNvPicPr>
-          <p:nvPr/>
-        </p:nvPicPr>
-        <p:blipFill>
-          <a:blip r:embed="rId5">
-            <a:extLst>
-              <a:ext uri="{28A0092B-C50C-407E-A947-70E740481C1C}">
-                <a14:useLocalDpi xmlns:a14="http://schemas.microsoft.com/office/drawing/2010/main" val="0"/>
-              </a:ext>
-            </a:extLst>
-          </a:blip>
-          <a:stretch>
-            <a:fillRect/>
-          </a:stretch>
-        </p:blipFill>
-        <p:spPr>
-          <a:xfrm>
-            <a:off x="553937" y="3702896"/>
-            <a:ext cx="2855836" cy="1009969"/>
-          </a:xfrm>
-          <a:prstGeom prst="rect">
-            <a:avLst/>
-          </a:prstGeom>
-        </p:spPr>
-      </p:pic>
-    </p:spTree>
-    <p:extLst>
-      <p:ext uri="{BB962C8B-B14F-4D97-AF65-F5344CB8AC3E}">
-        <p14:creationId xmlns:p14="http://schemas.microsoft.com/office/powerpoint/2010/main" val="3408156560"/>
-      </p:ext>
-    </p:extLst>
-  </p:cSld>
-  <p:clrMapOvr>
-    <a:masterClrMapping/>
-  </p:clrMapOvr>
-</p:sld>
-</file>
-
-<file path=ppt/slides/slide30.xml><?xml version="1.0" encoding="utf-8"?>
+<file path=ppt/slides/slide32.xml><?xml version="1.0" encoding="utf-8"?>
 <p:sld xmlns:a="http://schemas.openxmlformats.org/drawingml/2006/main" xmlns:r="http://schemas.openxmlformats.org/officeDocument/2006/relationships" xmlns:p="http://schemas.openxmlformats.org/presentationml/2006/main">
   <p:cSld>
     <p:spTree>
@@ -16775,7 +22585,7 @@
         </p:nvSpPr>
         <p:spPr/>
         <p:txBody>
-          <a:bodyPr/>
+          <a:bodyPr anchor="t"/>
           <a:lstStyle/>
           <a:p>
             <a:r>
@@ -16794,31 +22604,6 @@
               <a:rPr lang="es-ES" dirty="0" err="1"/>
               <a:t>Laburpena</a:t>
             </a:r>
-            <a:endParaRPr lang="es-ES" dirty="0"/>
-          </a:p>
-        </p:txBody>
-      </p:sp>
-      <p:sp>
-        <p:nvSpPr>
-          <p:cNvPr id="3" name="Marcador de contenido 2">
-            <a:extLst>
-              <a:ext uri="{FF2B5EF4-FFF2-40B4-BE49-F238E27FC236}">
-                <a16:creationId xmlns:a16="http://schemas.microsoft.com/office/drawing/2014/main" id="{A7C78DF4-2462-42E9-B85A-EA89880B63A2}"/>
-              </a:ext>
-            </a:extLst>
-          </p:cNvPr>
-          <p:cNvSpPr>
-            <a:spLocks noGrp="1"/>
-          </p:cNvSpPr>
-          <p:nvPr>
-            <p:ph idx="1"/>
-          </p:nvPr>
-        </p:nvSpPr>
-        <p:spPr/>
-        <p:txBody>
-          <a:bodyPr/>
-          <a:lstStyle/>
-          <a:p>
             <a:endParaRPr lang="es-ES" dirty="0"/>
           </a:p>
         </p:txBody>
@@ -16838,20 +22623,20 @@
           <p:nvPr>
             <p:extLst>
               <p:ext uri="{D42A27DB-BD31-4B8C-83A1-F6EECF244321}">
-                <p14:modId xmlns:p14="http://schemas.microsoft.com/office/powerpoint/2010/main" val="3846778733"/>
+                <p14:modId xmlns:p14="http://schemas.microsoft.com/office/powerpoint/2010/main" val="363763819"/>
               </p:ext>
             </p:extLst>
           </p:nvPr>
         </p:nvGraphicFramePr>
         <p:xfrm>
-          <a:off x="1508395" y="2811533"/>
+          <a:off x="1577974" y="2838166"/>
           <a:ext cx="9036051" cy="2025421"/>
         </p:xfrm>
         <a:graphic>
           <a:graphicData uri="http://schemas.openxmlformats.org/drawingml/2006/table">
             <a:tbl>
               <a:tblPr firstRow="1" bandRow="1">
-                <a:tableStyleId>{5C22544A-7EE6-4342-B048-85BDC9FD1C3A}</a:tableStyleId>
+                <a:tableStyleId>{616DA210-FB5B-4158-B5E0-FEB733F419BA}</a:tableStyleId>
               </a:tblPr>
               <a:tblGrid>
                 <a:gridCol w="2819466">
@@ -16884,9 +22669,7 @@
                     <a:p>
                       <a:pPr algn="ctr"/>
                       <a:r>
-                        <a:rPr lang="es-ES" dirty="0">
-                          <a:latin typeface="Century Gothic" panose="020B0502020202020204" pitchFamily="34" charset="0"/>
-                        </a:rPr>
+                        <a:rPr lang="es-ES" dirty="0"/>
                         <a:t>Partida</a:t>
                       </a:r>
                       <a:endParaRPr lang="eu-ES" dirty="0">
@@ -16903,9 +22686,7 @@
                     <a:p>
                       <a:pPr algn="ctr"/>
                       <a:r>
-                        <a:rPr lang="es-ES" dirty="0" err="1">
-                          <a:latin typeface="Century Gothic" panose="020B0502020202020204" pitchFamily="34" charset="0"/>
-                        </a:rPr>
+                        <a:rPr lang="es-ES" dirty="0" err="1"/>
                         <a:t>Parametroak</a:t>
                       </a:r>
                       <a:endParaRPr lang="eu-ES" dirty="0">
@@ -16922,39 +22703,27 @@
                     <a:p>
                       <a:pPr algn="ctr"/>
                       <a:r>
-                        <a:rPr lang="es-ES" dirty="0" err="1">
-                          <a:latin typeface="Century Gothic" panose="020B0502020202020204" pitchFamily="34" charset="0"/>
-                        </a:rPr>
+                        <a:rPr lang="es-ES" dirty="0" err="1"/>
                         <a:t>Totala</a:t>
                       </a:r>
                       <a:r>
-                        <a:rPr lang="es-ES" dirty="0">
-                          <a:latin typeface="Century Gothic" panose="020B0502020202020204" pitchFamily="34" charset="0"/>
-                        </a:rPr>
+                        <a:rPr lang="es-ES" dirty="0"/>
                         <a:t> (</a:t>
                       </a:r>
                       <a:r>
-                        <a:rPr lang="es-ES" dirty="0" err="1">
-                          <a:latin typeface="Century Gothic" panose="020B0502020202020204" pitchFamily="34" charset="0"/>
-                        </a:rPr>
+                        <a:rPr lang="es-ES" dirty="0" err="1"/>
                         <a:t>BEZa</a:t>
                       </a:r>
                       <a:r>
-                        <a:rPr lang="es-ES" dirty="0">
-                          <a:latin typeface="Century Gothic" panose="020B0502020202020204" pitchFamily="34" charset="0"/>
-                        </a:rPr>
+                        <a:rPr lang="es-ES" dirty="0"/>
                         <a:t> </a:t>
                       </a:r>
                       <a:r>
-                        <a:rPr lang="es-ES" dirty="0" err="1">
-                          <a:latin typeface="Century Gothic" panose="020B0502020202020204" pitchFamily="34" charset="0"/>
-                        </a:rPr>
+                        <a:rPr lang="es-ES" dirty="0" err="1"/>
                         <a:t>barne</a:t>
                       </a:r>
                       <a:r>
-                        <a:rPr lang="es-ES" dirty="0">
-                          <a:latin typeface="Century Gothic" panose="020B0502020202020204" pitchFamily="34" charset="0"/>
-                        </a:rPr>
+                        <a:rPr lang="es-ES" dirty="0"/>
                         <a:t>)</a:t>
                       </a:r>
                       <a:endParaRPr lang="eu-ES" dirty="0">
@@ -16979,45 +22748,30 @@
                       <a:r>
                         <a:rPr lang="es-ES" dirty="0" err="1">
                           <a:solidFill>
-                            <a:schemeClr val="tx2">
-                              <a:lumMod val="90000"/>
-                              <a:lumOff val="10000"/>
-                            </a:schemeClr>
+                            <a:schemeClr val="tx1"/>
                           </a:solidFill>
-                          <a:latin typeface="Century Gothic" panose="020B0502020202020204" pitchFamily="34" charset="0"/>
                         </a:rPr>
                         <a:t>Giza</a:t>
                       </a:r>
                       <a:r>
                         <a:rPr lang="es-ES" dirty="0">
                           <a:solidFill>
-                            <a:schemeClr val="tx2">
-                              <a:lumMod val="90000"/>
-                              <a:lumOff val="10000"/>
-                            </a:schemeClr>
+                            <a:schemeClr val="tx1"/>
                           </a:solidFill>
-                          <a:latin typeface="Century Gothic" panose="020B0502020202020204" pitchFamily="34" charset="0"/>
                         </a:rPr>
                         <a:t> </a:t>
                       </a:r>
                       <a:r>
                         <a:rPr lang="es-ES" dirty="0" err="1">
                           <a:solidFill>
-                            <a:schemeClr val="tx2">
-                              <a:lumMod val="90000"/>
-                              <a:lumOff val="10000"/>
-                            </a:schemeClr>
+                            <a:schemeClr val="tx1"/>
                           </a:solidFill>
-                          <a:latin typeface="Century Gothic" panose="020B0502020202020204" pitchFamily="34" charset="0"/>
                         </a:rPr>
                         <a:t>Baliabideak</a:t>
                       </a:r>
                       <a:endParaRPr lang="eu-ES" dirty="0">
                         <a:solidFill>
-                          <a:schemeClr val="tx2">
-                            <a:lumMod val="90000"/>
-                            <a:lumOff val="10000"/>
-                          </a:schemeClr>
+                          <a:schemeClr val="tx1"/>
                         </a:solidFill>
                         <a:latin typeface="Century Gothic" panose="020B0502020202020204" pitchFamily="34" charset="0"/>
                       </a:endParaRPr>
@@ -17033,45 +22787,30 @@
                       <a:r>
                         <a:rPr lang="es-ES" dirty="0">
                           <a:solidFill>
-                            <a:schemeClr val="tx2">
-                              <a:lumMod val="90000"/>
-                              <a:lumOff val="10000"/>
-                            </a:schemeClr>
+                            <a:schemeClr val="tx1"/>
                           </a:solidFill>
-                          <a:latin typeface="Century Gothic" panose="020B0502020202020204" pitchFamily="34" charset="0"/>
                         </a:rPr>
-                        <a:t>386 </a:t>
+                        <a:t>450 </a:t>
                       </a:r>
                       <a:r>
                         <a:rPr lang="es-ES" dirty="0" err="1">
                           <a:solidFill>
-                            <a:schemeClr val="tx2">
-                              <a:lumMod val="90000"/>
-                              <a:lumOff val="10000"/>
-                            </a:schemeClr>
+                            <a:schemeClr val="tx1"/>
                           </a:solidFill>
-                          <a:latin typeface="Century Gothic" panose="020B0502020202020204" pitchFamily="34" charset="0"/>
                         </a:rPr>
                         <a:t>ordu</a:t>
                       </a:r>
                       <a:r>
                         <a:rPr lang="es-ES" dirty="0">
                           <a:solidFill>
-                            <a:schemeClr val="tx2">
-                              <a:lumMod val="90000"/>
-                              <a:lumOff val="10000"/>
-                            </a:schemeClr>
+                            <a:schemeClr val="tx1"/>
                           </a:solidFill>
-                          <a:latin typeface="Century Gothic" panose="020B0502020202020204" pitchFamily="34" charset="0"/>
                         </a:rPr>
                         <a:t> x 50,00 €</a:t>
                       </a:r>
                       <a:endParaRPr lang="eu-ES" dirty="0">
                         <a:solidFill>
-                          <a:schemeClr val="tx2">
-                            <a:lumMod val="90000"/>
-                            <a:lumOff val="10000"/>
-                          </a:schemeClr>
+                          <a:schemeClr val="tx1"/>
                         </a:solidFill>
                         <a:latin typeface="Century Gothic" panose="020B0502020202020204" pitchFamily="34" charset="0"/>
                       </a:endParaRPr>
@@ -17088,33 +22827,22 @@
                       <a:r>
                         <a:rPr lang="es-ES" dirty="0">
                           <a:solidFill>
-                            <a:schemeClr val="tx2">
-                              <a:lumMod val="90000"/>
-                              <a:lumOff val="10000"/>
-                            </a:schemeClr>
+                            <a:schemeClr val="tx1"/>
                           </a:solidFill>
-                          <a:latin typeface="Century Gothic" panose="020B0502020202020204" pitchFamily="34" charset="0"/>
                         </a:rPr>
                         <a:t>28.024,00</a:t>
                       </a:r>
                       <a:r>
                         <a:rPr lang="es-ES" baseline="0" dirty="0">
                           <a:solidFill>
-                            <a:schemeClr val="tx2">
-                              <a:lumMod val="90000"/>
-                              <a:lumOff val="10000"/>
-                            </a:schemeClr>
+                            <a:schemeClr val="tx1"/>
                           </a:solidFill>
-                          <a:latin typeface="Century Gothic" panose="020B0502020202020204" pitchFamily="34" charset="0"/>
                         </a:rPr>
                         <a:t> €</a:t>
                       </a:r>
                       <a:endParaRPr lang="eu-ES" dirty="0">
                         <a:solidFill>
-                          <a:schemeClr val="tx2">
-                            <a:lumMod val="90000"/>
-                            <a:lumOff val="10000"/>
-                          </a:schemeClr>
+                          <a:schemeClr val="tx1"/>
                         </a:solidFill>
                         <a:latin typeface="Century Gothic" panose="020B0502020202020204" pitchFamily="34" charset="0"/>
                       </a:endParaRPr>
@@ -17137,21 +22865,14 @@
                       <a:r>
                         <a:rPr lang="es-ES" dirty="0" err="1">
                           <a:solidFill>
-                            <a:schemeClr val="tx2">
-                              <a:lumMod val="90000"/>
-                              <a:lumOff val="10000"/>
-                            </a:schemeClr>
+                            <a:schemeClr val="tx1"/>
                           </a:solidFill>
-                          <a:latin typeface="Century Gothic" panose="020B0502020202020204" pitchFamily="34" charset="0"/>
                         </a:rPr>
                         <a:t>Erramintak</a:t>
                       </a:r>
                       <a:endParaRPr lang="eu-ES" i="1" dirty="0">
                         <a:solidFill>
-                          <a:schemeClr val="tx2">
-                            <a:lumMod val="90000"/>
-                            <a:lumOff val="10000"/>
-                          </a:schemeClr>
+                          <a:schemeClr val="tx1"/>
                         </a:solidFill>
                         <a:latin typeface="Century Gothic" panose="020B0502020202020204" pitchFamily="34" charset="0"/>
                       </a:endParaRPr>
@@ -17167,57 +22888,14 @@
                       <a:r>
                         <a:rPr lang="es-ES" dirty="0">
                           <a:solidFill>
-                            <a:schemeClr val="tx2">
-                              <a:lumMod val="90000"/>
-                              <a:lumOff val="10000"/>
-                            </a:schemeClr>
+                            <a:schemeClr val="tx1"/>
                           </a:solidFill>
-                          <a:latin typeface="Century Gothic" panose="020B0502020202020204" pitchFamily="34" charset="0"/>
                         </a:rPr>
                         <a:t>0,00 €</a:t>
                       </a:r>
-                      <a:r>
-                        <a:rPr lang="es-ES" baseline="0" dirty="0">
-                          <a:solidFill>
-                            <a:schemeClr val="tx2">
-                              <a:lumMod val="90000"/>
-                              <a:lumOff val="10000"/>
-                            </a:schemeClr>
-                          </a:solidFill>
-                          <a:latin typeface="Century Gothic" panose="020B0502020202020204" pitchFamily="34" charset="0"/>
-                        </a:rPr>
-                        <a:t> + 0,00 € (</a:t>
-                      </a:r>
-                      <a:r>
-                        <a:rPr lang="es-ES" baseline="0" dirty="0" err="1">
-                          <a:solidFill>
-                            <a:schemeClr val="tx2">
-                              <a:lumMod val="90000"/>
-                              <a:lumOff val="10000"/>
-                            </a:schemeClr>
-                          </a:solidFill>
-                          <a:latin typeface="Century Gothic" panose="020B0502020202020204" pitchFamily="34" charset="0"/>
-                        </a:rPr>
-                        <a:t>mantenua</a:t>
-                      </a:r>
-                      <a:r>
-                        <a:rPr lang="es-ES" baseline="0" dirty="0">
-                          <a:solidFill>
-                            <a:schemeClr val="tx2">
-                              <a:lumMod val="90000"/>
-                              <a:lumOff val="10000"/>
-                            </a:schemeClr>
-                          </a:solidFill>
-                          <a:latin typeface="Century Gothic" panose="020B0502020202020204" pitchFamily="34" charset="0"/>
-                        </a:rPr>
-                        <a:t>)</a:t>
-                      </a:r>
                       <a:endParaRPr lang="eu-ES" dirty="0">
                         <a:solidFill>
-                          <a:schemeClr val="tx2">
-                            <a:lumMod val="90000"/>
-                            <a:lumOff val="10000"/>
-                          </a:schemeClr>
+                          <a:schemeClr val="tx1"/>
                         </a:solidFill>
                         <a:latin typeface="Century Gothic" panose="020B0502020202020204" pitchFamily="34" charset="0"/>
                       </a:endParaRPr>
@@ -17234,21 +22912,14 @@
                       <a:r>
                         <a:rPr lang="es-ES" dirty="0">
                           <a:solidFill>
-                            <a:schemeClr val="tx2">
-                              <a:lumMod val="90000"/>
-                              <a:lumOff val="10000"/>
-                            </a:schemeClr>
+                            <a:schemeClr val="tx1"/>
                           </a:solidFill>
-                          <a:latin typeface="Century Gothic" panose="020B0502020202020204" pitchFamily="34" charset="0"/>
                         </a:rPr>
                         <a:t>0,00 €</a:t>
                       </a:r>
                       <a:endParaRPr lang="eu-ES" dirty="0">
                         <a:solidFill>
-                          <a:schemeClr val="tx2">
-                            <a:lumMod val="90000"/>
-                            <a:lumOff val="10000"/>
-                          </a:schemeClr>
+                          <a:schemeClr val="tx1"/>
                         </a:solidFill>
                         <a:latin typeface="Century Gothic" panose="020B0502020202020204" pitchFamily="34" charset="0"/>
                       </a:endParaRPr>
@@ -17272,19 +22943,14 @@
                       <a:r>
                         <a:rPr lang="es-ES" b="1" dirty="0">
                           <a:solidFill>
-                            <a:schemeClr val="accent1">
-                              <a:lumMod val="50000"/>
-                            </a:schemeClr>
+                            <a:schemeClr val="tx1"/>
                           </a:solidFill>
-                          <a:latin typeface="Century Gothic" panose="020B0502020202020204" pitchFamily="34" charset="0"/>
                         </a:rPr>
                         <a:t>GUZTIRA</a:t>
                       </a:r>
                       <a:endParaRPr lang="eu-ES" b="1" dirty="0">
                         <a:solidFill>
-                          <a:schemeClr val="accent1">
-                            <a:lumMod val="50000"/>
-                          </a:schemeClr>
+                          <a:schemeClr val="tx1"/>
                         </a:solidFill>
                         <a:latin typeface="Century Gothic" panose="020B0502020202020204" pitchFamily="34" charset="0"/>
                       </a:endParaRPr>
@@ -17311,19 +22977,14 @@
                       <a:r>
                         <a:rPr lang="es-ES" sz="2400" b="1" dirty="0">
                           <a:solidFill>
-                            <a:schemeClr val="accent1">
-                              <a:lumMod val="50000"/>
-                            </a:schemeClr>
+                            <a:schemeClr val="tx1"/>
                           </a:solidFill>
-                          <a:latin typeface="Century Gothic" panose="020B0502020202020204" pitchFamily="34" charset="0"/>
                         </a:rPr>
                         <a:t>28.024,00 €</a:t>
                       </a:r>
                       <a:endParaRPr lang="eu-ES" sz="2400" b="1" dirty="0">
                         <a:solidFill>
-                          <a:schemeClr val="accent1">
-                            <a:lumMod val="50000"/>
-                          </a:schemeClr>
+                          <a:schemeClr val="tx1"/>
                         </a:solidFill>
                         <a:latin typeface="Century Gothic" panose="020B0502020202020204" pitchFamily="34" charset="0"/>
                       </a:endParaRPr>
@@ -17354,7 +23015,7 @@
 </p:sld>
 </file>
 
-<file path=ppt/slides/slide31.xml><?xml version="1.0" encoding="utf-8"?>
+<file path=ppt/slides/slide33.xml><?xml version="1.0" encoding="utf-8"?>
 <p:sld xmlns:a="http://schemas.openxmlformats.org/drawingml/2006/main" xmlns:r="http://schemas.openxmlformats.org/officeDocument/2006/relationships" xmlns:p="http://schemas.openxmlformats.org/presentationml/2006/main">
   <p:cSld>
     <p:spTree>
@@ -17389,7 +23050,7 @@
         </p:nvSpPr>
         <p:spPr/>
         <p:txBody>
-          <a:bodyPr/>
+          <a:bodyPr anchor="t"/>
           <a:lstStyle/>
           <a:p>
             <a:r>
@@ -17442,7 +23103,7 @@
 </p:sld>
 </file>
 
-<file path=ppt/slides/slide32.xml><?xml version="1.0" encoding="utf-8"?>
+<file path=ppt/slides/slide34.xml><?xml version="1.0" encoding="utf-8"?>
 <p:sld xmlns:a="http://schemas.openxmlformats.org/drawingml/2006/main" xmlns:r="http://schemas.openxmlformats.org/officeDocument/2006/relationships" xmlns:p="http://schemas.openxmlformats.org/presentationml/2006/main">
   <p:cSld>
     <p:spTree>
@@ -17829,7 +23490,7 @@
         </p:nvSpPr>
         <p:spPr/>
         <p:txBody>
-          <a:bodyPr/>
+          <a:bodyPr anchor="t"/>
           <a:lstStyle/>
           <a:p>
             <a:r>
@@ -18293,7 +23954,7 @@
         </p:nvSpPr>
         <p:spPr/>
         <p:txBody>
-          <a:bodyPr/>
+          <a:bodyPr anchor="t"/>
           <a:lstStyle/>
           <a:p>
             <a:r>
@@ -19265,7 +24926,7 @@
         </p:nvSpPr>
         <p:spPr/>
         <p:txBody>
-          <a:bodyPr/>
+          <a:bodyPr anchor="t"/>
           <a:lstStyle/>
           <a:p>
             <a:r>
@@ -19678,7 +25339,7 @@
         </p:nvSpPr>
         <p:spPr/>
         <p:txBody>
-          <a:bodyPr/>
+          <a:bodyPr anchor="t"/>
           <a:lstStyle/>
           <a:p>
             <a:r>
@@ -20020,7 +25681,7 @@
         </p:nvSpPr>
         <p:spPr/>
         <p:txBody>
-          <a:bodyPr/>
+          <a:bodyPr anchor="t"/>
           <a:lstStyle/>
           <a:p>
             <a:r>
@@ -20267,7 +25928,7 @@
         </p:nvSpPr>
         <p:spPr/>
         <p:txBody>
-          <a:bodyPr/>
+          <a:bodyPr anchor="t"/>
           <a:lstStyle/>
           <a:p>
             <a:r>
